--- a/Docs/High Level Design.pptx
+++ b/Docs/High Level Design.pptx
@@ -6,9 +6,9 @@
   </p:sldMasterIdLst>
   <p:sldIdLst>
     <p:sldId id="256" r:id="rId2"/>
-    <p:sldId id="257" r:id="rId3"/>
-    <p:sldId id="258" r:id="rId4"/>
-    <p:sldId id="259" r:id="rId5"/>
+    <p:sldId id="259" r:id="rId3"/>
+    <p:sldId id="257" r:id="rId4"/>
+    <p:sldId id="258" r:id="rId5"/>
     <p:sldId id="260" r:id="rId6"/>
   </p:sldIdLst>
   <p:sldSz cx="12192000" cy="6858000"/>
@@ -267,7 +267,7 @@
           <a:p>
             <a:fld id="{B9FE0E5A-DF12-4BCC-9A25-C0A9A4969F8A}" type="datetimeFigureOut">
               <a:rPr lang="ko-KR" altLang="en-US" smtClean="0"/>
-              <a:t>2017-11-07</a:t>
+              <a:t>2017-11-08</a:t>
             </a:fld>
             <a:endParaRPr lang="ko-KR" altLang="en-US"/>
           </a:p>
@@ -465,7 +465,7 @@
           <a:p>
             <a:fld id="{B9FE0E5A-DF12-4BCC-9A25-C0A9A4969F8A}" type="datetimeFigureOut">
               <a:rPr lang="ko-KR" altLang="en-US" smtClean="0"/>
-              <a:t>2017-11-07</a:t>
+              <a:t>2017-11-08</a:t>
             </a:fld>
             <a:endParaRPr lang="ko-KR" altLang="en-US"/>
           </a:p>
@@ -673,7 +673,7 @@
           <a:p>
             <a:fld id="{B9FE0E5A-DF12-4BCC-9A25-C0A9A4969F8A}" type="datetimeFigureOut">
               <a:rPr lang="ko-KR" altLang="en-US" smtClean="0"/>
-              <a:t>2017-11-07</a:t>
+              <a:t>2017-11-08</a:t>
             </a:fld>
             <a:endParaRPr lang="ko-KR" altLang="en-US"/>
           </a:p>
@@ -871,7 +871,7 @@
           <a:p>
             <a:fld id="{B9FE0E5A-DF12-4BCC-9A25-C0A9A4969F8A}" type="datetimeFigureOut">
               <a:rPr lang="ko-KR" altLang="en-US" smtClean="0"/>
-              <a:t>2017-11-07</a:t>
+              <a:t>2017-11-08</a:t>
             </a:fld>
             <a:endParaRPr lang="ko-KR" altLang="en-US"/>
           </a:p>
@@ -1146,7 +1146,7 @@
           <a:p>
             <a:fld id="{B9FE0E5A-DF12-4BCC-9A25-C0A9A4969F8A}" type="datetimeFigureOut">
               <a:rPr lang="ko-KR" altLang="en-US" smtClean="0"/>
-              <a:t>2017-11-07</a:t>
+              <a:t>2017-11-08</a:t>
             </a:fld>
             <a:endParaRPr lang="ko-KR" altLang="en-US"/>
           </a:p>
@@ -1411,7 +1411,7 @@
           <a:p>
             <a:fld id="{B9FE0E5A-DF12-4BCC-9A25-C0A9A4969F8A}" type="datetimeFigureOut">
               <a:rPr lang="ko-KR" altLang="en-US" smtClean="0"/>
-              <a:t>2017-11-07</a:t>
+              <a:t>2017-11-08</a:t>
             </a:fld>
             <a:endParaRPr lang="ko-KR" altLang="en-US"/>
           </a:p>
@@ -1823,7 +1823,7 @@
           <a:p>
             <a:fld id="{B9FE0E5A-DF12-4BCC-9A25-C0A9A4969F8A}" type="datetimeFigureOut">
               <a:rPr lang="ko-KR" altLang="en-US" smtClean="0"/>
-              <a:t>2017-11-07</a:t>
+              <a:t>2017-11-08</a:t>
             </a:fld>
             <a:endParaRPr lang="ko-KR" altLang="en-US"/>
           </a:p>
@@ -1964,7 +1964,7 @@
           <a:p>
             <a:fld id="{B9FE0E5A-DF12-4BCC-9A25-C0A9A4969F8A}" type="datetimeFigureOut">
               <a:rPr lang="ko-KR" altLang="en-US" smtClean="0"/>
-              <a:t>2017-11-07</a:t>
+              <a:t>2017-11-08</a:t>
             </a:fld>
             <a:endParaRPr lang="ko-KR" altLang="en-US"/>
           </a:p>
@@ -2077,7 +2077,7 @@
           <a:p>
             <a:fld id="{B9FE0E5A-DF12-4BCC-9A25-C0A9A4969F8A}" type="datetimeFigureOut">
               <a:rPr lang="ko-KR" altLang="en-US" smtClean="0"/>
-              <a:t>2017-11-07</a:t>
+              <a:t>2017-11-08</a:t>
             </a:fld>
             <a:endParaRPr lang="ko-KR" altLang="en-US"/>
           </a:p>
@@ -2388,7 +2388,7 @@
           <a:p>
             <a:fld id="{B9FE0E5A-DF12-4BCC-9A25-C0A9A4969F8A}" type="datetimeFigureOut">
               <a:rPr lang="ko-KR" altLang="en-US" smtClean="0"/>
-              <a:t>2017-11-07</a:t>
+              <a:t>2017-11-08</a:t>
             </a:fld>
             <a:endParaRPr lang="ko-KR" altLang="en-US"/>
           </a:p>
@@ -2676,7 +2676,7 @@
           <a:p>
             <a:fld id="{B9FE0E5A-DF12-4BCC-9A25-C0A9A4969F8A}" type="datetimeFigureOut">
               <a:rPr lang="ko-KR" altLang="en-US" smtClean="0"/>
-              <a:t>2017-11-07</a:t>
+              <a:t>2017-11-08</a:t>
             </a:fld>
             <a:endParaRPr lang="ko-KR" altLang="en-US"/>
           </a:p>
@@ -2917,7 +2917,7 @@
           <a:p>
             <a:fld id="{B9FE0E5A-DF12-4BCC-9A25-C0A9A4969F8A}" type="datetimeFigureOut">
               <a:rPr lang="ko-KR" altLang="en-US" smtClean="0"/>
-              <a:t>2017-11-07</a:t>
+              <a:t>2017-11-08</a:t>
             </a:fld>
             <a:endParaRPr lang="ko-KR" altLang="en-US"/>
           </a:p>
@@ -6997,7 +6997,7 @@
                   </a:outerShdw>
                 </a:effectLst>
               </a:rPr>
-              <a:t>Add AI Client</a:t>
+              <a:t>Add AI Agent</a:t>
             </a:r>
             <a:endParaRPr lang="ko-KR" altLang="en-US" sz="800" dirty="0">
               <a:ln w="0"/>
@@ -7161,6 +7161,1957 @@
       </p:grpSpPr>
       <p:sp>
         <p:nvSpPr>
+          <p:cNvPr id="150" name="직사각형 149">
+            <a:extLst>
+              <a:ext uri="{FF2B5EF4-FFF2-40B4-BE49-F238E27FC236}">
+                <a16:creationId xmlns:a16="http://schemas.microsoft.com/office/drawing/2014/main" id="{9EBC85EB-E6AF-4EA3-9240-EB931D7094FB}"/>
+              </a:ext>
+            </a:extLst>
+          </p:cNvPr>
+          <p:cNvSpPr/>
+          <p:nvPr/>
+        </p:nvSpPr>
+        <p:spPr>
+          <a:xfrm>
+            <a:off x="5141496" y="-652438"/>
+            <a:ext cx="1909008" cy="402554"/>
+          </a:xfrm>
+          <a:prstGeom prst="rect">
+            <a:avLst/>
+          </a:prstGeom>
+        </p:spPr>
+        <p:style>
+          <a:lnRef idx="2">
+            <a:schemeClr val="accent1">
+              <a:shade val="50000"/>
+            </a:schemeClr>
+          </a:lnRef>
+          <a:fillRef idx="1">
+            <a:schemeClr val="accent1"/>
+          </a:fillRef>
+          <a:effectRef idx="0">
+            <a:schemeClr val="accent1"/>
+          </a:effectRef>
+          <a:fontRef idx="minor">
+            <a:schemeClr val="lt1"/>
+          </a:fontRef>
+        </p:style>
+        <p:txBody>
+          <a:bodyPr rtlCol="0" anchor="ctr"/>
+          <a:lstStyle/>
+          <a:p>
+            <a:pPr algn="ctr"/>
+            <a:r>
+              <a:rPr lang="en-US" altLang="ko-KR" dirty="0"/>
+              <a:t>AI Server</a:t>
+            </a:r>
+          </a:p>
+        </p:txBody>
+      </p:sp>
+      <p:sp>
+        <p:nvSpPr>
+          <p:cNvPr id="47" name="직사각형 46">
+            <a:extLst>
+              <a:ext uri="{FF2B5EF4-FFF2-40B4-BE49-F238E27FC236}">
+                <a16:creationId xmlns:a16="http://schemas.microsoft.com/office/drawing/2014/main" id="{E3F45263-371E-428E-8A3E-1ED202FC6D35}"/>
+              </a:ext>
+            </a:extLst>
+          </p:cNvPr>
+          <p:cNvSpPr/>
+          <p:nvPr/>
+        </p:nvSpPr>
+        <p:spPr>
+          <a:xfrm>
+            <a:off x="5005138" y="294271"/>
+            <a:ext cx="2181727" cy="417095"/>
+          </a:xfrm>
+          <a:prstGeom prst="rect">
+            <a:avLst/>
+          </a:prstGeom>
+          <a:solidFill>
+            <a:schemeClr val="accent4">
+              <a:alpha val="50000"/>
+            </a:schemeClr>
+          </a:solidFill>
+          <a:ln>
+            <a:noFill/>
+          </a:ln>
+        </p:spPr>
+        <p:style>
+          <a:lnRef idx="0">
+            <a:scrgbClr r="0" g="0" b="0"/>
+          </a:lnRef>
+          <a:fillRef idx="0">
+            <a:scrgbClr r="0" g="0" b="0"/>
+          </a:fillRef>
+          <a:effectRef idx="0">
+            <a:scrgbClr r="0" g="0" b="0"/>
+          </a:effectRef>
+          <a:fontRef idx="minor">
+            <a:schemeClr val="lt1"/>
+          </a:fontRef>
+        </p:style>
+        <p:txBody>
+          <a:bodyPr rot="0" spcFirstLastPara="0" vertOverflow="overflow" horzOverflow="overflow" vert="horz" wrap="square" lIns="91440" tIns="45720" rIns="91440" bIns="45720" numCol="1" spcCol="0" rtlCol="0" fromWordArt="0" anchor="ctr" anchorCtr="0" forceAA="0" compatLnSpc="1">
+            <a:prstTxWarp prst="textNoShape">
+              <a:avLst/>
+            </a:prstTxWarp>
+            <a:noAutofit/>
+          </a:bodyPr>
+          <a:lstStyle/>
+          <a:p>
+            <a:pPr algn="ctr"/>
+            <a:r>
+              <a:rPr lang="en-US" altLang="ko-KR" dirty="0">
+                <a:ln w="0"/>
+                <a:solidFill>
+                  <a:schemeClr val="tx1"/>
+                </a:solidFill>
+                <a:effectLst>
+                  <a:outerShdw blurRad="38100" dist="19050" dir="2700000" algn="tl" rotWithShape="0">
+                    <a:schemeClr val="dk1">
+                      <a:alpha val="40000"/>
+                    </a:schemeClr>
+                  </a:outerShdw>
+                </a:effectLst>
+              </a:rPr>
+              <a:t>Server Start</a:t>
+            </a:r>
+          </a:p>
+        </p:txBody>
+      </p:sp>
+      <p:sp>
+        <p:nvSpPr>
+          <p:cNvPr id="48" name="순서도: 연결자 47">
+            <a:extLst>
+              <a:ext uri="{FF2B5EF4-FFF2-40B4-BE49-F238E27FC236}">
+                <a16:creationId xmlns:a16="http://schemas.microsoft.com/office/drawing/2014/main" id="{F73A84A5-7315-43A5-86A0-F0318D71EBBC}"/>
+              </a:ext>
+            </a:extLst>
+          </p:cNvPr>
+          <p:cNvSpPr/>
+          <p:nvPr/>
+        </p:nvSpPr>
+        <p:spPr>
+          <a:xfrm>
+            <a:off x="3681664" y="294271"/>
+            <a:ext cx="417094" cy="417094"/>
+          </a:xfrm>
+          <a:prstGeom prst="flowChartConnector">
+            <a:avLst/>
+          </a:prstGeom>
+          <a:solidFill>
+            <a:schemeClr val="accent4">
+              <a:alpha val="50000"/>
+            </a:schemeClr>
+          </a:solidFill>
+          <a:ln>
+            <a:noFill/>
+          </a:ln>
+        </p:spPr>
+        <p:style>
+          <a:lnRef idx="0">
+            <a:scrgbClr r="0" g="0" b="0"/>
+          </a:lnRef>
+          <a:fillRef idx="0">
+            <a:scrgbClr r="0" g="0" b="0"/>
+          </a:fillRef>
+          <a:effectRef idx="0">
+            <a:scrgbClr r="0" g="0" b="0"/>
+          </a:effectRef>
+          <a:fontRef idx="minor">
+            <a:schemeClr val="lt1"/>
+          </a:fontRef>
+        </p:style>
+        <p:txBody>
+          <a:bodyPr rot="0" spcFirstLastPara="0" vertOverflow="overflow" horzOverflow="overflow" vert="horz" wrap="square" lIns="91440" tIns="45720" rIns="91440" bIns="45720" numCol="1" spcCol="0" rtlCol="0" fromWordArt="0" anchor="ctr" anchorCtr="0" forceAA="0" compatLnSpc="1">
+            <a:prstTxWarp prst="textNoShape">
+              <a:avLst/>
+            </a:prstTxWarp>
+            <a:noAutofit/>
+          </a:bodyPr>
+          <a:lstStyle/>
+          <a:p>
+            <a:pPr algn="ctr"/>
+            <a:endParaRPr lang="ko-KR" altLang="en-US" dirty="0">
+              <a:ln w="0"/>
+              <a:solidFill>
+                <a:schemeClr val="tx1"/>
+              </a:solidFill>
+              <a:effectLst>
+                <a:outerShdw blurRad="38100" dist="19050" dir="2700000" algn="tl" rotWithShape="0">
+                  <a:schemeClr val="dk1">
+                    <a:alpha val="40000"/>
+                  </a:schemeClr>
+                </a:outerShdw>
+              </a:effectLst>
+            </a:endParaRPr>
+          </a:p>
+        </p:txBody>
+      </p:sp>
+      <p:cxnSp>
+        <p:nvCxnSpPr>
+          <p:cNvPr id="49" name="직선 화살표 연결선 48">
+            <a:extLst>
+              <a:ext uri="{FF2B5EF4-FFF2-40B4-BE49-F238E27FC236}">
+                <a16:creationId xmlns:a16="http://schemas.microsoft.com/office/drawing/2014/main" id="{AE29423E-1CCC-42FD-AA24-BCE7C1EAAFC2}"/>
+              </a:ext>
+            </a:extLst>
+          </p:cNvPr>
+          <p:cNvCxnSpPr>
+            <a:stCxn id="48" idx="6"/>
+            <a:endCxn id="47" idx="1"/>
+          </p:cNvCxnSpPr>
+          <p:nvPr/>
+        </p:nvCxnSpPr>
+        <p:spPr>
+          <a:xfrm>
+            <a:off x="4098758" y="502818"/>
+            <a:ext cx="906380" cy="1"/>
+          </a:xfrm>
+          <a:prstGeom prst="straightConnector1">
+            <a:avLst/>
+          </a:prstGeom>
+          <a:ln>
+            <a:tailEnd type="triangle"/>
+          </a:ln>
+        </p:spPr>
+        <p:style>
+          <a:lnRef idx="1">
+            <a:schemeClr val="accent4"/>
+          </a:lnRef>
+          <a:fillRef idx="0">
+            <a:schemeClr val="accent4"/>
+          </a:fillRef>
+          <a:effectRef idx="0">
+            <a:schemeClr val="accent4"/>
+          </a:effectRef>
+          <a:fontRef idx="minor">
+            <a:schemeClr val="tx1"/>
+          </a:fontRef>
+        </p:style>
+      </p:cxnSp>
+      <p:sp>
+        <p:nvSpPr>
+          <p:cNvPr id="50" name="직사각형 49">
+            <a:extLst>
+              <a:ext uri="{FF2B5EF4-FFF2-40B4-BE49-F238E27FC236}">
+                <a16:creationId xmlns:a16="http://schemas.microsoft.com/office/drawing/2014/main" id="{C8443A31-75A9-41B0-8944-34844176A3ED}"/>
+              </a:ext>
+            </a:extLst>
+          </p:cNvPr>
+          <p:cNvSpPr/>
+          <p:nvPr/>
+        </p:nvSpPr>
+        <p:spPr>
+          <a:xfrm>
+            <a:off x="5005137" y="1208671"/>
+            <a:ext cx="2181727" cy="417095"/>
+          </a:xfrm>
+          <a:prstGeom prst="rect">
+            <a:avLst/>
+          </a:prstGeom>
+          <a:solidFill>
+            <a:schemeClr val="accent4">
+              <a:alpha val="50000"/>
+            </a:schemeClr>
+          </a:solidFill>
+          <a:ln>
+            <a:noFill/>
+          </a:ln>
+        </p:spPr>
+        <p:style>
+          <a:lnRef idx="0">
+            <a:scrgbClr r="0" g="0" b="0"/>
+          </a:lnRef>
+          <a:fillRef idx="0">
+            <a:scrgbClr r="0" g="0" b="0"/>
+          </a:fillRef>
+          <a:effectRef idx="0">
+            <a:scrgbClr r="0" g="0" b="0"/>
+          </a:effectRef>
+          <a:fontRef idx="minor">
+            <a:schemeClr val="lt1"/>
+          </a:fontRef>
+        </p:style>
+        <p:txBody>
+          <a:bodyPr rot="0" spcFirstLastPara="0" vertOverflow="overflow" horzOverflow="overflow" vert="horz" wrap="square" lIns="91440" tIns="45720" rIns="91440" bIns="45720" numCol="1" spcCol="0" rtlCol="0" fromWordArt="0" anchor="ctr" anchorCtr="0" forceAA="0" compatLnSpc="1">
+            <a:prstTxWarp prst="textNoShape">
+              <a:avLst/>
+            </a:prstTxWarp>
+            <a:noAutofit/>
+          </a:bodyPr>
+          <a:lstStyle/>
+          <a:p>
+            <a:pPr algn="ctr"/>
+            <a:r>
+              <a:rPr lang="en-US" altLang="ko-KR" dirty="0">
+                <a:ln w="0"/>
+                <a:solidFill>
+                  <a:schemeClr val="tx1"/>
+                </a:solidFill>
+                <a:effectLst>
+                  <a:outerShdw blurRad="38100" dist="19050" dir="2700000" algn="tl" rotWithShape="0">
+                    <a:schemeClr val="dk1">
+                      <a:alpha val="40000"/>
+                    </a:schemeClr>
+                  </a:outerShdw>
+                </a:effectLst>
+              </a:rPr>
+              <a:t>Wait Request</a:t>
+            </a:r>
+          </a:p>
+        </p:txBody>
+      </p:sp>
+      <p:cxnSp>
+        <p:nvCxnSpPr>
+          <p:cNvPr id="51" name="직선 화살표 연결선 50">
+            <a:extLst>
+              <a:ext uri="{FF2B5EF4-FFF2-40B4-BE49-F238E27FC236}">
+                <a16:creationId xmlns:a16="http://schemas.microsoft.com/office/drawing/2014/main" id="{7B98C6DD-DDF0-4B74-808A-2702FBCEFD3C}"/>
+              </a:ext>
+            </a:extLst>
+          </p:cNvPr>
+          <p:cNvCxnSpPr>
+            <a:stCxn id="47" idx="2"/>
+            <a:endCxn id="50" idx="0"/>
+          </p:cNvCxnSpPr>
+          <p:nvPr/>
+        </p:nvCxnSpPr>
+        <p:spPr>
+          <a:xfrm flipH="1">
+            <a:off x="6096001" y="711366"/>
+            <a:ext cx="1" cy="497305"/>
+          </a:xfrm>
+          <a:prstGeom prst="straightConnector1">
+            <a:avLst/>
+          </a:prstGeom>
+          <a:ln>
+            <a:tailEnd type="triangle"/>
+          </a:ln>
+        </p:spPr>
+        <p:style>
+          <a:lnRef idx="1">
+            <a:schemeClr val="accent4"/>
+          </a:lnRef>
+          <a:fillRef idx="0">
+            <a:schemeClr val="accent4"/>
+          </a:fillRef>
+          <a:effectRef idx="0">
+            <a:schemeClr val="accent4"/>
+          </a:effectRef>
+          <a:fontRef idx="minor">
+            <a:schemeClr val="tx1"/>
+          </a:fontRef>
+        </p:style>
+      </p:cxnSp>
+      <p:cxnSp>
+        <p:nvCxnSpPr>
+          <p:cNvPr id="52" name="직선 화살표 연결선 51">
+            <a:extLst>
+              <a:ext uri="{FF2B5EF4-FFF2-40B4-BE49-F238E27FC236}">
+                <a16:creationId xmlns:a16="http://schemas.microsoft.com/office/drawing/2014/main" id="{DCF328BB-F3C0-4645-A523-E8303EC3EAEA}"/>
+              </a:ext>
+            </a:extLst>
+          </p:cNvPr>
+          <p:cNvCxnSpPr>
+            <a:cxnSpLocks/>
+            <a:stCxn id="50" idx="2"/>
+          </p:cNvCxnSpPr>
+          <p:nvPr/>
+        </p:nvCxnSpPr>
+        <p:spPr>
+          <a:xfrm>
+            <a:off x="6096001" y="1625766"/>
+            <a:ext cx="0" cy="497306"/>
+          </a:xfrm>
+          <a:prstGeom prst="straightConnector1">
+            <a:avLst/>
+          </a:prstGeom>
+          <a:ln>
+            <a:tailEnd type="triangle"/>
+          </a:ln>
+        </p:spPr>
+        <p:style>
+          <a:lnRef idx="1">
+            <a:schemeClr val="accent4"/>
+          </a:lnRef>
+          <a:fillRef idx="0">
+            <a:schemeClr val="accent4"/>
+          </a:fillRef>
+          <a:effectRef idx="0">
+            <a:schemeClr val="accent4"/>
+          </a:effectRef>
+          <a:fontRef idx="minor">
+            <a:schemeClr val="tx1"/>
+          </a:fontRef>
+        </p:style>
+      </p:cxnSp>
+      <p:sp>
+        <p:nvSpPr>
+          <p:cNvPr id="53" name="직사각형 52">
+            <a:extLst>
+              <a:ext uri="{FF2B5EF4-FFF2-40B4-BE49-F238E27FC236}">
+                <a16:creationId xmlns:a16="http://schemas.microsoft.com/office/drawing/2014/main" id="{22D0438B-0EC3-45E6-92BE-08DC1C224277}"/>
+              </a:ext>
+            </a:extLst>
+          </p:cNvPr>
+          <p:cNvSpPr/>
+          <p:nvPr/>
+        </p:nvSpPr>
+        <p:spPr>
+          <a:xfrm>
+            <a:off x="5005137" y="3278104"/>
+            <a:ext cx="2181727" cy="516791"/>
+          </a:xfrm>
+          <a:prstGeom prst="rect">
+            <a:avLst/>
+          </a:prstGeom>
+          <a:solidFill>
+            <a:schemeClr val="accent4">
+              <a:alpha val="50000"/>
+            </a:schemeClr>
+          </a:solidFill>
+          <a:ln>
+            <a:noFill/>
+          </a:ln>
+        </p:spPr>
+        <p:style>
+          <a:lnRef idx="0">
+            <a:scrgbClr r="0" g="0" b="0"/>
+          </a:lnRef>
+          <a:fillRef idx="0">
+            <a:scrgbClr r="0" g="0" b="0"/>
+          </a:fillRef>
+          <a:effectRef idx="0">
+            <a:scrgbClr r="0" g="0" b="0"/>
+          </a:effectRef>
+          <a:fontRef idx="minor">
+            <a:schemeClr val="lt1"/>
+          </a:fontRef>
+        </p:style>
+        <p:txBody>
+          <a:bodyPr rot="0" spcFirstLastPara="0" vertOverflow="overflow" horzOverflow="overflow" vert="horz" wrap="square" lIns="91440" tIns="45720" rIns="91440" bIns="45720" numCol="1" spcCol="0" rtlCol="0" fromWordArt="0" anchor="ctr" anchorCtr="0" forceAA="0" compatLnSpc="1">
+            <a:prstTxWarp prst="textNoShape">
+              <a:avLst/>
+            </a:prstTxWarp>
+            <a:noAutofit/>
+          </a:bodyPr>
+          <a:lstStyle/>
+          <a:p>
+            <a:pPr algn="ctr"/>
+            <a:r>
+              <a:rPr lang="en-US" altLang="ko-KR" dirty="0">
+                <a:ln w="0"/>
+                <a:solidFill>
+                  <a:schemeClr val="tx1"/>
+                </a:solidFill>
+                <a:effectLst>
+                  <a:outerShdw blurRad="38100" dist="19050" dir="2700000" algn="tl" rotWithShape="0">
+                    <a:schemeClr val="dk1">
+                      <a:alpha val="40000"/>
+                    </a:schemeClr>
+                  </a:outerShdw>
+                </a:effectLst>
+              </a:rPr>
+              <a:t>Create &amp; Add</a:t>
+            </a:r>
+          </a:p>
+          <a:p>
+            <a:pPr algn="ctr"/>
+            <a:r>
+              <a:rPr lang="en-US" altLang="ko-KR" dirty="0">
+                <a:ln w="0"/>
+                <a:solidFill>
+                  <a:schemeClr val="tx1"/>
+                </a:solidFill>
+                <a:effectLst>
+                  <a:outerShdw blurRad="38100" dist="19050" dir="2700000" algn="tl" rotWithShape="0">
+                    <a:schemeClr val="dk1">
+                      <a:alpha val="40000"/>
+                    </a:schemeClr>
+                  </a:outerShdw>
+                </a:effectLst>
+              </a:rPr>
+              <a:t>AI Client</a:t>
+            </a:r>
+          </a:p>
+        </p:txBody>
+      </p:sp>
+      <p:cxnSp>
+        <p:nvCxnSpPr>
+          <p:cNvPr id="54" name="직선 화살표 연결선 53">
+            <a:extLst>
+              <a:ext uri="{FF2B5EF4-FFF2-40B4-BE49-F238E27FC236}">
+                <a16:creationId xmlns:a16="http://schemas.microsoft.com/office/drawing/2014/main" id="{5B6E4F83-0527-41F4-B5A5-996ADB145ABA}"/>
+              </a:ext>
+            </a:extLst>
+          </p:cNvPr>
+          <p:cNvCxnSpPr>
+            <a:cxnSpLocks/>
+            <a:stCxn id="108" idx="2"/>
+            <a:endCxn id="53" idx="0"/>
+          </p:cNvCxnSpPr>
+          <p:nvPr/>
+        </p:nvCxnSpPr>
+        <p:spPr>
+          <a:xfrm>
+            <a:off x="6095993" y="2780798"/>
+            <a:ext cx="8" cy="497306"/>
+          </a:xfrm>
+          <a:prstGeom prst="straightConnector1">
+            <a:avLst/>
+          </a:prstGeom>
+          <a:ln>
+            <a:tailEnd type="triangle"/>
+          </a:ln>
+        </p:spPr>
+        <p:style>
+          <a:lnRef idx="1">
+            <a:schemeClr val="accent4"/>
+          </a:lnRef>
+          <a:fillRef idx="0">
+            <a:schemeClr val="accent4"/>
+          </a:fillRef>
+          <a:effectRef idx="0">
+            <a:schemeClr val="accent4"/>
+          </a:effectRef>
+          <a:fontRef idx="minor">
+            <a:schemeClr val="tx1"/>
+          </a:fontRef>
+        </p:style>
+      </p:cxnSp>
+      <p:sp>
+        <p:nvSpPr>
+          <p:cNvPr id="55" name="직사각형 54">
+            <a:extLst>
+              <a:ext uri="{FF2B5EF4-FFF2-40B4-BE49-F238E27FC236}">
+                <a16:creationId xmlns:a16="http://schemas.microsoft.com/office/drawing/2014/main" id="{CC776C88-FDD4-40C4-AA65-3BBFCDF60363}"/>
+              </a:ext>
+            </a:extLst>
+          </p:cNvPr>
+          <p:cNvSpPr/>
+          <p:nvPr/>
+        </p:nvSpPr>
+        <p:spPr>
+          <a:xfrm>
+            <a:off x="5005136" y="4192505"/>
+            <a:ext cx="2181727" cy="417095"/>
+          </a:xfrm>
+          <a:prstGeom prst="rect">
+            <a:avLst/>
+          </a:prstGeom>
+          <a:solidFill>
+            <a:schemeClr val="accent4">
+              <a:alpha val="50000"/>
+            </a:schemeClr>
+          </a:solidFill>
+          <a:ln>
+            <a:noFill/>
+          </a:ln>
+        </p:spPr>
+        <p:style>
+          <a:lnRef idx="0">
+            <a:scrgbClr r="0" g="0" b="0"/>
+          </a:lnRef>
+          <a:fillRef idx="0">
+            <a:scrgbClr r="0" g="0" b="0"/>
+          </a:fillRef>
+          <a:effectRef idx="0">
+            <a:scrgbClr r="0" g="0" b="0"/>
+          </a:effectRef>
+          <a:fontRef idx="minor">
+            <a:schemeClr val="lt1"/>
+          </a:fontRef>
+        </p:style>
+        <p:txBody>
+          <a:bodyPr rot="0" spcFirstLastPara="0" vertOverflow="overflow" horzOverflow="overflow" vert="horz" wrap="square" lIns="91440" tIns="45720" rIns="91440" bIns="45720" numCol="1" spcCol="0" rtlCol="0" fromWordArt="0" anchor="ctr" anchorCtr="0" forceAA="0" compatLnSpc="1">
+            <a:prstTxWarp prst="textNoShape">
+              <a:avLst/>
+            </a:prstTxWarp>
+            <a:noAutofit/>
+          </a:bodyPr>
+          <a:lstStyle/>
+          <a:p>
+            <a:pPr algn="ctr"/>
+            <a:r>
+              <a:rPr lang="en-US" altLang="ko-KR" dirty="0">
+                <a:ln w="0"/>
+                <a:solidFill>
+                  <a:schemeClr val="tx1"/>
+                </a:solidFill>
+                <a:effectLst>
+                  <a:outerShdw blurRad="38100" dist="19050" dir="2700000" algn="tl" rotWithShape="0">
+                    <a:schemeClr val="dk1">
+                      <a:alpha val="40000"/>
+                    </a:schemeClr>
+                  </a:outerShdw>
+                </a:effectLst>
+              </a:rPr>
+              <a:t>Game Play</a:t>
+            </a:r>
+          </a:p>
+        </p:txBody>
+      </p:sp>
+      <p:cxnSp>
+        <p:nvCxnSpPr>
+          <p:cNvPr id="56" name="직선 화살표 연결선 55">
+            <a:extLst>
+              <a:ext uri="{FF2B5EF4-FFF2-40B4-BE49-F238E27FC236}">
+                <a16:creationId xmlns:a16="http://schemas.microsoft.com/office/drawing/2014/main" id="{BBD7EC68-4C7B-4DE0-9B5B-9C1AC41C776B}"/>
+              </a:ext>
+            </a:extLst>
+          </p:cNvPr>
+          <p:cNvCxnSpPr>
+            <a:cxnSpLocks/>
+            <a:stCxn id="53" idx="2"/>
+            <a:endCxn id="55" idx="0"/>
+          </p:cNvCxnSpPr>
+          <p:nvPr/>
+        </p:nvCxnSpPr>
+        <p:spPr>
+          <a:xfrm flipH="1">
+            <a:off x="6096000" y="3794895"/>
+            <a:ext cx="1" cy="397610"/>
+          </a:xfrm>
+          <a:prstGeom prst="straightConnector1">
+            <a:avLst/>
+          </a:prstGeom>
+          <a:ln>
+            <a:tailEnd type="triangle"/>
+          </a:ln>
+        </p:spPr>
+        <p:style>
+          <a:lnRef idx="1">
+            <a:schemeClr val="accent4"/>
+          </a:lnRef>
+          <a:fillRef idx="0">
+            <a:schemeClr val="accent4"/>
+          </a:fillRef>
+          <a:effectRef idx="0">
+            <a:schemeClr val="accent4"/>
+          </a:effectRef>
+          <a:fontRef idx="minor">
+            <a:schemeClr val="tx1"/>
+          </a:fontRef>
+        </p:style>
+      </p:cxnSp>
+      <p:cxnSp>
+        <p:nvCxnSpPr>
+          <p:cNvPr id="57" name="직선 연결선 56">
+            <a:extLst>
+              <a:ext uri="{FF2B5EF4-FFF2-40B4-BE49-F238E27FC236}">
+                <a16:creationId xmlns:a16="http://schemas.microsoft.com/office/drawing/2014/main" id="{EF438539-A8B8-44DC-B2EA-3813580D7838}"/>
+              </a:ext>
+            </a:extLst>
+          </p:cNvPr>
+          <p:cNvCxnSpPr>
+            <a:cxnSpLocks/>
+            <a:stCxn id="108" idx="1"/>
+          </p:cNvCxnSpPr>
+          <p:nvPr/>
+        </p:nvCxnSpPr>
+        <p:spPr>
+          <a:xfrm flipH="1">
+            <a:off x="4551945" y="2451935"/>
+            <a:ext cx="453184" cy="0"/>
+          </a:xfrm>
+          <a:prstGeom prst="line">
+            <a:avLst/>
+          </a:prstGeom>
+        </p:spPr>
+        <p:style>
+          <a:lnRef idx="1">
+            <a:schemeClr val="accent4"/>
+          </a:lnRef>
+          <a:fillRef idx="0">
+            <a:schemeClr val="accent4"/>
+          </a:fillRef>
+          <a:effectRef idx="0">
+            <a:schemeClr val="accent4"/>
+          </a:effectRef>
+          <a:fontRef idx="minor">
+            <a:schemeClr val="tx1"/>
+          </a:fontRef>
+        </p:style>
+      </p:cxnSp>
+      <p:cxnSp>
+        <p:nvCxnSpPr>
+          <p:cNvPr id="58" name="직선 연결선 57">
+            <a:extLst>
+              <a:ext uri="{FF2B5EF4-FFF2-40B4-BE49-F238E27FC236}">
+                <a16:creationId xmlns:a16="http://schemas.microsoft.com/office/drawing/2014/main" id="{BC551036-CA98-4A7A-845F-1F3942A196FC}"/>
+              </a:ext>
+            </a:extLst>
+          </p:cNvPr>
+          <p:cNvCxnSpPr>
+            <a:cxnSpLocks/>
+          </p:cNvCxnSpPr>
+          <p:nvPr/>
+        </p:nvCxnSpPr>
+        <p:spPr>
+          <a:xfrm>
+            <a:off x="4551948" y="1417218"/>
+            <a:ext cx="0" cy="1034717"/>
+          </a:xfrm>
+          <a:prstGeom prst="line">
+            <a:avLst/>
+          </a:prstGeom>
+        </p:spPr>
+        <p:style>
+          <a:lnRef idx="1">
+            <a:schemeClr val="accent4"/>
+          </a:lnRef>
+          <a:fillRef idx="0">
+            <a:schemeClr val="accent4"/>
+          </a:fillRef>
+          <a:effectRef idx="0">
+            <a:schemeClr val="accent4"/>
+          </a:effectRef>
+          <a:fontRef idx="minor">
+            <a:schemeClr val="tx1"/>
+          </a:fontRef>
+        </p:style>
+      </p:cxnSp>
+      <p:cxnSp>
+        <p:nvCxnSpPr>
+          <p:cNvPr id="81" name="직선 화살표 연결선 80">
+            <a:extLst>
+              <a:ext uri="{FF2B5EF4-FFF2-40B4-BE49-F238E27FC236}">
+                <a16:creationId xmlns:a16="http://schemas.microsoft.com/office/drawing/2014/main" id="{E5491A98-B91F-462D-8630-26D062CE39C0}"/>
+              </a:ext>
+            </a:extLst>
+          </p:cNvPr>
+          <p:cNvCxnSpPr>
+            <a:cxnSpLocks/>
+          </p:cNvCxnSpPr>
+          <p:nvPr/>
+        </p:nvCxnSpPr>
+        <p:spPr>
+          <a:xfrm>
+            <a:off x="4551945" y="1417218"/>
+            <a:ext cx="453189" cy="1"/>
+          </a:xfrm>
+          <a:prstGeom prst="straightConnector1">
+            <a:avLst/>
+          </a:prstGeom>
+          <a:ln>
+            <a:tailEnd type="triangle"/>
+          </a:ln>
+        </p:spPr>
+        <p:style>
+          <a:lnRef idx="1">
+            <a:schemeClr val="accent4"/>
+          </a:lnRef>
+          <a:fillRef idx="0">
+            <a:schemeClr val="accent4"/>
+          </a:fillRef>
+          <a:effectRef idx="0">
+            <a:schemeClr val="accent4"/>
+          </a:effectRef>
+          <a:fontRef idx="minor">
+            <a:schemeClr val="tx1"/>
+          </a:fontRef>
+        </p:style>
+      </p:cxnSp>
+      <p:sp>
+        <p:nvSpPr>
+          <p:cNvPr id="82" name="TextBox 81">
+            <a:extLst>
+              <a:ext uri="{FF2B5EF4-FFF2-40B4-BE49-F238E27FC236}">
+                <a16:creationId xmlns:a16="http://schemas.microsoft.com/office/drawing/2014/main" id="{CDCECD2E-79CD-46FB-BCC5-2AA0439811EA}"/>
+              </a:ext>
+            </a:extLst>
+          </p:cNvPr>
+          <p:cNvSpPr txBox="1"/>
+          <p:nvPr/>
+        </p:nvSpPr>
+        <p:spPr>
+          <a:xfrm>
+            <a:off x="4604081" y="2188365"/>
+            <a:ext cx="343364" cy="215444"/>
+          </a:xfrm>
+          <a:prstGeom prst="rect">
+            <a:avLst/>
+          </a:prstGeom>
+          <a:solidFill>
+            <a:schemeClr val="accent4">
+              <a:alpha val="50000"/>
+            </a:schemeClr>
+          </a:solidFill>
+          <a:ln>
+            <a:noFill/>
+          </a:ln>
+        </p:spPr>
+        <p:style>
+          <a:lnRef idx="0">
+            <a:scrgbClr r="0" g="0" b="0"/>
+          </a:lnRef>
+          <a:fillRef idx="0">
+            <a:scrgbClr r="0" g="0" b="0"/>
+          </a:fillRef>
+          <a:effectRef idx="0">
+            <a:scrgbClr r="0" g="0" b="0"/>
+          </a:effectRef>
+          <a:fontRef idx="minor">
+            <a:schemeClr val="lt1"/>
+          </a:fontRef>
+        </p:style>
+        <p:txBody>
+          <a:bodyPr wrap="none" rtlCol="0">
+            <a:spAutoFit/>
+          </a:bodyPr>
+          <a:lstStyle/>
+          <a:p>
+            <a:r>
+              <a:rPr lang="en-US" altLang="ko-KR" sz="800" dirty="0">
+                <a:ln w="0"/>
+                <a:solidFill>
+                  <a:schemeClr val="tx1"/>
+                </a:solidFill>
+                <a:effectLst>
+                  <a:outerShdw blurRad="38100" dist="19050" dir="2700000" algn="tl" rotWithShape="0">
+                    <a:schemeClr val="dk1">
+                      <a:alpha val="40000"/>
+                    </a:schemeClr>
+                  </a:outerShdw>
+                </a:effectLst>
+              </a:rPr>
+              <a:t>NO</a:t>
+            </a:r>
+            <a:endParaRPr lang="ko-KR" altLang="en-US" sz="800" dirty="0">
+              <a:ln w="0"/>
+              <a:solidFill>
+                <a:schemeClr val="tx1"/>
+              </a:solidFill>
+              <a:effectLst>
+                <a:outerShdw blurRad="38100" dist="19050" dir="2700000" algn="tl" rotWithShape="0">
+                  <a:schemeClr val="dk1">
+                    <a:alpha val="40000"/>
+                  </a:schemeClr>
+                </a:outerShdw>
+              </a:effectLst>
+            </a:endParaRPr>
+          </a:p>
+        </p:txBody>
+      </p:sp>
+      <p:sp>
+        <p:nvSpPr>
+          <p:cNvPr id="83" name="TextBox 82">
+            <a:extLst>
+              <a:ext uri="{FF2B5EF4-FFF2-40B4-BE49-F238E27FC236}">
+                <a16:creationId xmlns:a16="http://schemas.microsoft.com/office/drawing/2014/main" id="{73118A00-F429-464C-835E-0F5F7CBDD72C}"/>
+              </a:ext>
+            </a:extLst>
+          </p:cNvPr>
+          <p:cNvSpPr txBox="1"/>
+          <p:nvPr/>
+        </p:nvSpPr>
+        <p:spPr>
+          <a:xfrm>
+            <a:off x="6128788" y="2880497"/>
+            <a:ext cx="341760" cy="215444"/>
+          </a:xfrm>
+          <a:prstGeom prst="rect">
+            <a:avLst/>
+          </a:prstGeom>
+          <a:solidFill>
+            <a:schemeClr val="accent4">
+              <a:alpha val="50000"/>
+            </a:schemeClr>
+          </a:solidFill>
+          <a:ln>
+            <a:noFill/>
+          </a:ln>
+        </p:spPr>
+        <p:style>
+          <a:lnRef idx="0">
+            <a:scrgbClr r="0" g="0" b="0"/>
+          </a:lnRef>
+          <a:fillRef idx="0">
+            <a:scrgbClr r="0" g="0" b="0"/>
+          </a:fillRef>
+          <a:effectRef idx="0">
+            <a:scrgbClr r="0" g="0" b="0"/>
+          </a:effectRef>
+          <a:fontRef idx="minor">
+            <a:schemeClr val="lt1"/>
+          </a:fontRef>
+        </p:style>
+        <p:txBody>
+          <a:bodyPr wrap="none" rtlCol="0">
+            <a:spAutoFit/>
+          </a:bodyPr>
+          <a:lstStyle/>
+          <a:p>
+            <a:r>
+              <a:rPr lang="en-US" altLang="ko-KR" sz="800" dirty="0">
+                <a:ln w="0"/>
+                <a:solidFill>
+                  <a:schemeClr val="tx1"/>
+                </a:solidFill>
+                <a:effectLst>
+                  <a:outerShdw blurRad="38100" dist="19050" dir="2700000" algn="tl" rotWithShape="0">
+                    <a:schemeClr val="dk1">
+                      <a:alpha val="40000"/>
+                    </a:schemeClr>
+                  </a:outerShdw>
+                </a:effectLst>
+              </a:rPr>
+              <a:t>Yes</a:t>
+            </a:r>
+            <a:endParaRPr lang="ko-KR" altLang="en-US" sz="800" dirty="0">
+              <a:ln w="0"/>
+              <a:solidFill>
+                <a:schemeClr val="tx1"/>
+              </a:solidFill>
+              <a:effectLst>
+                <a:outerShdw blurRad="38100" dist="19050" dir="2700000" algn="tl" rotWithShape="0">
+                  <a:schemeClr val="dk1">
+                    <a:alpha val="40000"/>
+                  </a:schemeClr>
+                </a:outerShdw>
+              </a:effectLst>
+            </a:endParaRPr>
+          </a:p>
+        </p:txBody>
+      </p:sp>
+      <p:sp>
+        <p:nvSpPr>
+          <p:cNvPr id="84" name="순서도: 판단 83">
+            <a:extLst>
+              <a:ext uri="{FF2B5EF4-FFF2-40B4-BE49-F238E27FC236}">
+                <a16:creationId xmlns:a16="http://schemas.microsoft.com/office/drawing/2014/main" id="{D1B53B56-A94F-4C3A-8C1E-F54F69CD6133}"/>
+              </a:ext>
+            </a:extLst>
+          </p:cNvPr>
+          <p:cNvSpPr/>
+          <p:nvPr/>
+        </p:nvSpPr>
+        <p:spPr>
+          <a:xfrm>
+            <a:off x="5005131" y="5114927"/>
+            <a:ext cx="2181727" cy="489283"/>
+          </a:xfrm>
+          <a:prstGeom prst="flowChartDecision">
+            <a:avLst/>
+          </a:prstGeom>
+          <a:solidFill>
+            <a:schemeClr val="accent4">
+              <a:alpha val="50000"/>
+            </a:schemeClr>
+          </a:solidFill>
+          <a:ln>
+            <a:noFill/>
+          </a:ln>
+        </p:spPr>
+        <p:style>
+          <a:lnRef idx="0">
+            <a:scrgbClr r="0" g="0" b="0"/>
+          </a:lnRef>
+          <a:fillRef idx="0">
+            <a:scrgbClr r="0" g="0" b="0"/>
+          </a:fillRef>
+          <a:effectRef idx="0">
+            <a:scrgbClr r="0" g="0" b="0"/>
+          </a:effectRef>
+          <a:fontRef idx="minor">
+            <a:schemeClr val="lt1"/>
+          </a:fontRef>
+        </p:style>
+        <p:txBody>
+          <a:bodyPr rot="0" spcFirstLastPara="0" vertOverflow="overflow" horzOverflow="overflow" vert="horz" wrap="square" lIns="91440" tIns="45720" rIns="91440" bIns="45720" numCol="1" spcCol="0" rtlCol="0" fromWordArt="0" anchor="ctr" anchorCtr="0" forceAA="0" compatLnSpc="1">
+            <a:prstTxWarp prst="textNoShape">
+              <a:avLst/>
+            </a:prstTxWarp>
+            <a:noAutofit/>
+          </a:bodyPr>
+          <a:lstStyle/>
+          <a:p>
+            <a:pPr algn="ctr"/>
+            <a:r>
+              <a:rPr lang="en-US" altLang="ko-KR" sz="1100" dirty="0">
+                <a:ln w="0"/>
+                <a:solidFill>
+                  <a:schemeClr val="tx1"/>
+                </a:solidFill>
+                <a:effectLst>
+                  <a:outerShdw blurRad="38100" dist="19050" dir="2700000" algn="tl" rotWithShape="0">
+                    <a:schemeClr val="dk1">
+                      <a:alpha val="40000"/>
+                    </a:schemeClr>
+                  </a:outerShdw>
+                </a:effectLst>
+              </a:rPr>
+              <a:t>Is Game End?</a:t>
+            </a:r>
+            <a:endParaRPr lang="ko-KR" altLang="en-US" sz="1100" dirty="0">
+              <a:ln w="0"/>
+              <a:solidFill>
+                <a:schemeClr val="tx1"/>
+              </a:solidFill>
+              <a:effectLst>
+                <a:outerShdw blurRad="38100" dist="19050" dir="2700000" algn="tl" rotWithShape="0">
+                  <a:schemeClr val="dk1">
+                    <a:alpha val="40000"/>
+                  </a:schemeClr>
+                </a:outerShdw>
+              </a:effectLst>
+            </a:endParaRPr>
+          </a:p>
+        </p:txBody>
+      </p:sp>
+      <p:cxnSp>
+        <p:nvCxnSpPr>
+          <p:cNvPr id="86" name="직선 화살표 연결선 85">
+            <a:extLst>
+              <a:ext uri="{FF2B5EF4-FFF2-40B4-BE49-F238E27FC236}">
+                <a16:creationId xmlns:a16="http://schemas.microsoft.com/office/drawing/2014/main" id="{479A9839-1DF9-4493-BF83-103984AB077F}"/>
+              </a:ext>
+            </a:extLst>
+          </p:cNvPr>
+          <p:cNvCxnSpPr>
+            <a:cxnSpLocks/>
+            <a:stCxn id="55" idx="2"/>
+            <a:endCxn id="84" idx="0"/>
+          </p:cNvCxnSpPr>
+          <p:nvPr/>
+        </p:nvCxnSpPr>
+        <p:spPr>
+          <a:xfrm flipH="1">
+            <a:off x="6095995" y="4609600"/>
+            <a:ext cx="5" cy="505327"/>
+          </a:xfrm>
+          <a:prstGeom prst="straightConnector1">
+            <a:avLst/>
+          </a:prstGeom>
+          <a:ln>
+            <a:tailEnd type="triangle"/>
+          </a:ln>
+        </p:spPr>
+        <p:style>
+          <a:lnRef idx="1">
+            <a:schemeClr val="accent4"/>
+          </a:lnRef>
+          <a:fillRef idx="0">
+            <a:schemeClr val="accent4"/>
+          </a:fillRef>
+          <a:effectRef idx="0">
+            <a:schemeClr val="accent4"/>
+          </a:effectRef>
+          <a:fontRef idx="minor">
+            <a:schemeClr val="tx1"/>
+          </a:fontRef>
+        </p:style>
+      </p:cxnSp>
+      <p:cxnSp>
+        <p:nvCxnSpPr>
+          <p:cNvPr id="88" name="직선 연결선 87">
+            <a:extLst>
+              <a:ext uri="{FF2B5EF4-FFF2-40B4-BE49-F238E27FC236}">
+                <a16:creationId xmlns:a16="http://schemas.microsoft.com/office/drawing/2014/main" id="{AD6EC15F-ABC4-40E5-BFF3-F71656452BEC}"/>
+              </a:ext>
+            </a:extLst>
+          </p:cNvPr>
+          <p:cNvCxnSpPr>
+            <a:cxnSpLocks/>
+            <a:stCxn id="84" idx="3"/>
+          </p:cNvCxnSpPr>
+          <p:nvPr/>
+        </p:nvCxnSpPr>
+        <p:spPr>
+          <a:xfrm>
+            <a:off x="7186858" y="5359569"/>
+            <a:ext cx="360947" cy="0"/>
+          </a:xfrm>
+          <a:prstGeom prst="line">
+            <a:avLst/>
+          </a:prstGeom>
+        </p:spPr>
+        <p:style>
+          <a:lnRef idx="1">
+            <a:schemeClr val="accent4"/>
+          </a:lnRef>
+          <a:fillRef idx="0">
+            <a:schemeClr val="accent4"/>
+          </a:fillRef>
+          <a:effectRef idx="0">
+            <a:schemeClr val="accent4"/>
+          </a:effectRef>
+          <a:fontRef idx="minor">
+            <a:schemeClr val="tx1"/>
+          </a:fontRef>
+        </p:style>
+      </p:cxnSp>
+      <p:cxnSp>
+        <p:nvCxnSpPr>
+          <p:cNvPr id="90" name="직선 연결선 89">
+            <a:extLst>
+              <a:ext uri="{FF2B5EF4-FFF2-40B4-BE49-F238E27FC236}">
+                <a16:creationId xmlns:a16="http://schemas.microsoft.com/office/drawing/2014/main" id="{1548F08D-7B3E-40F9-942B-BEE5B15301D8}"/>
+              </a:ext>
+            </a:extLst>
+          </p:cNvPr>
+          <p:cNvCxnSpPr>
+            <a:cxnSpLocks/>
+          </p:cNvCxnSpPr>
+          <p:nvPr/>
+        </p:nvCxnSpPr>
+        <p:spPr>
+          <a:xfrm flipV="1">
+            <a:off x="7539784" y="4401052"/>
+            <a:ext cx="8021" cy="958517"/>
+          </a:xfrm>
+          <a:prstGeom prst="line">
+            <a:avLst/>
+          </a:prstGeom>
+        </p:spPr>
+        <p:style>
+          <a:lnRef idx="1">
+            <a:schemeClr val="accent4"/>
+          </a:lnRef>
+          <a:fillRef idx="0">
+            <a:schemeClr val="accent4"/>
+          </a:fillRef>
+          <a:effectRef idx="0">
+            <a:schemeClr val="accent4"/>
+          </a:effectRef>
+          <a:fontRef idx="minor">
+            <a:schemeClr val="tx1"/>
+          </a:fontRef>
+        </p:style>
+      </p:cxnSp>
+      <p:cxnSp>
+        <p:nvCxnSpPr>
+          <p:cNvPr id="95" name="직선 화살표 연결선 94">
+            <a:extLst>
+              <a:ext uri="{FF2B5EF4-FFF2-40B4-BE49-F238E27FC236}">
+                <a16:creationId xmlns:a16="http://schemas.microsoft.com/office/drawing/2014/main" id="{A672500A-5F6C-4B93-A23C-5936390E6241}"/>
+              </a:ext>
+            </a:extLst>
+          </p:cNvPr>
+          <p:cNvCxnSpPr>
+            <a:cxnSpLocks/>
+            <a:endCxn id="55" idx="3"/>
+          </p:cNvCxnSpPr>
+          <p:nvPr/>
+        </p:nvCxnSpPr>
+        <p:spPr>
+          <a:xfrm flipH="1">
+            <a:off x="7186863" y="4401051"/>
+            <a:ext cx="360942" cy="2"/>
+          </a:xfrm>
+          <a:prstGeom prst="straightConnector1">
+            <a:avLst/>
+          </a:prstGeom>
+          <a:ln>
+            <a:tailEnd type="triangle"/>
+          </a:ln>
+        </p:spPr>
+        <p:style>
+          <a:lnRef idx="1">
+            <a:schemeClr val="accent4"/>
+          </a:lnRef>
+          <a:fillRef idx="0">
+            <a:schemeClr val="accent4"/>
+          </a:fillRef>
+          <a:effectRef idx="0">
+            <a:schemeClr val="accent4"/>
+          </a:effectRef>
+          <a:fontRef idx="minor">
+            <a:schemeClr val="tx1"/>
+          </a:fontRef>
+        </p:style>
+      </p:cxnSp>
+      <p:sp>
+        <p:nvSpPr>
+          <p:cNvPr id="96" name="직사각형 95">
+            <a:extLst>
+              <a:ext uri="{FF2B5EF4-FFF2-40B4-BE49-F238E27FC236}">
+                <a16:creationId xmlns:a16="http://schemas.microsoft.com/office/drawing/2014/main" id="{6CEE211B-59EF-49F3-AB4F-9984E82F2947}"/>
+              </a:ext>
+            </a:extLst>
+          </p:cNvPr>
+          <p:cNvSpPr/>
+          <p:nvPr/>
+        </p:nvSpPr>
+        <p:spPr>
+          <a:xfrm>
+            <a:off x="5005130" y="6021306"/>
+            <a:ext cx="2181727" cy="417095"/>
+          </a:xfrm>
+          <a:prstGeom prst="rect">
+            <a:avLst/>
+          </a:prstGeom>
+          <a:solidFill>
+            <a:schemeClr val="accent4">
+              <a:alpha val="50000"/>
+            </a:schemeClr>
+          </a:solidFill>
+          <a:ln>
+            <a:noFill/>
+          </a:ln>
+        </p:spPr>
+        <p:style>
+          <a:lnRef idx="0">
+            <a:scrgbClr r="0" g="0" b="0"/>
+          </a:lnRef>
+          <a:fillRef idx="0">
+            <a:scrgbClr r="0" g="0" b="0"/>
+          </a:fillRef>
+          <a:effectRef idx="0">
+            <a:scrgbClr r="0" g="0" b="0"/>
+          </a:effectRef>
+          <a:fontRef idx="minor">
+            <a:schemeClr val="lt1"/>
+          </a:fontRef>
+        </p:style>
+        <p:txBody>
+          <a:bodyPr rot="0" spcFirstLastPara="0" vertOverflow="overflow" horzOverflow="overflow" vert="horz" wrap="square" lIns="91440" tIns="45720" rIns="91440" bIns="45720" numCol="1" spcCol="0" rtlCol="0" fromWordArt="0" anchor="ctr" anchorCtr="0" forceAA="0" compatLnSpc="1">
+            <a:prstTxWarp prst="textNoShape">
+              <a:avLst/>
+            </a:prstTxWarp>
+            <a:noAutofit/>
+          </a:bodyPr>
+          <a:lstStyle/>
+          <a:p>
+            <a:pPr algn="ctr"/>
+            <a:r>
+              <a:rPr lang="en-US" altLang="ko-KR" dirty="0">
+                <a:ln w="0"/>
+                <a:solidFill>
+                  <a:schemeClr val="tx1"/>
+                </a:solidFill>
+                <a:effectLst>
+                  <a:outerShdw blurRad="38100" dist="19050" dir="2700000" algn="tl" rotWithShape="0">
+                    <a:schemeClr val="dk1">
+                      <a:alpha val="40000"/>
+                    </a:schemeClr>
+                  </a:outerShdw>
+                </a:effectLst>
+              </a:rPr>
+              <a:t>Delete AI</a:t>
+            </a:r>
+          </a:p>
+        </p:txBody>
+      </p:sp>
+      <p:cxnSp>
+        <p:nvCxnSpPr>
+          <p:cNvPr id="98" name="직선 화살표 연결선 97">
+            <a:extLst>
+              <a:ext uri="{FF2B5EF4-FFF2-40B4-BE49-F238E27FC236}">
+                <a16:creationId xmlns:a16="http://schemas.microsoft.com/office/drawing/2014/main" id="{15BD0C27-3900-41E9-B8DC-55B377BD5724}"/>
+              </a:ext>
+            </a:extLst>
+          </p:cNvPr>
+          <p:cNvCxnSpPr>
+            <a:stCxn id="84" idx="2"/>
+            <a:endCxn id="96" idx="0"/>
+          </p:cNvCxnSpPr>
+          <p:nvPr/>
+        </p:nvCxnSpPr>
+        <p:spPr>
+          <a:xfrm flipH="1">
+            <a:off x="6095994" y="5604210"/>
+            <a:ext cx="1" cy="417096"/>
+          </a:xfrm>
+          <a:prstGeom prst="straightConnector1">
+            <a:avLst/>
+          </a:prstGeom>
+          <a:ln>
+            <a:tailEnd type="triangle"/>
+          </a:ln>
+        </p:spPr>
+        <p:style>
+          <a:lnRef idx="1">
+            <a:schemeClr val="accent4"/>
+          </a:lnRef>
+          <a:fillRef idx="0">
+            <a:schemeClr val="accent4"/>
+          </a:fillRef>
+          <a:effectRef idx="0">
+            <a:schemeClr val="accent4"/>
+          </a:effectRef>
+          <a:fontRef idx="minor">
+            <a:schemeClr val="tx1"/>
+          </a:fontRef>
+        </p:style>
+      </p:cxnSp>
+      <p:cxnSp>
+        <p:nvCxnSpPr>
+          <p:cNvPr id="99" name="직선 연결선 98">
+            <a:extLst>
+              <a:ext uri="{FF2B5EF4-FFF2-40B4-BE49-F238E27FC236}">
+                <a16:creationId xmlns:a16="http://schemas.microsoft.com/office/drawing/2014/main" id="{E7E877D6-2F14-4CD8-96B4-905D7E661973}"/>
+              </a:ext>
+            </a:extLst>
+          </p:cNvPr>
+          <p:cNvCxnSpPr>
+            <a:cxnSpLocks/>
+            <a:stCxn id="96" idx="3"/>
+          </p:cNvCxnSpPr>
+          <p:nvPr/>
+        </p:nvCxnSpPr>
+        <p:spPr>
+          <a:xfrm flipV="1">
+            <a:off x="7186857" y="6229853"/>
+            <a:ext cx="786071" cy="1"/>
+          </a:xfrm>
+          <a:prstGeom prst="line">
+            <a:avLst/>
+          </a:prstGeom>
+        </p:spPr>
+        <p:style>
+          <a:lnRef idx="1">
+            <a:schemeClr val="accent4"/>
+          </a:lnRef>
+          <a:fillRef idx="0">
+            <a:schemeClr val="accent4"/>
+          </a:fillRef>
+          <a:effectRef idx="0">
+            <a:schemeClr val="accent4"/>
+          </a:effectRef>
+          <a:fontRef idx="minor">
+            <a:schemeClr val="tx1"/>
+          </a:fontRef>
+        </p:style>
+      </p:cxnSp>
+      <p:cxnSp>
+        <p:nvCxnSpPr>
+          <p:cNvPr id="101" name="직선 연결선 100">
+            <a:extLst>
+              <a:ext uri="{FF2B5EF4-FFF2-40B4-BE49-F238E27FC236}">
+                <a16:creationId xmlns:a16="http://schemas.microsoft.com/office/drawing/2014/main" id="{6F8C399F-9C55-4044-953B-FD8ABD4213F3}"/>
+              </a:ext>
+            </a:extLst>
+          </p:cNvPr>
+          <p:cNvCxnSpPr>
+            <a:cxnSpLocks/>
+          </p:cNvCxnSpPr>
+          <p:nvPr/>
+        </p:nvCxnSpPr>
+        <p:spPr>
+          <a:xfrm flipV="1">
+            <a:off x="7988970" y="1429250"/>
+            <a:ext cx="0" cy="4808624"/>
+          </a:xfrm>
+          <a:prstGeom prst="line">
+            <a:avLst/>
+          </a:prstGeom>
+        </p:spPr>
+        <p:style>
+          <a:lnRef idx="1">
+            <a:schemeClr val="accent4"/>
+          </a:lnRef>
+          <a:fillRef idx="0">
+            <a:schemeClr val="accent4"/>
+          </a:fillRef>
+          <a:effectRef idx="0">
+            <a:schemeClr val="accent4"/>
+          </a:effectRef>
+          <a:fontRef idx="minor">
+            <a:schemeClr val="tx1"/>
+          </a:fontRef>
+        </p:style>
+      </p:cxnSp>
+      <p:cxnSp>
+        <p:nvCxnSpPr>
+          <p:cNvPr id="103" name="직선 화살표 연결선 102">
+            <a:extLst>
+              <a:ext uri="{FF2B5EF4-FFF2-40B4-BE49-F238E27FC236}">
+                <a16:creationId xmlns:a16="http://schemas.microsoft.com/office/drawing/2014/main" id="{4C894BF0-1C37-4B7D-8928-6B49BE473054}"/>
+              </a:ext>
+            </a:extLst>
+          </p:cNvPr>
+          <p:cNvCxnSpPr>
+            <a:endCxn id="50" idx="3"/>
+          </p:cNvCxnSpPr>
+          <p:nvPr/>
+        </p:nvCxnSpPr>
+        <p:spPr>
+          <a:xfrm flipH="1" flipV="1">
+            <a:off x="7186864" y="1417219"/>
+            <a:ext cx="802106" cy="12031"/>
+          </a:xfrm>
+          <a:prstGeom prst="straightConnector1">
+            <a:avLst/>
+          </a:prstGeom>
+          <a:ln>
+            <a:tailEnd type="triangle"/>
+          </a:ln>
+        </p:spPr>
+        <p:style>
+          <a:lnRef idx="1">
+            <a:schemeClr val="accent4"/>
+          </a:lnRef>
+          <a:fillRef idx="0">
+            <a:schemeClr val="accent4"/>
+          </a:fillRef>
+          <a:effectRef idx="0">
+            <a:schemeClr val="accent4"/>
+          </a:effectRef>
+          <a:fontRef idx="minor">
+            <a:schemeClr val="tx1"/>
+          </a:fontRef>
+        </p:style>
+      </p:cxnSp>
+      <p:sp>
+        <p:nvSpPr>
+          <p:cNvPr id="105" name="TextBox 104">
+            <a:extLst>
+              <a:ext uri="{FF2B5EF4-FFF2-40B4-BE49-F238E27FC236}">
+                <a16:creationId xmlns:a16="http://schemas.microsoft.com/office/drawing/2014/main" id="{CEC2542E-767E-49F1-BED3-EE762332547B}"/>
+              </a:ext>
+            </a:extLst>
+          </p:cNvPr>
+          <p:cNvSpPr txBox="1"/>
+          <p:nvPr/>
+        </p:nvSpPr>
+        <p:spPr>
+          <a:xfrm>
+            <a:off x="7184388" y="5100009"/>
+            <a:ext cx="343364" cy="215444"/>
+          </a:xfrm>
+          <a:prstGeom prst="rect">
+            <a:avLst/>
+          </a:prstGeom>
+          <a:solidFill>
+            <a:schemeClr val="accent4">
+              <a:alpha val="50000"/>
+            </a:schemeClr>
+          </a:solidFill>
+          <a:ln>
+            <a:noFill/>
+          </a:ln>
+        </p:spPr>
+        <p:style>
+          <a:lnRef idx="0">
+            <a:scrgbClr r="0" g="0" b="0"/>
+          </a:lnRef>
+          <a:fillRef idx="0">
+            <a:scrgbClr r="0" g="0" b="0"/>
+          </a:fillRef>
+          <a:effectRef idx="0">
+            <a:scrgbClr r="0" g="0" b="0"/>
+          </a:effectRef>
+          <a:fontRef idx="minor">
+            <a:schemeClr val="lt1"/>
+          </a:fontRef>
+        </p:style>
+        <p:txBody>
+          <a:bodyPr wrap="none" rtlCol="0">
+            <a:spAutoFit/>
+          </a:bodyPr>
+          <a:lstStyle/>
+          <a:p>
+            <a:r>
+              <a:rPr lang="en-US" altLang="ko-KR" sz="800" dirty="0">
+                <a:ln w="0"/>
+                <a:solidFill>
+                  <a:schemeClr val="tx1"/>
+                </a:solidFill>
+                <a:effectLst>
+                  <a:outerShdw blurRad="38100" dist="19050" dir="2700000" algn="tl" rotWithShape="0">
+                    <a:schemeClr val="dk1">
+                      <a:alpha val="40000"/>
+                    </a:schemeClr>
+                  </a:outerShdw>
+                </a:effectLst>
+              </a:rPr>
+              <a:t>NO</a:t>
+            </a:r>
+            <a:endParaRPr lang="ko-KR" altLang="en-US" sz="800" dirty="0">
+              <a:ln w="0"/>
+              <a:solidFill>
+                <a:schemeClr val="tx1"/>
+              </a:solidFill>
+              <a:effectLst>
+                <a:outerShdw blurRad="38100" dist="19050" dir="2700000" algn="tl" rotWithShape="0">
+                  <a:schemeClr val="dk1">
+                    <a:alpha val="40000"/>
+                  </a:schemeClr>
+                </a:outerShdw>
+              </a:effectLst>
+            </a:endParaRPr>
+          </a:p>
+        </p:txBody>
+      </p:sp>
+      <p:sp>
+        <p:nvSpPr>
+          <p:cNvPr id="107" name="TextBox 106">
+            <a:extLst>
+              <a:ext uri="{FF2B5EF4-FFF2-40B4-BE49-F238E27FC236}">
+                <a16:creationId xmlns:a16="http://schemas.microsoft.com/office/drawing/2014/main" id="{7AE4B5E1-B5D3-4DF8-A6BF-6B34BA555D06}"/>
+              </a:ext>
+            </a:extLst>
+          </p:cNvPr>
+          <p:cNvSpPr txBox="1"/>
+          <p:nvPr/>
+        </p:nvSpPr>
+        <p:spPr>
+          <a:xfrm>
+            <a:off x="6128786" y="5701587"/>
+            <a:ext cx="341760" cy="215444"/>
+          </a:xfrm>
+          <a:prstGeom prst="rect">
+            <a:avLst/>
+          </a:prstGeom>
+          <a:solidFill>
+            <a:schemeClr val="accent4">
+              <a:alpha val="50000"/>
+            </a:schemeClr>
+          </a:solidFill>
+          <a:ln>
+            <a:noFill/>
+          </a:ln>
+        </p:spPr>
+        <p:style>
+          <a:lnRef idx="0">
+            <a:scrgbClr r="0" g="0" b="0"/>
+          </a:lnRef>
+          <a:fillRef idx="0">
+            <a:scrgbClr r="0" g="0" b="0"/>
+          </a:fillRef>
+          <a:effectRef idx="0">
+            <a:scrgbClr r="0" g="0" b="0"/>
+          </a:effectRef>
+          <a:fontRef idx="minor">
+            <a:schemeClr val="lt1"/>
+          </a:fontRef>
+        </p:style>
+        <p:txBody>
+          <a:bodyPr wrap="none" rtlCol="0">
+            <a:spAutoFit/>
+          </a:bodyPr>
+          <a:lstStyle/>
+          <a:p>
+            <a:r>
+              <a:rPr lang="en-US" altLang="ko-KR" sz="800" dirty="0">
+                <a:ln w="0"/>
+                <a:solidFill>
+                  <a:schemeClr val="tx1"/>
+                </a:solidFill>
+                <a:effectLst>
+                  <a:outerShdw blurRad="38100" dist="19050" dir="2700000" algn="tl" rotWithShape="0">
+                    <a:schemeClr val="dk1">
+                      <a:alpha val="40000"/>
+                    </a:schemeClr>
+                  </a:outerShdw>
+                </a:effectLst>
+              </a:rPr>
+              <a:t>Yes</a:t>
+            </a:r>
+            <a:endParaRPr lang="ko-KR" altLang="en-US" sz="800" dirty="0">
+              <a:ln w="0"/>
+              <a:solidFill>
+                <a:schemeClr val="tx1"/>
+              </a:solidFill>
+              <a:effectLst>
+                <a:outerShdw blurRad="38100" dist="19050" dir="2700000" algn="tl" rotWithShape="0">
+                  <a:schemeClr val="dk1">
+                    <a:alpha val="40000"/>
+                  </a:schemeClr>
+                </a:outerShdw>
+              </a:effectLst>
+            </a:endParaRPr>
+          </a:p>
+        </p:txBody>
+      </p:sp>
+      <p:sp>
+        <p:nvSpPr>
+          <p:cNvPr id="108" name="순서도: 판단 107">
+            <a:extLst>
+              <a:ext uri="{FF2B5EF4-FFF2-40B4-BE49-F238E27FC236}">
+                <a16:creationId xmlns:a16="http://schemas.microsoft.com/office/drawing/2014/main" id="{91C4DAC6-099D-40B1-B00B-2EF12531466F}"/>
+              </a:ext>
+            </a:extLst>
+          </p:cNvPr>
+          <p:cNvSpPr/>
+          <p:nvPr/>
+        </p:nvSpPr>
+        <p:spPr>
+          <a:xfrm>
+            <a:off x="5005129" y="2123072"/>
+            <a:ext cx="2181727" cy="657726"/>
+          </a:xfrm>
+          <a:prstGeom prst="flowChartDecision">
+            <a:avLst/>
+          </a:prstGeom>
+          <a:solidFill>
+            <a:schemeClr val="accent4">
+              <a:alpha val="50000"/>
+            </a:schemeClr>
+          </a:solidFill>
+          <a:ln>
+            <a:noFill/>
+          </a:ln>
+        </p:spPr>
+        <p:style>
+          <a:lnRef idx="0">
+            <a:scrgbClr r="0" g="0" b="0"/>
+          </a:lnRef>
+          <a:fillRef idx="0">
+            <a:scrgbClr r="0" g="0" b="0"/>
+          </a:fillRef>
+          <a:effectRef idx="0">
+            <a:scrgbClr r="0" g="0" b="0"/>
+          </a:effectRef>
+          <a:fontRef idx="minor">
+            <a:schemeClr val="lt1"/>
+          </a:fontRef>
+        </p:style>
+        <p:txBody>
+          <a:bodyPr rot="0" spcFirstLastPara="0" vertOverflow="overflow" horzOverflow="overflow" vert="horz" wrap="square" lIns="91440" tIns="45720" rIns="91440" bIns="45720" numCol="1" spcCol="0" rtlCol="0" fromWordArt="0" anchor="ctr" anchorCtr="0" forceAA="0" compatLnSpc="1">
+            <a:prstTxWarp prst="textNoShape">
+              <a:avLst/>
+            </a:prstTxWarp>
+            <a:noAutofit/>
+          </a:bodyPr>
+          <a:lstStyle/>
+          <a:p>
+            <a:pPr algn="ctr"/>
+            <a:r>
+              <a:rPr lang="en-US" altLang="ko-KR" sz="1100" dirty="0">
+                <a:ln w="0"/>
+                <a:solidFill>
+                  <a:schemeClr val="tx1"/>
+                </a:solidFill>
+                <a:effectLst>
+                  <a:outerShdw blurRad="38100" dist="19050" dir="2700000" algn="tl" rotWithShape="0">
+                    <a:schemeClr val="dk1">
+                      <a:alpha val="40000"/>
+                    </a:schemeClr>
+                  </a:outerShdw>
+                </a:effectLst>
+              </a:rPr>
+              <a:t>Is Request Arrived?</a:t>
+            </a:r>
+            <a:endParaRPr lang="ko-KR" altLang="en-US" sz="1100" dirty="0">
+              <a:ln w="0"/>
+              <a:solidFill>
+                <a:schemeClr val="tx1"/>
+              </a:solidFill>
+              <a:effectLst>
+                <a:outerShdw blurRad="38100" dist="19050" dir="2700000" algn="tl" rotWithShape="0">
+                  <a:schemeClr val="dk1">
+                    <a:alpha val="40000"/>
+                  </a:schemeClr>
+                </a:outerShdw>
+              </a:effectLst>
+            </a:endParaRPr>
+          </a:p>
+        </p:txBody>
+      </p:sp>
+      <p:cxnSp>
+        <p:nvCxnSpPr>
+          <p:cNvPr id="111" name="직선 연결선 110">
+            <a:extLst>
+              <a:ext uri="{FF2B5EF4-FFF2-40B4-BE49-F238E27FC236}">
+                <a16:creationId xmlns:a16="http://schemas.microsoft.com/office/drawing/2014/main" id="{48153FE5-4280-49C1-B70B-B26CF5676CCC}"/>
+              </a:ext>
+            </a:extLst>
+          </p:cNvPr>
+          <p:cNvCxnSpPr>
+            <a:cxnSpLocks/>
+            <a:stCxn id="53" idx="1"/>
+          </p:cNvCxnSpPr>
+          <p:nvPr/>
+        </p:nvCxnSpPr>
+        <p:spPr>
+          <a:xfrm flipH="1">
+            <a:off x="4321845" y="3536500"/>
+            <a:ext cx="683292" cy="0"/>
+          </a:xfrm>
+          <a:prstGeom prst="line">
+            <a:avLst/>
+          </a:prstGeom>
+        </p:spPr>
+        <p:style>
+          <a:lnRef idx="1">
+            <a:schemeClr val="accent4"/>
+          </a:lnRef>
+          <a:fillRef idx="0">
+            <a:schemeClr val="accent4"/>
+          </a:fillRef>
+          <a:effectRef idx="0">
+            <a:schemeClr val="accent4"/>
+          </a:effectRef>
+          <a:fontRef idx="minor">
+            <a:schemeClr val="tx1"/>
+          </a:fontRef>
+        </p:style>
+      </p:cxnSp>
+      <p:cxnSp>
+        <p:nvCxnSpPr>
+          <p:cNvPr id="112" name="직선 연결선 111">
+            <a:extLst>
+              <a:ext uri="{FF2B5EF4-FFF2-40B4-BE49-F238E27FC236}">
+                <a16:creationId xmlns:a16="http://schemas.microsoft.com/office/drawing/2014/main" id="{92470098-A262-4283-98F1-0A04E6474A50}"/>
+              </a:ext>
+            </a:extLst>
+          </p:cNvPr>
+          <p:cNvCxnSpPr>
+            <a:cxnSpLocks/>
+          </p:cNvCxnSpPr>
+          <p:nvPr/>
+        </p:nvCxnSpPr>
+        <p:spPr>
+          <a:xfrm flipV="1">
+            <a:off x="4321845" y="1325479"/>
+            <a:ext cx="0" cy="2211021"/>
+          </a:xfrm>
+          <a:prstGeom prst="line">
+            <a:avLst/>
+          </a:prstGeom>
+        </p:spPr>
+        <p:style>
+          <a:lnRef idx="1">
+            <a:schemeClr val="accent4"/>
+          </a:lnRef>
+          <a:fillRef idx="0">
+            <a:schemeClr val="accent4"/>
+          </a:fillRef>
+          <a:effectRef idx="0">
+            <a:schemeClr val="accent4"/>
+          </a:effectRef>
+          <a:fontRef idx="minor">
+            <a:schemeClr val="tx1"/>
+          </a:fontRef>
+        </p:style>
+      </p:cxnSp>
+      <p:cxnSp>
+        <p:nvCxnSpPr>
+          <p:cNvPr id="114" name="직선 화살표 연결선 113">
+            <a:extLst>
+              <a:ext uri="{FF2B5EF4-FFF2-40B4-BE49-F238E27FC236}">
+                <a16:creationId xmlns:a16="http://schemas.microsoft.com/office/drawing/2014/main" id="{2BAB2325-80CA-4E7F-8F28-52E6BAB1F6D5}"/>
+              </a:ext>
+            </a:extLst>
+          </p:cNvPr>
+          <p:cNvCxnSpPr/>
+          <p:nvPr/>
+        </p:nvCxnSpPr>
+        <p:spPr>
+          <a:xfrm>
+            <a:off x="4321845" y="1325479"/>
+            <a:ext cx="683284" cy="0"/>
+          </a:xfrm>
+          <a:prstGeom prst="straightConnector1">
+            <a:avLst/>
+          </a:prstGeom>
+          <a:ln>
+            <a:tailEnd type="triangle"/>
+          </a:ln>
+        </p:spPr>
+        <p:style>
+          <a:lnRef idx="1">
+            <a:schemeClr val="accent4"/>
+          </a:lnRef>
+          <a:fillRef idx="0">
+            <a:schemeClr val="accent4"/>
+          </a:fillRef>
+          <a:effectRef idx="0">
+            <a:schemeClr val="accent4"/>
+          </a:effectRef>
+          <a:fontRef idx="minor">
+            <a:schemeClr val="tx1"/>
+          </a:fontRef>
+        </p:style>
+      </p:cxnSp>
+      <p:sp>
+        <p:nvSpPr>
+          <p:cNvPr id="158" name="TextBox 157">
+            <a:extLst>
+              <a:ext uri="{FF2B5EF4-FFF2-40B4-BE49-F238E27FC236}">
+                <a16:creationId xmlns:a16="http://schemas.microsoft.com/office/drawing/2014/main" id="{A3E0980B-B22A-4D70-890F-BF42AE1A5E7B}"/>
+              </a:ext>
+            </a:extLst>
+          </p:cNvPr>
+          <p:cNvSpPr txBox="1"/>
+          <p:nvPr/>
+        </p:nvSpPr>
+        <p:spPr>
+          <a:xfrm>
+            <a:off x="5125236" y="3889547"/>
+            <a:ext cx="850664" cy="215444"/>
+          </a:xfrm>
+          <a:prstGeom prst="rect">
+            <a:avLst/>
+          </a:prstGeom>
+          <a:solidFill>
+            <a:schemeClr val="accent4">
+              <a:alpha val="50000"/>
+            </a:schemeClr>
+          </a:solidFill>
+          <a:ln>
+            <a:noFill/>
+          </a:ln>
+        </p:spPr>
+        <p:style>
+          <a:lnRef idx="0">
+            <a:scrgbClr r="0" g="0" b="0"/>
+          </a:lnRef>
+          <a:fillRef idx="0">
+            <a:scrgbClr r="0" g="0" b="0"/>
+          </a:fillRef>
+          <a:effectRef idx="0">
+            <a:scrgbClr r="0" g="0" b="0"/>
+          </a:effectRef>
+          <a:fontRef idx="minor">
+            <a:schemeClr val="lt1"/>
+          </a:fontRef>
+        </p:style>
+        <p:txBody>
+          <a:bodyPr wrap="square" rtlCol="0">
+            <a:spAutoFit/>
+          </a:bodyPr>
+          <a:lstStyle/>
+          <a:p>
+            <a:r>
+              <a:rPr lang="en-US" altLang="ko-KR" sz="800" dirty="0">
+                <a:ln w="0"/>
+                <a:solidFill>
+                  <a:schemeClr val="tx1"/>
+                </a:solidFill>
+                <a:effectLst>
+                  <a:outerShdw blurRad="38100" dist="19050" dir="2700000" algn="tl" rotWithShape="0">
+                    <a:schemeClr val="dk1">
+                      <a:alpha val="40000"/>
+                    </a:schemeClr>
+                  </a:outerShdw>
+                </a:effectLst>
+              </a:rPr>
+              <a:t>Create Thread</a:t>
+            </a:r>
+            <a:endParaRPr lang="ko-KR" altLang="en-US" sz="800" dirty="0">
+              <a:ln w="0"/>
+              <a:solidFill>
+                <a:schemeClr val="tx1"/>
+              </a:solidFill>
+              <a:effectLst>
+                <a:outerShdw blurRad="38100" dist="19050" dir="2700000" algn="tl" rotWithShape="0">
+                  <a:schemeClr val="dk1">
+                    <a:alpha val="40000"/>
+                  </a:schemeClr>
+                </a:outerShdw>
+              </a:effectLst>
+            </a:endParaRPr>
+          </a:p>
+        </p:txBody>
+      </p:sp>
+      <p:sp>
+        <p:nvSpPr>
+          <p:cNvPr id="159" name="TextBox 158">
+            <a:extLst>
+              <a:ext uri="{FF2B5EF4-FFF2-40B4-BE49-F238E27FC236}">
+                <a16:creationId xmlns:a16="http://schemas.microsoft.com/office/drawing/2014/main" id="{7569A76C-EF93-43E9-8CDA-6ECA514217E6}"/>
+              </a:ext>
+            </a:extLst>
+          </p:cNvPr>
+          <p:cNvSpPr txBox="1"/>
+          <p:nvPr/>
+        </p:nvSpPr>
+        <p:spPr>
+          <a:xfrm>
+            <a:off x="7346545" y="6322781"/>
+            <a:ext cx="786068" cy="338554"/>
+          </a:xfrm>
+          <a:prstGeom prst="rect">
+            <a:avLst/>
+          </a:prstGeom>
+          <a:solidFill>
+            <a:schemeClr val="accent4">
+              <a:alpha val="50000"/>
+            </a:schemeClr>
+          </a:solidFill>
+          <a:ln>
+            <a:noFill/>
+          </a:ln>
+        </p:spPr>
+        <p:style>
+          <a:lnRef idx="0">
+            <a:scrgbClr r="0" g="0" b="0"/>
+          </a:lnRef>
+          <a:fillRef idx="0">
+            <a:scrgbClr r="0" g="0" b="0"/>
+          </a:fillRef>
+          <a:effectRef idx="0">
+            <a:scrgbClr r="0" g="0" b="0"/>
+          </a:effectRef>
+          <a:fontRef idx="minor">
+            <a:schemeClr val="lt1"/>
+          </a:fontRef>
+        </p:style>
+        <p:txBody>
+          <a:bodyPr wrap="square" rtlCol="0">
+            <a:spAutoFit/>
+          </a:bodyPr>
+          <a:lstStyle/>
+          <a:p>
+            <a:r>
+              <a:rPr lang="en-US" altLang="ko-KR" sz="800" dirty="0">
+                <a:ln w="0"/>
+                <a:solidFill>
+                  <a:schemeClr val="tx1"/>
+                </a:solidFill>
+                <a:effectLst>
+                  <a:outerShdw blurRad="38100" dist="19050" dir="2700000" algn="tl" rotWithShape="0">
+                    <a:schemeClr val="dk1">
+                      <a:alpha val="40000"/>
+                    </a:schemeClr>
+                  </a:outerShdw>
+                </a:effectLst>
+              </a:rPr>
+              <a:t>Terminate Thread</a:t>
+            </a:r>
+            <a:endParaRPr lang="ko-KR" altLang="en-US" sz="800" dirty="0">
+              <a:ln w="0"/>
+              <a:solidFill>
+                <a:schemeClr val="tx1"/>
+              </a:solidFill>
+              <a:effectLst>
+                <a:outerShdw blurRad="38100" dist="19050" dir="2700000" algn="tl" rotWithShape="0">
+                  <a:schemeClr val="dk1">
+                    <a:alpha val="40000"/>
+                  </a:schemeClr>
+                </a:outerShdw>
+              </a:effectLst>
+            </a:endParaRPr>
+          </a:p>
+        </p:txBody>
+      </p:sp>
+    </p:spTree>
+    <p:extLst>
+      <p:ext uri="{BB962C8B-B14F-4D97-AF65-F5344CB8AC3E}">
+        <p14:creationId xmlns:p14="http://schemas.microsoft.com/office/powerpoint/2010/main" val="1911102537"/>
+      </p:ext>
+    </p:extLst>
+  </p:cSld>
+  <p:clrMapOvr>
+    <a:masterClrMapping/>
+  </p:clrMapOvr>
+</p:sld>
+</file>
+
+<file path=ppt/slides/slide3.xml><?xml version="1.0" encoding="utf-8"?>
+<p:sld xmlns:a="http://schemas.openxmlformats.org/drawingml/2006/main" xmlns:r="http://schemas.openxmlformats.org/officeDocument/2006/relationships" xmlns:p="http://schemas.openxmlformats.org/presentationml/2006/main">
+  <p:cSld>
+    <p:spTree>
+      <p:nvGrpSpPr>
+        <p:cNvPr id="1" name=""/>
+        <p:cNvGrpSpPr/>
+        <p:nvPr/>
+      </p:nvGrpSpPr>
+      <p:grpSpPr>
+        <a:xfrm>
+          <a:off x="0" y="0"/>
+          <a:ext cx="0" cy="0"/>
+          <a:chOff x="0" y="0"/>
+          <a:chExt cx="0" cy="0"/>
+        </a:xfrm>
+      </p:grpSpPr>
+      <p:sp>
+        <p:nvSpPr>
           <p:cNvPr id="74" name="직사각형 73">
             <a:extLst>
               <a:ext uri="{FF2B5EF4-FFF2-40B4-BE49-F238E27FC236}">
@@ -9329,20 +11280,25 @@
           <a:prstGeom prst="bentConnector3">
             <a:avLst/>
           </a:prstGeom>
-          <a:ln>
+          <a:ln w="9525" cap="flat" cmpd="sng" algn="ctr">
+            <a:solidFill>
+              <a:schemeClr val="accent4"/>
+            </a:solidFill>
+            <a:prstDash val="dash"/>
+            <a:round/>
             <a:headEnd type="none" w="med" len="med"/>
             <a:tailEnd type="none" w="med" len="med"/>
           </a:ln>
         </p:spPr>
         <p:style>
-          <a:lnRef idx="1">
-            <a:schemeClr val="accent4"/>
-          </a:lnRef>
-          <a:fillRef idx="0">
-            <a:schemeClr val="accent4"/>
-          </a:fillRef>
-          <a:effectRef idx="0">
-            <a:schemeClr val="accent4"/>
+          <a:lnRef idx="0">
+            <a:scrgbClr r="0" g="0" b="0"/>
+          </a:lnRef>
+          <a:fillRef idx="0">
+            <a:scrgbClr r="0" g="0" b="0"/>
+          </a:fillRef>
+          <a:effectRef idx="0">
+            <a:scrgbClr r="0" g="0" b="0"/>
           </a:effectRef>
           <a:fontRef idx="minor">
             <a:schemeClr val="tx1"/>
@@ -9359,6 +11315,7 @@
             </a:extLst>
           </p:cNvPr>
           <p:cNvCxnSpPr>
+            <a:cxnSpLocks/>
             <a:stCxn id="256" idx="1"/>
             <a:endCxn id="77" idx="3"/>
           </p:cNvCxnSpPr>
@@ -9372,20 +11329,25 @@
           <a:prstGeom prst="bentConnector3">
             <a:avLst/>
           </a:prstGeom>
-          <a:ln>
+          <a:ln w="9525" cap="flat" cmpd="sng" algn="ctr">
+            <a:solidFill>
+              <a:schemeClr val="accent4"/>
+            </a:solidFill>
+            <a:prstDash val="dash"/>
+            <a:round/>
             <a:headEnd type="none" w="med" len="med"/>
             <a:tailEnd type="none" w="med" len="med"/>
           </a:ln>
         </p:spPr>
         <p:style>
-          <a:lnRef idx="1">
-            <a:schemeClr val="accent4"/>
-          </a:lnRef>
-          <a:fillRef idx="0">
-            <a:schemeClr val="accent4"/>
-          </a:fillRef>
-          <a:effectRef idx="0">
-            <a:schemeClr val="accent4"/>
+          <a:lnRef idx="0">
+            <a:scrgbClr r="0" g="0" b="0"/>
+          </a:lnRef>
+          <a:fillRef idx="0">
+            <a:scrgbClr r="0" g="0" b="0"/>
+          </a:fillRef>
+          <a:effectRef idx="0">
+            <a:scrgbClr r="0" g="0" b="0"/>
           </a:effectRef>
           <a:fontRef idx="minor">
             <a:schemeClr val="tx1"/>
@@ -9957,7 +11919,7 @@
 </p:sld>
 </file>
 
-<file path=ppt/slides/slide3.xml><?xml version="1.0" encoding="utf-8"?>
+<file path=ppt/slides/slide4.xml><?xml version="1.0" encoding="utf-8"?>
 <p:sld xmlns:a="http://schemas.openxmlformats.org/drawingml/2006/main" xmlns:r="http://schemas.openxmlformats.org/officeDocument/2006/relationships" xmlns:p="http://schemas.openxmlformats.org/presentationml/2006/main">
   <p:cSld>
     <p:spTree>
@@ -11424,20 +13386,25 @@
           <a:prstGeom prst="line">
             <a:avLst/>
           </a:prstGeom>
-          <a:ln>
+          <a:ln w="9525" cap="flat" cmpd="sng" algn="ctr">
+            <a:solidFill>
+              <a:schemeClr val="accent4"/>
+            </a:solidFill>
+            <a:prstDash val="dash"/>
+            <a:round/>
             <a:headEnd type="none" w="med" len="med"/>
             <a:tailEnd type="none" w="med" len="med"/>
           </a:ln>
         </p:spPr>
         <p:style>
-          <a:lnRef idx="1">
-            <a:schemeClr val="accent4"/>
-          </a:lnRef>
-          <a:fillRef idx="0">
-            <a:schemeClr val="accent4"/>
-          </a:fillRef>
-          <a:effectRef idx="0">
-            <a:schemeClr val="accent4"/>
+          <a:lnRef idx="0">
+            <a:scrgbClr r="0" g="0" b="0"/>
+          </a:lnRef>
+          <a:fillRef idx="0">
+            <a:scrgbClr r="0" g="0" b="0"/>
+          </a:fillRef>
+          <a:effectRef idx="0">
+            <a:scrgbClr r="0" g="0" b="0"/>
           </a:effectRef>
           <a:fontRef idx="minor">
             <a:schemeClr val="tx1"/>
@@ -11776,20 +13743,25 @@
           <a:prstGeom prst="line">
             <a:avLst/>
           </a:prstGeom>
-          <a:ln>
+          <a:ln w="9525" cap="flat" cmpd="sng" algn="ctr">
+            <a:solidFill>
+              <a:schemeClr val="accent4"/>
+            </a:solidFill>
+            <a:prstDash val="dash"/>
+            <a:round/>
             <a:headEnd type="none" w="med" len="med"/>
             <a:tailEnd type="none" w="med" len="med"/>
           </a:ln>
         </p:spPr>
         <p:style>
-          <a:lnRef idx="1">
-            <a:schemeClr val="accent4"/>
-          </a:lnRef>
-          <a:fillRef idx="0">
-            <a:schemeClr val="accent4"/>
-          </a:fillRef>
-          <a:effectRef idx="0">
-            <a:schemeClr val="accent4"/>
+          <a:lnRef idx="0">
+            <a:scrgbClr r="0" g="0" b="0"/>
+          </a:lnRef>
+          <a:fillRef idx="0">
+            <a:scrgbClr r="0" g="0" b="0"/>
+          </a:fillRef>
+          <a:effectRef idx="0">
+            <a:scrgbClr r="0" g="0" b="0"/>
           </a:effectRef>
           <a:fontRef idx="minor">
             <a:schemeClr val="tx1"/>
@@ -12421,7 +14393,7 @@
 </p:sld>
 </file>
 
-<file path=ppt/slides/slide4.xml><?xml version="1.0" encoding="utf-8"?>
+<file path=ppt/slides/slide5.xml><?xml version="1.0" encoding="utf-8"?>
 <p:sld xmlns:a="http://schemas.openxmlformats.org/drawingml/2006/main" xmlns:r="http://schemas.openxmlformats.org/officeDocument/2006/relationships" xmlns:p="http://schemas.openxmlformats.org/presentationml/2006/main">
   <p:cSld>
     <p:spTree>
@@ -12440,10 +14412,10 @@
       </p:grpSpPr>
       <p:sp>
         <p:nvSpPr>
-          <p:cNvPr id="150" name="직사각형 149">
-            <a:extLst>
-              <a:ext uri="{FF2B5EF4-FFF2-40B4-BE49-F238E27FC236}">
-                <a16:creationId xmlns:a16="http://schemas.microsoft.com/office/drawing/2014/main" id="{9EBC85EB-E6AF-4EA3-9240-EB931D7094FB}"/>
+          <p:cNvPr id="59" name="직사각형 58">
+            <a:extLst>
+              <a:ext uri="{FF2B5EF4-FFF2-40B4-BE49-F238E27FC236}">
+                <a16:creationId xmlns:a16="http://schemas.microsoft.com/office/drawing/2014/main" id="{58552F4E-822F-472D-B999-8D2043EF42B6}"/>
               </a:ext>
             </a:extLst>
           </p:cNvPr>
@@ -12452,56 +14424,7 @@
         </p:nvSpPr>
         <p:spPr>
           <a:xfrm>
-            <a:off x="5141496" y="-652438"/>
-            <a:ext cx="1909008" cy="402554"/>
-          </a:xfrm>
-          <a:prstGeom prst="rect">
-            <a:avLst/>
-          </a:prstGeom>
-        </p:spPr>
-        <p:style>
-          <a:lnRef idx="2">
-            <a:schemeClr val="accent1">
-              <a:shade val="50000"/>
-            </a:schemeClr>
-          </a:lnRef>
-          <a:fillRef idx="1">
-            <a:schemeClr val="accent1"/>
-          </a:fillRef>
-          <a:effectRef idx="0">
-            <a:schemeClr val="accent1"/>
-          </a:effectRef>
-          <a:fontRef idx="minor">
-            <a:schemeClr val="lt1"/>
-          </a:fontRef>
-        </p:style>
-        <p:txBody>
-          <a:bodyPr rtlCol="0" anchor="ctr"/>
-          <a:lstStyle/>
-          <a:p>
-            <a:pPr algn="ctr"/>
-            <a:r>
-              <a:rPr lang="en-US" altLang="ko-KR" dirty="0"/>
-              <a:t>AI Server</a:t>
-            </a:r>
-          </a:p>
-        </p:txBody>
-      </p:sp>
-      <p:sp>
-        <p:nvSpPr>
-          <p:cNvPr id="47" name="직사각형 46">
-            <a:extLst>
-              <a:ext uri="{FF2B5EF4-FFF2-40B4-BE49-F238E27FC236}">
-                <a16:creationId xmlns:a16="http://schemas.microsoft.com/office/drawing/2014/main" id="{E3F45263-371E-428E-8A3E-1ED202FC6D35}"/>
-              </a:ext>
-            </a:extLst>
-          </p:cNvPr>
-          <p:cNvSpPr/>
-          <p:nvPr/>
-        </p:nvSpPr>
-        <p:spPr>
-          <a:xfrm>
-            <a:off x="5005138" y="294271"/>
+            <a:off x="2229426" y="273472"/>
             <a:ext cx="2181727" cy="417095"/>
           </a:xfrm>
           <a:prstGeom prst="rect">
@@ -12554,17 +14477,17 @@
                   </a:outerShdw>
                 </a:effectLst>
               </a:rPr>
-              <a:t>Server Start</a:t>
+              <a:t>In Game Start</a:t>
             </a:r>
           </a:p>
         </p:txBody>
       </p:sp>
       <p:sp>
         <p:nvSpPr>
-          <p:cNvPr id="48" name="순서도: 연결자 47">
-            <a:extLst>
-              <a:ext uri="{FF2B5EF4-FFF2-40B4-BE49-F238E27FC236}">
-                <a16:creationId xmlns:a16="http://schemas.microsoft.com/office/drawing/2014/main" id="{F73A84A5-7315-43A5-86A0-F0318D71EBBC}"/>
+          <p:cNvPr id="60" name="순서도: 연결자 59">
+            <a:extLst>
+              <a:ext uri="{FF2B5EF4-FFF2-40B4-BE49-F238E27FC236}">
+                <a16:creationId xmlns:a16="http://schemas.microsoft.com/office/drawing/2014/main" id="{B2A73C86-A410-47E6-8078-0CCC8524E979}"/>
               </a:ext>
             </a:extLst>
           </p:cNvPr>
@@ -12573,7 +14496,7 @@
         </p:nvSpPr>
         <p:spPr>
           <a:xfrm>
-            <a:off x="3681664" y="294271"/>
+            <a:off x="905952" y="273472"/>
             <a:ext cx="417094" cy="417094"/>
           </a:xfrm>
           <a:prstGeom prst="flowChartConnector">
@@ -12630,23 +14553,66 @@
       </p:sp>
       <p:cxnSp>
         <p:nvCxnSpPr>
-          <p:cNvPr id="49" name="직선 화살표 연결선 48">
-            <a:extLst>
-              <a:ext uri="{FF2B5EF4-FFF2-40B4-BE49-F238E27FC236}">
-                <a16:creationId xmlns:a16="http://schemas.microsoft.com/office/drawing/2014/main" id="{AE29423E-1CCC-42FD-AA24-BCE7C1EAAFC2}"/>
+          <p:cNvPr id="61" name="직선 화살표 연결선 60">
+            <a:extLst>
+              <a:ext uri="{FF2B5EF4-FFF2-40B4-BE49-F238E27FC236}">
+                <a16:creationId xmlns:a16="http://schemas.microsoft.com/office/drawing/2014/main" id="{1CE84419-E5FF-470C-8DD3-74350C1AAED7}"/>
               </a:ext>
             </a:extLst>
           </p:cNvPr>
           <p:cNvCxnSpPr>
-            <a:stCxn id="48" idx="6"/>
-            <a:endCxn id="47" idx="1"/>
+            <a:stCxn id="60" idx="6"/>
+            <a:endCxn id="59" idx="1"/>
           </p:cNvCxnSpPr>
           <p:nvPr/>
         </p:nvCxnSpPr>
         <p:spPr>
           <a:xfrm>
-            <a:off x="4098758" y="502818"/>
+            <a:off x="1323046" y="482019"/>
             <a:ext cx="906380" cy="1"/>
+          </a:xfrm>
+          <a:prstGeom prst="straightConnector1">
+            <a:avLst/>
+          </a:prstGeom>
+          <a:ln>
+            <a:tailEnd type="triangle"/>
+          </a:ln>
+        </p:spPr>
+        <p:style>
+          <a:lnRef idx="1">
+            <a:schemeClr val="accent4"/>
+          </a:lnRef>
+          <a:fillRef idx="0">
+            <a:schemeClr val="accent4"/>
+          </a:fillRef>
+          <a:effectRef idx="0">
+            <a:schemeClr val="accent4"/>
+          </a:effectRef>
+          <a:fontRef idx="minor">
+            <a:schemeClr val="tx1"/>
+          </a:fontRef>
+        </p:style>
+      </p:cxnSp>
+      <p:cxnSp>
+        <p:nvCxnSpPr>
+          <p:cNvPr id="62" name="직선 화살표 연결선 61">
+            <a:extLst>
+              <a:ext uri="{FF2B5EF4-FFF2-40B4-BE49-F238E27FC236}">
+                <a16:creationId xmlns:a16="http://schemas.microsoft.com/office/drawing/2014/main" id="{A8FCF008-12EE-4BBD-90C0-96C224013E0B}"/>
+              </a:ext>
+            </a:extLst>
+          </p:cNvPr>
+          <p:cNvCxnSpPr>
+            <a:cxnSpLocks/>
+            <a:stCxn id="59" idx="2"/>
+            <a:endCxn id="66" idx="0"/>
+          </p:cNvCxnSpPr>
+          <p:nvPr/>
+        </p:nvCxnSpPr>
+        <p:spPr>
+          <a:xfrm flipH="1">
+            <a:off x="3320289" y="690567"/>
+            <a:ext cx="1" cy="271493"/>
           </a:xfrm>
           <a:prstGeom prst="straightConnector1">
             <a:avLst/>
@@ -12672,10 +14638,10 @@
       </p:cxnSp>
       <p:sp>
         <p:nvSpPr>
-          <p:cNvPr id="50" name="직사각형 49">
-            <a:extLst>
-              <a:ext uri="{FF2B5EF4-FFF2-40B4-BE49-F238E27FC236}">
-                <a16:creationId xmlns:a16="http://schemas.microsoft.com/office/drawing/2014/main" id="{C8443A31-75A9-41B0-8944-34844176A3ED}"/>
+          <p:cNvPr id="63" name="직사각형 62">
+            <a:extLst>
+              <a:ext uri="{FF2B5EF4-FFF2-40B4-BE49-F238E27FC236}">
+                <a16:creationId xmlns:a16="http://schemas.microsoft.com/office/drawing/2014/main" id="{6DD28D8E-AFEF-4CEB-8609-D382FA7D87FF}"/>
               </a:ext>
             </a:extLst>
           </p:cNvPr>
@@ -12684,7 +14650,7 @@
         </p:nvSpPr>
         <p:spPr>
           <a:xfrm>
-            <a:off x="5005137" y="1208671"/>
+            <a:off x="2229425" y="1650272"/>
             <a:ext cx="2181727" cy="417095"/>
           </a:xfrm>
           <a:prstGeom prst="rect">
@@ -12737,101 +14703,17 @@
                   </a:outerShdw>
                 </a:effectLst>
               </a:rPr>
-              <a:t>Wait Request</a:t>
+              <a:t>Action Ready</a:t>
             </a:r>
           </a:p>
         </p:txBody>
       </p:sp>
-      <p:cxnSp>
-        <p:nvCxnSpPr>
-          <p:cNvPr id="51" name="직선 화살표 연결선 50">
-            <a:extLst>
-              <a:ext uri="{FF2B5EF4-FFF2-40B4-BE49-F238E27FC236}">
-                <a16:creationId xmlns:a16="http://schemas.microsoft.com/office/drawing/2014/main" id="{7B98C6DD-DDF0-4B74-808A-2702FBCEFD3C}"/>
-              </a:ext>
-            </a:extLst>
-          </p:cNvPr>
-          <p:cNvCxnSpPr>
-            <a:stCxn id="47" idx="2"/>
-            <a:endCxn id="50" idx="0"/>
-          </p:cNvCxnSpPr>
-          <p:nvPr/>
-        </p:nvCxnSpPr>
-        <p:spPr>
-          <a:xfrm flipH="1">
-            <a:off x="6096001" y="711366"/>
-            <a:ext cx="1" cy="497305"/>
-          </a:xfrm>
-          <a:prstGeom prst="straightConnector1">
-            <a:avLst/>
-          </a:prstGeom>
-          <a:ln>
-            <a:tailEnd type="triangle"/>
-          </a:ln>
-        </p:spPr>
-        <p:style>
-          <a:lnRef idx="1">
-            <a:schemeClr val="accent4"/>
-          </a:lnRef>
-          <a:fillRef idx="0">
-            <a:schemeClr val="accent4"/>
-          </a:fillRef>
-          <a:effectRef idx="0">
-            <a:schemeClr val="accent4"/>
-          </a:effectRef>
-          <a:fontRef idx="minor">
-            <a:schemeClr val="tx1"/>
-          </a:fontRef>
-        </p:style>
-      </p:cxnSp>
-      <p:cxnSp>
-        <p:nvCxnSpPr>
-          <p:cNvPr id="52" name="직선 화살표 연결선 51">
-            <a:extLst>
-              <a:ext uri="{FF2B5EF4-FFF2-40B4-BE49-F238E27FC236}">
-                <a16:creationId xmlns:a16="http://schemas.microsoft.com/office/drawing/2014/main" id="{DCF328BB-F3C0-4645-A523-E8303EC3EAEA}"/>
-              </a:ext>
-            </a:extLst>
-          </p:cNvPr>
-          <p:cNvCxnSpPr>
-            <a:cxnSpLocks/>
-            <a:stCxn id="50" idx="2"/>
-          </p:cNvCxnSpPr>
-          <p:nvPr/>
-        </p:nvCxnSpPr>
-        <p:spPr>
-          <a:xfrm>
-            <a:off x="6096001" y="1625766"/>
-            <a:ext cx="0" cy="497306"/>
-          </a:xfrm>
-          <a:prstGeom prst="straightConnector1">
-            <a:avLst/>
-          </a:prstGeom>
-          <a:ln>
-            <a:tailEnd type="triangle"/>
-          </a:ln>
-        </p:spPr>
-        <p:style>
-          <a:lnRef idx="1">
-            <a:schemeClr val="accent4"/>
-          </a:lnRef>
-          <a:fillRef idx="0">
-            <a:schemeClr val="accent4"/>
-          </a:fillRef>
-          <a:effectRef idx="0">
-            <a:schemeClr val="accent4"/>
-          </a:effectRef>
-          <a:fontRef idx="minor">
-            <a:schemeClr val="tx1"/>
-          </a:fontRef>
-        </p:style>
-      </p:cxnSp>
       <p:sp>
         <p:nvSpPr>
-          <p:cNvPr id="53" name="직사각형 52">
-            <a:extLst>
-              <a:ext uri="{FF2B5EF4-FFF2-40B4-BE49-F238E27FC236}">
-                <a16:creationId xmlns:a16="http://schemas.microsoft.com/office/drawing/2014/main" id="{22D0438B-0EC3-45E6-92BE-08DC1C224277}"/>
+          <p:cNvPr id="64" name="직사각형 63">
+            <a:extLst>
+              <a:ext uri="{FF2B5EF4-FFF2-40B4-BE49-F238E27FC236}">
+                <a16:creationId xmlns:a16="http://schemas.microsoft.com/office/drawing/2014/main" id="{BE57576C-7780-4988-BD76-7C317706848F}"/>
               </a:ext>
             </a:extLst>
           </p:cNvPr>
@@ -12840,8 +14722,8 @@
         </p:nvSpPr>
         <p:spPr>
           <a:xfrm>
-            <a:off x="5005137" y="3278104"/>
-            <a:ext cx="2181727" cy="516791"/>
+            <a:off x="2229424" y="2356124"/>
+            <a:ext cx="2181727" cy="652561"/>
           </a:xfrm>
           <a:prstGeom prst="rect">
             <a:avLst/>
@@ -12893,9 +14775,305 @@
                   </a:outerShdw>
                 </a:effectLst>
               </a:rPr>
-              <a:t>Create &amp; Add</a:t>
+              <a:t>Send Action to Server as Message</a:t>
             </a:r>
           </a:p>
+        </p:txBody>
+      </p:sp>
+      <p:cxnSp>
+        <p:nvCxnSpPr>
+          <p:cNvPr id="65" name="직선 화살표 연결선 64">
+            <a:extLst>
+              <a:ext uri="{FF2B5EF4-FFF2-40B4-BE49-F238E27FC236}">
+                <a16:creationId xmlns:a16="http://schemas.microsoft.com/office/drawing/2014/main" id="{3615ADB9-6E23-4235-94DA-B5152737B10E}"/>
+              </a:ext>
+            </a:extLst>
+          </p:cNvPr>
+          <p:cNvCxnSpPr>
+            <a:cxnSpLocks/>
+            <a:stCxn id="63" idx="2"/>
+            <a:endCxn id="64" idx="0"/>
+          </p:cNvCxnSpPr>
+          <p:nvPr/>
+        </p:nvCxnSpPr>
+        <p:spPr>
+          <a:xfrm flipH="1">
+            <a:off x="3320288" y="2067367"/>
+            <a:ext cx="1" cy="288757"/>
+          </a:xfrm>
+          <a:prstGeom prst="straightConnector1">
+            <a:avLst/>
+          </a:prstGeom>
+          <a:ln>
+            <a:tailEnd type="triangle"/>
+          </a:ln>
+        </p:spPr>
+        <p:style>
+          <a:lnRef idx="1">
+            <a:schemeClr val="accent4"/>
+          </a:lnRef>
+          <a:fillRef idx="0">
+            <a:schemeClr val="accent4"/>
+          </a:fillRef>
+          <a:effectRef idx="0">
+            <a:schemeClr val="accent4"/>
+          </a:effectRef>
+          <a:fontRef idx="minor">
+            <a:schemeClr val="tx1"/>
+          </a:fontRef>
+        </p:style>
+      </p:cxnSp>
+      <p:sp>
+        <p:nvSpPr>
+          <p:cNvPr id="66" name="직사각형 65">
+            <a:extLst>
+              <a:ext uri="{FF2B5EF4-FFF2-40B4-BE49-F238E27FC236}">
+                <a16:creationId xmlns:a16="http://schemas.microsoft.com/office/drawing/2014/main" id="{71B49EF8-BE3B-4709-A775-E3299F33B25D}"/>
+              </a:ext>
+            </a:extLst>
+          </p:cNvPr>
+          <p:cNvSpPr/>
+          <p:nvPr/>
+        </p:nvSpPr>
+        <p:spPr>
+          <a:xfrm>
+            <a:off x="2229425" y="962060"/>
+            <a:ext cx="2181727" cy="417095"/>
+          </a:xfrm>
+          <a:prstGeom prst="rect">
+            <a:avLst/>
+          </a:prstGeom>
+          <a:solidFill>
+            <a:schemeClr val="accent4">
+              <a:alpha val="50000"/>
+            </a:schemeClr>
+          </a:solidFill>
+          <a:ln>
+            <a:noFill/>
+          </a:ln>
+        </p:spPr>
+        <p:style>
+          <a:lnRef idx="0">
+            <a:scrgbClr r="0" g="0" b="0"/>
+          </a:lnRef>
+          <a:fillRef idx="0">
+            <a:scrgbClr r="0" g="0" b="0"/>
+          </a:fillRef>
+          <a:effectRef idx="0">
+            <a:scrgbClr r="0" g="0" b="0"/>
+          </a:effectRef>
+          <a:fontRef idx="minor">
+            <a:schemeClr val="lt1"/>
+          </a:fontRef>
+        </p:style>
+        <p:txBody>
+          <a:bodyPr rot="0" spcFirstLastPara="0" vertOverflow="overflow" horzOverflow="overflow" vert="horz" wrap="square" lIns="91440" tIns="45720" rIns="91440" bIns="45720" numCol="1" spcCol="0" rtlCol="0" fromWordArt="0" anchor="ctr" anchorCtr="0" forceAA="0" compatLnSpc="1">
+            <a:prstTxWarp prst="textNoShape">
+              <a:avLst/>
+            </a:prstTxWarp>
+            <a:noAutofit/>
+          </a:bodyPr>
+          <a:lstStyle/>
+          <a:p>
+            <a:pPr algn="ctr"/>
+            <a:r>
+              <a:rPr lang="en-US" altLang="ko-KR" sz="1400" dirty="0">
+                <a:ln w="0"/>
+                <a:solidFill>
+                  <a:schemeClr val="tx1"/>
+                </a:solidFill>
+                <a:effectLst>
+                  <a:outerShdw blurRad="38100" dist="19050" dir="2700000" algn="tl" rotWithShape="0">
+                    <a:schemeClr val="dk1">
+                      <a:alpha val="40000"/>
+                    </a:schemeClr>
+                  </a:outerShdw>
+                </a:effectLst>
+              </a:rPr>
+              <a:t>Get Environment State</a:t>
+            </a:r>
+          </a:p>
+        </p:txBody>
+      </p:sp>
+      <p:cxnSp>
+        <p:nvCxnSpPr>
+          <p:cNvPr id="67" name="직선 화살표 연결선 66">
+            <a:extLst>
+              <a:ext uri="{FF2B5EF4-FFF2-40B4-BE49-F238E27FC236}">
+                <a16:creationId xmlns:a16="http://schemas.microsoft.com/office/drawing/2014/main" id="{16E20432-46D7-4CA6-B222-DF32707B3403}"/>
+              </a:ext>
+            </a:extLst>
+          </p:cNvPr>
+          <p:cNvCxnSpPr>
+            <a:cxnSpLocks/>
+            <a:stCxn id="66" idx="2"/>
+            <a:endCxn id="63" idx="0"/>
+          </p:cNvCxnSpPr>
+          <p:nvPr/>
+        </p:nvCxnSpPr>
+        <p:spPr>
+          <a:xfrm>
+            <a:off x="3320289" y="1379155"/>
+            <a:ext cx="0" cy="271117"/>
+          </a:xfrm>
+          <a:prstGeom prst="straightConnector1">
+            <a:avLst/>
+          </a:prstGeom>
+          <a:ln>
+            <a:tailEnd type="triangle"/>
+          </a:ln>
+        </p:spPr>
+        <p:style>
+          <a:lnRef idx="1">
+            <a:schemeClr val="accent4"/>
+          </a:lnRef>
+          <a:fillRef idx="0">
+            <a:schemeClr val="accent4"/>
+          </a:fillRef>
+          <a:effectRef idx="0">
+            <a:schemeClr val="accent4"/>
+          </a:effectRef>
+          <a:fontRef idx="minor">
+            <a:schemeClr val="tx1"/>
+          </a:fontRef>
+        </p:style>
+      </p:cxnSp>
+      <p:sp>
+        <p:nvSpPr>
+          <p:cNvPr id="68" name="순서도: 판단 67">
+            <a:extLst>
+              <a:ext uri="{FF2B5EF4-FFF2-40B4-BE49-F238E27FC236}">
+                <a16:creationId xmlns:a16="http://schemas.microsoft.com/office/drawing/2014/main" id="{CDCEA0D3-D03F-4A26-A587-D3CAD528F729}"/>
+              </a:ext>
+            </a:extLst>
+          </p:cNvPr>
+          <p:cNvSpPr/>
+          <p:nvPr/>
+        </p:nvSpPr>
+        <p:spPr>
+          <a:xfrm>
+            <a:off x="2229423" y="4083191"/>
+            <a:ext cx="2181727" cy="657726"/>
+          </a:xfrm>
+          <a:prstGeom prst="flowChartDecision">
+            <a:avLst/>
+          </a:prstGeom>
+          <a:solidFill>
+            <a:schemeClr val="accent4">
+              <a:alpha val="50000"/>
+            </a:schemeClr>
+          </a:solidFill>
+          <a:ln>
+            <a:noFill/>
+          </a:ln>
+        </p:spPr>
+        <p:style>
+          <a:lnRef idx="0">
+            <a:scrgbClr r="0" g="0" b="0"/>
+          </a:lnRef>
+          <a:fillRef idx="0">
+            <a:scrgbClr r="0" g="0" b="0"/>
+          </a:fillRef>
+          <a:effectRef idx="0">
+            <a:scrgbClr r="0" g="0" b="0"/>
+          </a:effectRef>
+          <a:fontRef idx="minor">
+            <a:schemeClr val="lt1"/>
+          </a:fontRef>
+        </p:style>
+        <p:txBody>
+          <a:bodyPr rot="0" spcFirstLastPara="0" vertOverflow="overflow" horzOverflow="overflow" vert="horz" wrap="square" lIns="91440" tIns="45720" rIns="91440" bIns="45720" numCol="1" spcCol="0" rtlCol="0" fromWordArt="0" anchor="ctr" anchorCtr="0" forceAA="0" compatLnSpc="1">
+            <a:prstTxWarp prst="textNoShape">
+              <a:avLst/>
+            </a:prstTxWarp>
+            <a:noAutofit/>
+          </a:bodyPr>
+          <a:lstStyle/>
+          <a:p>
+            <a:pPr algn="ctr"/>
+            <a:r>
+              <a:rPr lang="en-US" altLang="ko-KR" sz="1100" dirty="0">
+                <a:ln w="0"/>
+                <a:solidFill>
+                  <a:schemeClr val="tx1"/>
+                </a:solidFill>
+                <a:effectLst>
+                  <a:outerShdw blurRad="38100" dist="19050" dir="2700000" algn="tl" rotWithShape="0">
+                    <a:schemeClr val="dk1">
+                      <a:alpha val="40000"/>
+                    </a:schemeClr>
+                  </a:outerShdw>
+                </a:effectLst>
+              </a:rPr>
+              <a:t>Is Message Queue Empty?</a:t>
+            </a:r>
+            <a:endParaRPr lang="ko-KR" altLang="en-US" sz="1100" dirty="0">
+              <a:ln w="0"/>
+              <a:solidFill>
+                <a:schemeClr val="tx1"/>
+              </a:solidFill>
+              <a:effectLst>
+                <a:outerShdw blurRad="38100" dist="19050" dir="2700000" algn="tl" rotWithShape="0">
+                  <a:schemeClr val="dk1">
+                    <a:alpha val="40000"/>
+                  </a:schemeClr>
+                </a:outerShdw>
+              </a:effectLst>
+            </a:endParaRPr>
+          </a:p>
+        </p:txBody>
+      </p:sp>
+      <p:sp>
+        <p:nvSpPr>
+          <p:cNvPr id="69" name="직사각형 68">
+            <a:extLst>
+              <a:ext uri="{FF2B5EF4-FFF2-40B4-BE49-F238E27FC236}">
+                <a16:creationId xmlns:a16="http://schemas.microsoft.com/office/drawing/2014/main" id="{2AE896B1-A27F-4AC3-AED8-0CD636F6D5AD}"/>
+              </a:ext>
+            </a:extLst>
+          </p:cNvPr>
+          <p:cNvSpPr/>
+          <p:nvPr/>
+        </p:nvSpPr>
+        <p:spPr>
+          <a:xfrm>
+            <a:off x="2229422" y="3301782"/>
+            <a:ext cx="2181727" cy="417095"/>
+          </a:xfrm>
+          <a:prstGeom prst="rect">
+            <a:avLst/>
+          </a:prstGeom>
+          <a:solidFill>
+            <a:schemeClr val="accent4">
+              <a:alpha val="50000"/>
+            </a:schemeClr>
+          </a:solidFill>
+          <a:ln>
+            <a:noFill/>
+          </a:ln>
+        </p:spPr>
+        <p:style>
+          <a:lnRef idx="0">
+            <a:scrgbClr r="0" g="0" b="0"/>
+          </a:lnRef>
+          <a:fillRef idx="0">
+            <a:scrgbClr r="0" g="0" b="0"/>
+          </a:fillRef>
+          <a:effectRef idx="0">
+            <a:scrgbClr r="0" g="0" b="0"/>
+          </a:effectRef>
+          <a:fontRef idx="minor">
+            <a:schemeClr val="lt1"/>
+          </a:fontRef>
+        </p:style>
+        <p:txBody>
+          <a:bodyPr rot="0" spcFirstLastPara="0" vertOverflow="overflow" horzOverflow="overflow" vert="horz" wrap="square" lIns="91440" tIns="45720" rIns="91440" bIns="45720" numCol="1" spcCol="0" rtlCol="0" fromWordArt="0" anchor="ctr" anchorCtr="0" forceAA="0" compatLnSpc="1">
+            <a:prstTxWarp prst="textNoShape">
+              <a:avLst/>
+            </a:prstTxWarp>
+            <a:noAutofit/>
+          </a:bodyPr>
+          <a:lstStyle/>
           <a:p>
             <a:pPr algn="ctr"/>
             <a:r>
@@ -12912,70 +15090,27 @@
                   </a:outerShdw>
                 </a:effectLst>
               </a:rPr>
-              <a:t>AI Client</a:t>
+              <a:t>Process Message</a:t>
             </a:r>
           </a:p>
         </p:txBody>
       </p:sp>
-      <p:cxnSp>
-        <p:nvCxnSpPr>
-          <p:cNvPr id="54" name="직선 화살표 연결선 53">
-            <a:extLst>
-              <a:ext uri="{FF2B5EF4-FFF2-40B4-BE49-F238E27FC236}">
-                <a16:creationId xmlns:a16="http://schemas.microsoft.com/office/drawing/2014/main" id="{5B6E4F83-0527-41F4-B5A5-996ADB145ABA}"/>
-              </a:ext>
-            </a:extLst>
-          </p:cNvPr>
-          <p:cNvCxnSpPr>
-            <a:cxnSpLocks/>
-            <a:stCxn id="108" idx="2"/>
-            <a:endCxn id="53" idx="0"/>
-          </p:cNvCxnSpPr>
-          <p:nvPr/>
-        </p:nvCxnSpPr>
-        <p:spPr>
-          <a:xfrm>
-            <a:off x="6095993" y="2780798"/>
-            <a:ext cx="8" cy="497306"/>
-          </a:xfrm>
-          <a:prstGeom prst="straightConnector1">
-            <a:avLst/>
-          </a:prstGeom>
-          <a:ln>
-            <a:tailEnd type="triangle"/>
-          </a:ln>
-        </p:spPr>
-        <p:style>
-          <a:lnRef idx="1">
-            <a:schemeClr val="accent4"/>
-          </a:lnRef>
-          <a:fillRef idx="0">
-            <a:schemeClr val="accent4"/>
-          </a:fillRef>
-          <a:effectRef idx="0">
-            <a:schemeClr val="accent4"/>
-          </a:effectRef>
-          <a:fontRef idx="minor">
-            <a:schemeClr val="tx1"/>
-          </a:fontRef>
-        </p:style>
-      </p:cxnSp>
       <p:sp>
         <p:nvSpPr>
-          <p:cNvPr id="55" name="직사각형 54">
-            <a:extLst>
-              <a:ext uri="{FF2B5EF4-FFF2-40B4-BE49-F238E27FC236}">
-                <a16:creationId xmlns:a16="http://schemas.microsoft.com/office/drawing/2014/main" id="{CC776C88-FDD4-40C4-AA65-3BBFCDF60363}"/>
-              </a:ext>
-            </a:extLst>
-          </p:cNvPr>
-          <p:cNvSpPr/>
+          <p:cNvPr id="70" name="TextBox 69">
+            <a:extLst>
+              <a:ext uri="{FF2B5EF4-FFF2-40B4-BE49-F238E27FC236}">
+                <a16:creationId xmlns:a16="http://schemas.microsoft.com/office/drawing/2014/main" id="{A6D09F64-0BCB-43CA-96F6-5A412AC0763F}"/>
+              </a:ext>
+            </a:extLst>
+          </p:cNvPr>
+          <p:cNvSpPr txBox="1"/>
           <p:nvPr/>
         </p:nvSpPr>
         <p:spPr>
           <a:xfrm>
-            <a:off x="5005136" y="4192505"/>
-            <a:ext cx="2181727" cy="417095"/>
+            <a:off x="4483210" y="5704297"/>
+            <a:ext cx="341760" cy="215444"/>
           </a:xfrm>
           <a:prstGeom prst="rect">
             <a:avLst/>
@@ -13004,17 +15139,13 @@
           </a:fontRef>
         </p:style>
         <p:txBody>
-          <a:bodyPr rot="0" spcFirstLastPara="0" vertOverflow="overflow" horzOverflow="overflow" vert="horz" wrap="square" lIns="91440" tIns="45720" rIns="91440" bIns="45720" numCol="1" spcCol="0" rtlCol="0" fromWordArt="0" anchor="ctr" anchorCtr="0" forceAA="0" compatLnSpc="1">
-            <a:prstTxWarp prst="textNoShape">
-              <a:avLst/>
-            </a:prstTxWarp>
-            <a:noAutofit/>
+          <a:bodyPr wrap="none" rtlCol="0">
+            <a:spAutoFit/>
           </a:bodyPr>
           <a:lstStyle/>
           <a:p>
-            <a:pPr algn="ctr"/>
             <a:r>
-              <a:rPr lang="en-US" altLang="ko-KR" dirty="0">
+              <a:rPr lang="en-US" altLang="ko-KR" sz="800" dirty="0">
                 <a:ln w="0"/>
                 <a:solidFill>
                   <a:schemeClr val="tx1"/>
@@ -13027,31 +15158,40 @@
                   </a:outerShdw>
                 </a:effectLst>
               </a:rPr>
-              <a:t>Game Play</a:t>
+              <a:t>Yes</a:t>
             </a:r>
+            <a:endParaRPr lang="ko-KR" altLang="en-US" sz="800" dirty="0">
+              <a:ln w="0"/>
+              <a:solidFill>
+                <a:schemeClr val="tx1"/>
+              </a:solidFill>
+              <a:effectLst>
+                <a:outerShdw blurRad="38100" dist="19050" dir="2700000" algn="tl" rotWithShape="0">
+                  <a:schemeClr val="dk1">
+                    <a:alpha val="40000"/>
+                  </a:schemeClr>
+                </a:outerShdw>
+              </a:effectLst>
+            </a:endParaRPr>
           </a:p>
         </p:txBody>
       </p:sp>
       <p:cxnSp>
         <p:nvCxnSpPr>
-          <p:cNvPr id="56" name="직선 화살표 연결선 55">
-            <a:extLst>
-              <a:ext uri="{FF2B5EF4-FFF2-40B4-BE49-F238E27FC236}">
-                <a16:creationId xmlns:a16="http://schemas.microsoft.com/office/drawing/2014/main" id="{BBD7EC68-4C7B-4DE0-9B5B-9C1AC41C776B}"/>
-              </a:ext>
-            </a:extLst>
-          </p:cNvPr>
-          <p:cNvCxnSpPr>
-            <a:cxnSpLocks/>
-            <a:stCxn id="53" idx="2"/>
-            <a:endCxn id="55" idx="0"/>
-          </p:cNvCxnSpPr>
+          <p:cNvPr id="71" name="직선 화살표 연결선 70">
+            <a:extLst>
+              <a:ext uri="{FF2B5EF4-FFF2-40B4-BE49-F238E27FC236}">
+                <a16:creationId xmlns:a16="http://schemas.microsoft.com/office/drawing/2014/main" id="{FF7A4EA9-B52D-4DC4-B71C-F133A727D592}"/>
+              </a:ext>
+            </a:extLst>
+          </p:cNvPr>
+          <p:cNvCxnSpPr/>
           <p:nvPr/>
         </p:nvCxnSpPr>
         <p:spPr>
-          <a:xfrm flipH="1">
-            <a:off x="6096000" y="3794895"/>
-            <a:ext cx="1" cy="397610"/>
+          <a:xfrm>
+            <a:off x="3331511" y="4739430"/>
+            <a:ext cx="0" cy="376989"/>
           </a:xfrm>
           <a:prstGeom prst="straightConnector1">
             <a:avLst/>
@@ -13077,106 +15217,27 @@
       </p:cxnSp>
       <p:cxnSp>
         <p:nvCxnSpPr>
-          <p:cNvPr id="57" name="직선 연결선 56">
-            <a:extLst>
-              <a:ext uri="{FF2B5EF4-FFF2-40B4-BE49-F238E27FC236}">
-                <a16:creationId xmlns:a16="http://schemas.microsoft.com/office/drawing/2014/main" id="{EF438539-A8B8-44DC-B2EA-3813580D7838}"/>
+          <p:cNvPr id="72" name="직선 연결선 71">
+            <a:extLst>
+              <a:ext uri="{FF2B5EF4-FFF2-40B4-BE49-F238E27FC236}">
+                <a16:creationId xmlns:a16="http://schemas.microsoft.com/office/drawing/2014/main" id="{1F437699-81CE-41FA-8E4F-1E768194095E}"/>
               </a:ext>
             </a:extLst>
           </p:cNvPr>
           <p:cNvCxnSpPr>
             <a:cxnSpLocks/>
-            <a:stCxn id="108" idx="1"/>
+            <a:stCxn id="68" idx="1"/>
           </p:cNvCxnSpPr>
           <p:nvPr/>
         </p:nvCxnSpPr>
         <p:spPr>
           <a:xfrm flipH="1">
-            <a:off x="4551945" y="2451935"/>
-            <a:ext cx="453184" cy="0"/>
+            <a:off x="1729376" y="4412054"/>
+            <a:ext cx="500047" cy="0"/>
           </a:xfrm>
           <a:prstGeom prst="line">
             <a:avLst/>
           </a:prstGeom>
-        </p:spPr>
-        <p:style>
-          <a:lnRef idx="1">
-            <a:schemeClr val="accent4"/>
-          </a:lnRef>
-          <a:fillRef idx="0">
-            <a:schemeClr val="accent4"/>
-          </a:fillRef>
-          <a:effectRef idx="0">
-            <a:schemeClr val="accent4"/>
-          </a:effectRef>
-          <a:fontRef idx="minor">
-            <a:schemeClr val="tx1"/>
-          </a:fontRef>
-        </p:style>
-      </p:cxnSp>
-      <p:cxnSp>
-        <p:nvCxnSpPr>
-          <p:cNvPr id="58" name="직선 연결선 57">
-            <a:extLst>
-              <a:ext uri="{FF2B5EF4-FFF2-40B4-BE49-F238E27FC236}">
-                <a16:creationId xmlns:a16="http://schemas.microsoft.com/office/drawing/2014/main" id="{BC551036-CA98-4A7A-845F-1F3942A196FC}"/>
-              </a:ext>
-            </a:extLst>
-          </p:cNvPr>
-          <p:cNvCxnSpPr>
-            <a:cxnSpLocks/>
-          </p:cNvCxnSpPr>
-          <p:nvPr/>
-        </p:nvCxnSpPr>
-        <p:spPr>
-          <a:xfrm>
-            <a:off x="4551948" y="1417218"/>
-            <a:ext cx="0" cy="1034717"/>
-          </a:xfrm>
-          <a:prstGeom prst="line">
-            <a:avLst/>
-          </a:prstGeom>
-        </p:spPr>
-        <p:style>
-          <a:lnRef idx="1">
-            <a:schemeClr val="accent4"/>
-          </a:lnRef>
-          <a:fillRef idx="0">
-            <a:schemeClr val="accent4"/>
-          </a:fillRef>
-          <a:effectRef idx="0">
-            <a:schemeClr val="accent4"/>
-          </a:effectRef>
-          <a:fontRef idx="minor">
-            <a:schemeClr val="tx1"/>
-          </a:fontRef>
-        </p:style>
-      </p:cxnSp>
-      <p:cxnSp>
-        <p:nvCxnSpPr>
-          <p:cNvPr id="81" name="직선 화살표 연결선 80">
-            <a:extLst>
-              <a:ext uri="{FF2B5EF4-FFF2-40B4-BE49-F238E27FC236}">
-                <a16:creationId xmlns:a16="http://schemas.microsoft.com/office/drawing/2014/main" id="{E5491A98-B91F-462D-8630-26D062CE39C0}"/>
-              </a:ext>
-            </a:extLst>
-          </p:cNvPr>
-          <p:cNvCxnSpPr>
-            <a:cxnSpLocks/>
-          </p:cNvCxnSpPr>
-          <p:nvPr/>
-        </p:nvCxnSpPr>
-        <p:spPr>
-          <a:xfrm>
-            <a:off x="4551945" y="1417218"/>
-            <a:ext cx="453189" cy="1"/>
-          </a:xfrm>
-          <a:prstGeom prst="straightConnector1">
-            <a:avLst/>
-          </a:prstGeom>
-          <a:ln>
-            <a:tailEnd type="triangle"/>
-          </a:ln>
         </p:spPr>
         <p:style>
           <a:lnRef idx="1">
@@ -13195,10 +15256,10 @@
       </p:cxnSp>
       <p:sp>
         <p:nvSpPr>
-          <p:cNvPr id="82" name="TextBox 81">
-            <a:extLst>
-              <a:ext uri="{FF2B5EF4-FFF2-40B4-BE49-F238E27FC236}">
-                <a16:creationId xmlns:a16="http://schemas.microsoft.com/office/drawing/2014/main" id="{CDCECD2E-79CD-46FB-BCC5-2AA0439811EA}"/>
+          <p:cNvPr id="73" name="TextBox 72">
+            <a:extLst>
+              <a:ext uri="{FF2B5EF4-FFF2-40B4-BE49-F238E27FC236}">
+                <a16:creationId xmlns:a16="http://schemas.microsoft.com/office/drawing/2014/main" id="{D6842E30-691B-44DE-BDFF-B10ACD742FAD}"/>
               </a:ext>
             </a:extLst>
           </p:cNvPr>
@@ -13207,7 +15268,7 @@
         </p:nvSpPr>
         <p:spPr>
           <a:xfrm>
-            <a:off x="4604081" y="2188365"/>
+            <a:off x="1785792" y="4135378"/>
             <a:ext cx="343364" cy="215444"/>
           </a:xfrm>
           <a:prstGeom prst="rect">
@@ -13274,22 +15335,186 @@
           </a:p>
         </p:txBody>
       </p:sp>
+      <p:cxnSp>
+        <p:nvCxnSpPr>
+          <p:cNvPr id="74" name="직선 연결선 73">
+            <a:extLst>
+              <a:ext uri="{FF2B5EF4-FFF2-40B4-BE49-F238E27FC236}">
+                <a16:creationId xmlns:a16="http://schemas.microsoft.com/office/drawing/2014/main" id="{7DC89229-5A94-4D51-BEB1-88AAA749F747}"/>
+              </a:ext>
+            </a:extLst>
+          </p:cNvPr>
+          <p:cNvCxnSpPr>
+            <a:cxnSpLocks/>
+          </p:cNvCxnSpPr>
+          <p:nvPr/>
+        </p:nvCxnSpPr>
+        <p:spPr>
+          <a:xfrm flipV="1">
+            <a:off x="1729376" y="3510329"/>
+            <a:ext cx="0" cy="901726"/>
+          </a:xfrm>
+          <a:prstGeom prst="line">
+            <a:avLst/>
+          </a:prstGeom>
+        </p:spPr>
+        <p:style>
+          <a:lnRef idx="1">
+            <a:schemeClr val="accent4"/>
+          </a:lnRef>
+          <a:fillRef idx="0">
+            <a:schemeClr val="accent4"/>
+          </a:fillRef>
+          <a:effectRef idx="0">
+            <a:schemeClr val="accent4"/>
+          </a:effectRef>
+          <a:fontRef idx="minor">
+            <a:schemeClr val="tx1"/>
+          </a:fontRef>
+        </p:style>
+      </p:cxnSp>
+      <p:cxnSp>
+        <p:nvCxnSpPr>
+          <p:cNvPr id="75" name="직선 화살표 연결선 74">
+            <a:extLst>
+              <a:ext uri="{FF2B5EF4-FFF2-40B4-BE49-F238E27FC236}">
+                <a16:creationId xmlns:a16="http://schemas.microsoft.com/office/drawing/2014/main" id="{2F72C98E-53BA-49B1-83BC-63CF8694851B}"/>
+              </a:ext>
+            </a:extLst>
+          </p:cNvPr>
+          <p:cNvCxnSpPr>
+            <a:cxnSpLocks/>
+            <a:endCxn id="69" idx="1"/>
+          </p:cNvCxnSpPr>
+          <p:nvPr/>
+        </p:nvCxnSpPr>
+        <p:spPr>
+          <a:xfrm>
+            <a:off x="1729376" y="3510329"/>
+            <a:ext cx="500046" cy="1"/>
+          </a:xfrm>
+          <a:prstGeom prst="straightConnector1">
+            <a:avLst/>
+          </a:prstGeom>
+          <a:ln>
+            <a:tailEnd type="triangle"/>
+          </a:ln>
+        </p:spPr>
+        <p:style>
+          <a:lnRef idx="1">
+            <a:schemeClr val="accent4"/>
+          </a:lnRef>
+          <a:fillRef idx="0">
+            <a:schemeClr val="accent4"/>
+          </a:fillRef>
+          <a:effectRef idx="0">
+            <a:schemeClr val="accent4"/>
+          </a:effectRef>
+          <a:fontRef idx="minor">
+            <a:schemeClr val="tx1"/>
+          </a:fontRef>
+        </p:style>
+      </p:cxnSp>
+      <p:cxnSp>
+        <p:nvCxnSpPr>
+          <p:cNvPr id="76" name="직선 화살표 연결선 75">
+            <a:extLst>
+              <a:ext uri="{FF2B5EF4-FFF2-40B4-BE49-F238E27FC236}">
+                <a16:creationId xmlns:a16="http://schemas.microsoft.com/office/drawing/2014/main" id="{AB885BFA-C52F-4439-BF5E-D9817FD42C4E}"/>
+              </a:ext>
+            </a:extLst>
+          </p:cNvPr>
+          <p:cNvCxnSpPr>
+            <a:cxnSpLocks/>
+            <a:endCxn id="69" idx="0"/>
+          </p:cNvCxnSpPr>
+          <p:nvPr/>
+        </p:nvCxnSpPr>
+        <p:spPr>
+          <a:xfrm flipH="1">
+            <a:off x="3320286" y="3008685"/>
+            <a:ext cx="2" cy="293097"/>
+          </a:xfrm>
+          <a:prstGeom prst="straightConnector1">
+            <a:avLst/>
+          </a:prstGeom>
+          <a:ln>
+            <a:tailEnd type="triangle"/>
+          </a:ln>
+        </p:spPr>
+        <p:style>
+          <a:lnRef idx="1">
+            <a:schemeClr val="accent4"/>
+          </a:lnRef>
+          <a:fillRef idx="0">
+            <a:schemeClr val="accent4"/>
+          </a:fillRef>
+          <a:effectRef idx="0">
+            <a:schemeClr val="accent4"/>
+          </a:effectRef>
+          <a:fontRef idx="minor">
+            <a:schemeClr val="tx1"/>
+          </a:fontRef>
+        </p:style>
+      </p:cxnSp>
+      <p:cxnSp>
+        <p:nvCxnSpPr>
+          <p:cNvPr id="77" name="직선 화살표 연결선 76">
+            <a:extLst>
+              <a:ext uri="{FF2B5EF4-FFF2-40B4-BE49-F238E27FC236}">
+                <a16:creationId xmlns:a16="http://schemas.microsoft.com/office/drawing/2014/main" id="{8BD84CD8-E91A-4069-84B2-5F583567EC8E}"/>
+              </a:ext>
+            </a:extLst>
+          </p:cNvPr>
+          <p:cNvCxnSpPr>
+            <a:stCxn id="69" idx="2"/>
+            <a:endCxn id="68" idx="0"/>
+          </p:cNvCxnSpPr>
+          <p:nvPr/>
+        </p:nvCxnSpPr>
+        <p:spPr>
+          <a:xfrm>
+            <a:off x="3320286" y="3718877"/>
+            <a:ext cx="1" cy="364314"/>
+          </a:xfrm>
+          <a:prstGeom prst="straightConnector1">
+            <a:avLst/>
+          </a:prstGeom>
+          <a:ln>
+            <a:tailEnd type="triangle"/>
+          </a:ln>
+        </p:spPr>
+        <p:style>
+          <a:lnRef idx="1">
+            <a:schemeClr val="accent4"/>
+          </a:lnRef>
+          <a:fillRef idx="0">
+            <a:schemeClr val="accent4"/>
+          </a:fillRef>
+          <a:effectRef idx="0">
+            <a:schemeClr val="accent4"/>
+          </a:effectRef>
+          <a:fontRef idx="minor">
+            <a:schemeClr val="tx1"/>
+          </a:fontRef>
+        </p:style>
+      </p:cxnSp>
       <p:sp>
         <p:nvSpPr>
-          <p:cNvPr id="83" name="TextBox 82">
-            <a:extLst>
-              <a:ext uri="{FF2B5EF4-FFF2-40B4-BE49-F238E27FC236}">
-                <a16:creationId xmlns:a16="http://schemas.microsoft.com/office/drawing/2014/main" id="{73118A00-F429-464C-835E-0F5F7CBDD72C}"/>
-              </a:ext>
-            </a:extLst>
-          </p:cNvPr>
-          <p:cNvSpPr txBox="1"/>
+          <p:cNvPr id="78" name="직사각형 77">
+            <a:extLst>
+              <a:ext uri="{FF2B5EF4-FFF2-40B4-BE49-F238E27FC236}">
+                <a16:creationId xmlns:a16="http://schemas.microsoft.com/office/drawing/2014/main" id="{131A4EB4-A00A-4DB0-ADAF-6E11FF483E98}"/>
+              </a:ext>
+            </a:extLst>
+          </p:cNvPr>
+          <p:cNvSpPr/>
           <p:nvPr/>
         </p:nvSpPr>
         <p:spPr>
           <a:xfrm>
-            <a:off x="6128788" y="2880497"/>
-            <a:ext cx="341760" cy="215444"/>
+            <a:off x="2229422" y="5105231"/>
+            <a:ext cx="2181727" cy="417095"/>
           </a:xfrm>
           <a:prstGeom prst="rect">
             <a:avLst/>
@@ -13318,7 +15543,393 @@
           </a:fontRef>
         </p:style>
         <p:txBody>
-          <a:bodyPr wrap="none" rtlCol="0">
+          <a:bodyPr rot="0" spcFirstLastPara="0" vertOverflow="overflow" horzOverflow="overflow" vert="horz" wrap="square" lIns="91440" tIns="45720" rIns="91440" bIns="45720" numCol="1" spcCol="0" rtlCol="0" fromWordArt="0" anchor="ctr" anchorCtr="0" forceAA="0" compatLnSpc="1">
+            <a:prstTxWarp prst="textNoShape">
+              <a:avLst/>
+            </a:prstTxWarp>
+            <a:noAutofit/>
+          </a:bodyPr>
+          <a:lstStyle/>
+          <a:p>
+            <a:pPr algn="ctr"/>
+            <a:r>
+              <a:rPr lang="en-US" altLang="ko-KR" dirty="0">
+                <a:ln w="0"/>
+                <a:solidFill>
+                  <a:schemeClr val="tx1"/>
+                </a:solidFill>
+                <a:effectLst>
+                  <a:outerShdw blurRad="38100" dist="19050" dir="2700000" algn="tl" rotWithShape="0">
+                    <a:schemeClr val="dk1">
+                      <a:alpha val="40000"/>
+                    </a:schemeClr>
+                  </a:outerShdw>
+                </a:effectLst>
+              </a:rPr>
+              <a:t>Animate World</a:t>
+            </a:r>
+          </a:p>
+        </p:txBody>
+      </p:sp>
+      <p:cxnSp>
+        <p:nvCxnSpPr>
+          <p:cNvPr id="79" name="직선 연결선 78">
+            <a:extLst>
+              <a:ext uri="{FF2B5EF4-FFF2-40B4-BE49-F238E27FC236}">
+                <a16:creationId xmlns:a16="http://schemas.microsoft.com/office/drawing/2014/main" id="{F14ACE33-094E-445A-B9FE-A5DEA54B99D3}"/>
+              </a:ext>
+            </a:extLst>
+          </p:cNvPr>
+          <p:cNvCxnSpPr>
+            <a:cxnSpLocks/>
+            <a:stCxn id="113" idx="1"/>
+          </p:cNvCxnSpPr>
+          <p:nvPr/>
+        </p:nvCxnSpPr>
+        <p:spPr>
+          <a:xfrm flipH="1">
+            <a:off x="1400175" y="5996605"/>
+            <a:ext cx="829247" cy="0"/>
+          </a:xfrm>
+          <a:prstGeom prst="line">
+            <a:avLst/>
+          </a:prstGeom>
+        </p:spPr>
+        <p:style>
+          <a:lnRef idx="1">
+            <a:schemeClr val="accent4"/>
+          </a:lnRef>
+          <a:fillRef idx="0">
+            <a:schemeClr val="accent4"/>
+          </a:fillRef>
+          <a:effectRef idx="0">
+            <a:schemeClr val="accent4"/>
+          </a:effectRef>
+          <a:fontRef idx="minor">
+            <a:schemeClr val="tx1"/>
+          </a:fontRef>
+        </p:style>
+      </p:cxnSp>
+      <p:cxnSp>
+        <p:nvCxnSpPr>
+          <p:cNvPr id="80" name="직선 연결선 79">
+            <a:extLst>
+              <a:ext uri="{FF2B5EF4-FFF2-40B4-BE49-F238E27FC236}">
+                <a16:creationId xmlns:a16="http://schemas.microsoft.com/office/drawing/2014/main" id="{E2E3DBE1-C86B-440C-8EE7-5EE9F6E3BFE5}"/>
+              </a:ext>
+            </a:extLst>
+          </p:cNvPr>
+          <p:cNvCxnSpPr>
+            <a:cxnSpLocks/>
+          </p:cNvCxnSpPr>
+          <p:nvPr/>
+        </p:nvCxnSpPr>
+        <p:spPr>
+          <a:xfrm flipV="1">
+            <a:off x="1406529" y="1170610"/>
+            <a:ext cx="0" cy="4820945"/>
+          </a:xfrm>
+          <a:prstGeom prst="line">
+            <a:avLst/>
+          </a:prstGeom>
+        </p:spPr>
+        <p:style>
+          <a:lnRef idx="1">
+            <a:schemeClr val="accent4"/>
+          </a:lnRef>
+          <a:fillRef idx="0">
+            <a:schemeClr val="accent4"/>
+          </a:fillRef>
+          <a:effectRef idx="0">
+            <a:schemeClr val="accent4"/>
+          </a:effectRef>
+          <a:fontRef idx="minor">
+            <a:schemeClr val="tx1"/>
+          </a:fontRef>
+        </p:style>
+      </p:cxnSp>
+      <p:sp>
+        <p:nvSpPr>
+          <p:cNvPr id="85" name="직사각형 84">
+            <a:extLst>
+              <a:ext uri="{FF2B5EF4-FFF2-40B4-BE49-F238E27FC236}">
+                <a16:creationId xmlns:a16="http://schemas.microsoft.com/office/drawing/2014/main" id="{FEFE69D3-3807-415B-AF0B-955A01185AFA}"/>
+              </a:ext>
+            </a:extLst>
+          </p:cNvPr>
+          <p:cNvSpPr/>
+          <p:nvPr/>
+        </p:nvSpPr>
+        <p:spPr>
+          <a:xfrm>
+            <a:off x="7815764" y="273471"/>
+            <a:ext cx="3019425" cy="417095"/>
+          </a:xfrm>
+          <a:prstGeom prst="rect">
+            <a:avLst/>
+          </a:prstGeom>
+          <a:solidFill>
+            <a:schemeClr val="accent4">
+              <a:alpha val="50000"/>
+            </a:schemeClr>
+          </a:solidFill>
+          <a:ln>
+            <a:noFill/>
+          </a:ln>
+        </p:spPr>
+        <p:style>
+          <a:lnRef idx="0">
+            <a:scrgbClr r="0" g="0" b="0"/>
+          </a:lnRef>
+          <a:fillRef idx="0">
+            <a:scrgbClr r="0" g="0" b="0"/>
+          </a:fillRef>
+          <a:effectRef idx="0">
+            <a:scrgbClr r="0" g="0" b="0"/>
+          </a:effectRef>
+          <a:fontRef idx="minor">
+            <a:schemeClr val="lt1"/>
+          </a:fontRef>
+        </p:style>
+        <p:txBody>
+          <a:bodyPr rot="0" spcFirstLastPara="0" vertOverflow="overflow" horzOverflow="overflow" vert="horz" wrap="square" lIns="91440" tIns="45720" rIns="91440" bIns="45720" numCol="1" spcCol="0" rtlCol="0" fromWordArt="0" anchor="ctr" anchorCtr="0" forceAA="0" compatLnSpc="1">
+            <a:prstTxWarp prst="textNoShape">
+              <a:avLst/>
+            </a:prstTxWarp>
+            <a:noAutofit/>
+          </a:bodyPr>
+          <a:lstStyle/>
+          <a:p>
+            <a:pPr algn="ctr"/>
+            <a:r>
+              <a:rPr lang="en-US" altLang="ko-KR" dirty="0">
+                <a:ln w="0"/>
+                <a:solidFill>
+                  <a:schemeClr val="tx1"/>
+                </a:solidFill>
+                <a:effectLst>
+                  <a:outerShdw blurRad="38100" dist="19050" dir="2700000" algn="tl" rotWithShape="0">
+                    <a:schemeClr val="dk1">
+                      <a:alpha val="40000"/>
+                    </a:schemeClr>
+                  </a:outerShdw>
+                </a:effectLst>
+              </a:rPr>
+              <a:t>Message Receiver</a:t>
+            </a:r>
+          </a:p>
+        </p:txBody>
+      </p:sp>
+      <p:cxnSp>
+        <p:nvCxnSpPr>
+          <p:cNvPr id="87" name="직선 화살표 연결선 86">
+            <a:extLst>
+              <a:ext uri="{FF2B5EF4-FFF2-40B4-BE49-F238E27FC236}">
+                <a16:creationId xmlns:a16="http://schemas.microsoft.com/office/drawing/2014/main" id="{D75D3323-DDF6-4262-8B5B-090DA5B5A79E}"/>
+              </a:ext>
+            </a:extLst>
+          </p:cNvPr>
+          <p:cNvCxnSpPr>
+            <a:stCxn id="59" idx="3"/>
+            <a:endCxn id="85" idx="1"/>
+          </p:cNvCxnSpPr>
+          <p:nvPr/>
+        </p:nvCxnSpPr>
+        <p:spPr>
+          <a:xfrm flipV="1">
+            <a:off x="4411153" y="482019"/>
+            <a:ext cx="3404611" cy="1"/>
+          </a:xfrm>
+          <a:prstGeom prst="straightConnector1">
+            <a:avLst/>
+          </a:prstGeom>
+          <a:ln>
+            <a:tailEnd type="triangle"/>
+          </a:ln>
+        </p:spPr>
+        <p:style>
+          <a:lnRef idx="1">
+            <a:schemeClr val="accent4"/>
+          </a:lnRef>
+          <a:fillRef idx="0">
+            <a:schemeClr val="accent4"/>
+          </a:fillRef>
+          <a:effectRef idx="0">
+            <a:schemeClr val="accent4"/>
+          </a:effectRef>
+          <a:fontRef idx="minor">
+            <a:schemeClr val="tx1"/>
+          </a:fontRef>
+        </p:style>
+      </p:cxnSp>
+      <p:sp>
+        <p:nvSpPr>
+          <p:cNvPr id="89" name="순서도: 다중 문서 88">
+            <a:extLst>
+              <a:ext uri="{FF2B5EF4-FFF2-40B4-BE49-F238E27FC236}">
+                <a16:creationId xmlns:a16="http://schemas.microsoft.com/office/drawing/2014/main" id="{F5652B10-0B76-44AD-83CC-C278E3AB70FB}"/>
+              </a:ext>
+            </a:extLst>
+          </p:cNvPr>
+          <p:cNvSpPr/>
+          <p:nvPr/>
+        </p:nvSpPr>
+        <p:spPr>
+          <a:xfrm>
+            <a:off x="5366925" y="2872154"/>
+            <a:ext cx="1270265" cy="1276350"/>
+          </a:xfrm>
+          <a:prstGeom prst="flowChartMultidocument">
+            <a:avLst/>
+          </a:prstGeom>
+          <a:ln/>
+        </p:spPr>
+        <p:style>
+          <a:lnRef idx="2">
+            <a:schemeClr val="accent3">
+              <a:shade val="50000"/>
+            </a:schemeClr>
+          </a:lnRef>
+          <a:fillRef idx="1">
+            <a:schemeClr val="accent3"/>
+          </a:fillRef>
+          <a:effectRef idx="0">
+            <a:schemeClr val="accent3"/>
+          </a:effectRef>
+          <a:fontRef idx="minor">
+            <a:schemeClr val="lt1"/>
+          </a:fontRef>
+        </p:style>
+        <p:txBody>
+          <a:bodyPr rtlCol="0" anchor="ctr"/>
+          <a:lstStyle/>
+          <a:p>
+            <a:pPr algn="ctr"/>
+            <a:r>
+              <a:rPr lang="en-US" altLang="ko-KR" dirty="0">
+                <a:ln w="0"/>
+                <a:solidFill>
+                  <a:schemeClr val="tx1"/>
+                </a:solidFill>
+                <a:effectLst>
+                  <a:outerShdw blurRad="38100" dist="19050" dir="2700000" algn="tl" rotWithShape="0">
+                    <a:schemeClr val="dk1">
+                      <a:alpha val="40000"/>
+                    </a:schemeClr>
+                  </a:outerShdw>
+                </a:effectLst>
+              </a:rPr>
+              <a:t>Message queue</a:t>
+            </a:r>
+            <a:endParaRPr lang="ko-KR" altLang="en-US" dirty="0">
+              <a:ln w="0"/>
+              <a:solidFill>
+                <a:schemeClr val="tx1"/>
+              </a:solidFill>
+              <a:effectLst>
+                <a:outerShdw blurRad="38100" dist="19050" dir="2700000" algn="tl" rotWithShape="0">
+                  <a:schemeClr val="dk1">
+                    <a:alpha val="40000"/>
+                  </a:schemeClr>
+                </a:outerShdw>
+              </a:effectLst>
+            </a:endParaRPr>
+          </a:p>
+        </p:txBody>
+      </p:sp>
+      <p:cxnSp>
+        <p:nvCxnSpPr>
+          <p:cNvPr id="91" name="직선 연결선 90">
+            <a:extLst>
+              <a:ext uri="{FF2B5EF4-FFF2-40B4-BE49-F238E27FC236}">
+                <a16:creationId xmlns:a16="http://schemas.microsoft.com/office/drawing/2014/main" id="{5203A063-C5D6-4A58-A384-49003B1D0DEA}"/>
+              </a:ext>
+            </a:extLst>
+          </p:cNvPr>
+          <p:cNvCxnSpPr>
+            <a:stCxn id="69" idx="3"/>
+            <a:endCxn id="89" idx="1"/>
+          </p:cNvCxnSpPr>
+          <p:nvPr/>
+        </p:nvCxnSpPr>
+        <p:spPr>
+          <a:xfrm flipV="1">
+            <a:off x="4411149" y="3510329"/>
+            <a:ext cx="955776" cy="1"/>
+          </a:xfrm>
+          <a:prstGeom prst="line">
+            <a:avLst/>
+          </a:prstGeom>
+          <a:ln w="9525" cap="flat" cmpd="sng" algn="ctr">
+            <a:solidFill>
+              <a:schemeClr val="accent4"/>
+            </a:solidFill>
+            <a:prstDash val="dash"/>
+            <a:round/>
+            <a:headEnd type="none" w="med" len="med"/>
+            <a:tailEnd type="none" w="med" len="med"/>
+          </a:ln>
+        </p:spPr>
+        <p:style>
+          <a:lnRef idx="0">
+            <a:scrgbClr r="0" g="0" b="0"/>
+          </a:lnRef>
+          <a:fillRef idx="0">
+            <a:scrgbClr r="0" g="0" b="0"/>
+          </a:fillRef>
+          <a:effectRef idx="0">
+            <a:scrgbClr r="0" g="0" b="0"/>
+          </a:effectRef>
+          <a:fontRef idx="minor">
+            <a:schemeClr val="tx1"/>
+          </a:fontRef>
+        </p:style>
+      </p:cxnSp>
+      <p:sp>
+        <p:nvSpPr>
+          <p:cNvPr id="92" name="TextBox 91">
+            <a:extLst>
+              <a:ext uri="{FF2B5EF4-FFF2-40B4-BE49-F238E27FC236}">
+                <a16:creationId xmlns:a16="http://schemas.microsoft.com/office/drawing/2014/main" id="{61D09111-D3D2-4BE3-9919-6EBE970C5A69}"/>
+              </a:ext>
+            </a:extLst>
+          </p:cNvPr>
+          <p:cNvSpPr txBox="1"/>
+          <p:nvPr/>
+        </p:nvSpPr>
+        <p:spPr>
+          <a:xfrm>
+            <a:off x="5715000" y="230156"/>
+            <a:ext cx="850664" cy="215444"/>
+          </a:xfrm>
+          <a:prstGeom prst="rect">
+            <a:avLst/>
+          </a:prstGeom>
+          <a:solidFill>
+            <a:schemeClr val="accent4">
+              <a:alpha val="50000"/>
+            </a:schemeClr>
+          </a:solidFill>
+          <a:ln>
+            <a:noFill/>
+          </a:ln>
+        </p:spPr>
+        <p:style>
+          <a:lnRef idx="0">
+            <a:scrgbClr r="0" g="0" b="0"/>
+          </a:lnRef>
+          <a:fillRef idx="0">
+            <a:scrgbClr r="0" g="0" b="0"/>
+          </a:fillRef>
+          <a:effectRef idx="0">
+            <a:scrgbClr r="0" g="0" b="0"/>
+          </a:effectRef>
+          <a:fontRef idx="minor">
+            <a:schemeClr val="lt1"/>
+          </a:fontRef>
+        </p:style>
+        <p:txBody>
+          <a:bodyPr wrap="square" rtlCol="0">
             <a:spAutoFit/>
           </a:bodyPr>
           <a:lstStyle/>
@@ -13337,7 +15948,7 @@
                   </a:outerShdw>
                 </a:effectLst>
               </a:rPr>
-              <a:t>Yes</a:t>
+              <a:t>Create Thread</a:t>
             </a:r>
             <a:endParaRPr lang="ko-KR" altLang="en-US" sz="800" dirty="0">
               <a:ln w="0"/>
@@ -13357,10 +15968,10 @@
       </p:sp>
       <p:sp>
         <p:nvSpPr>
-          <p:cNvPr id="84" name="순서도: 판단 83">
-            <a:extLst>
-              <a:ext uri="{FF2B5EF4-FFF2-40B4-BE49-F238E27FC236}">
-                <a16:creationId xmlns:a16="http://schemas.microsoft.com/office/drawing/2014/main" id="{D1B53B56-A94F-4C3A-8C1E-F54F69CD6133}"/>
+          <p:cNvPr id="93" name="직사각형 92">
+            <a:extLst>
+              <a:ext uri="{FF2B5EF4-FFF2-40B4-BE49-F238E27FC236}">
+                <a16:creationId xmlns:a16="http://schemas.microsoft.com/office/drawing/2014/main" id="{8E896B0C-D13C-49F7-839C-82DC7160FAC5}"/>
               </a:ext>
             </a:extLst>
           </p:cNvPr>
@@ -13369,8 +15980,402 @@
         </p:nvSpPr>
         <p:spPr>
           <a:xfrm>
-            <a:off x="5005131" y="5114927"/>
-            <a:ext cx="2181727" cy="489283"/>
+            <a:off x="8234611" y="1650272"/>
+            <a:ext cx="2181727" cy="417095"/>
+          </a:xfrm>
+          <a:prstGeom prst="rect">
+            <a:avLst/>
+          </a:prstGeom>
+          <a:solidFill>
+            <a:schemeClr val="accent4">
+              <a:alpha val="50000"/>
+            </a:schemeClr>
+          </a:solidFill>
+          <a:ln>
+            <a:noFill/>
+          </a:ln>
+        </p:spPr>
+        <p:style>
+          <a:lnRef idx="0">
+            <a:scrgbClr r="0" g="0" b="0"/>
+          </a:lnRef>
+          <a:fillRef idx="0">
+            <a:scrgbClr r="0" g="0" b="0"/>
+          </a:fillRef>
+          <a:effectRef idx="0">
+            <a:scrgbClr r="0" g="0" b="0"/>
+          </a:effectRef>
+          <a:fontRef idx="minor">
+            <a:schemeClr val="lt1"/>
+          </a:fontRef>
+        </p:style>
+        <p:txBody>
+          <a:bodyPr rot="0" spcFirstLastPara="0" vertOverflow="overflow" horzOverflow="overflow" vert="horz" wrap="square" lIns="91440" tIns="45720" rIns="91440" bIns="45720" numCol="1" spcCol="0" rtlCol="0" fromWordArt="0" anchor="ctr" anchorCtr="0" forceAA="0" compatLnSpc="1">
+            <a:prstTxWarp prst="textNoShape">
+              <a:avLst/>
+            </a:prstTxWarp>
+            <a:noAutofit/>
+          </a:bodyPr>
+          <a:lstStyle/>
+          <a:p>
+            <a:pPr algn="ctr"/>
+            <a:r>
+              <a:rPr lang="en-US" altLang="ko-KR" dirty="0">
+                <a:ln w="0"/>
+                <a:solidFill>
+                  <a:schemeClr val="tx1"/>
+                </a:solidFill>
+                <a:effectLst>
+                  <a:outerShdw blurRad="38100" dist="19050" dir="2700000" algn="tl" rotWithShape="0">
+                    <a:schemeClr val="dk1">
+                      <a:alpha val="40000"/>
+                    </a:schemeClr>
+                  </a:outerShdw>
+                </a:effectLst>
+              </a:rPr>
+              <a:t>Receive Message</a:t>
+            </a:r>
+          </a:p>
+        </p:txBody>
+      </p:sp>
+      <p:sp>
+        <p:nvSpPr>
+          <p:cNvPr id="94" name="직사각형 93">
+            <a:extLst>
+              <a:ext uri="{FF2B5EF4-FFF2-40B4-BE49-F238E27FC236}">
+                <a16:creationId xmlns:a16="http://schemas.microsoft.com/office/drawing/2014/main" id="{FE5CC87C-CFC4-4C21-8964-D32FF707C672}"/>
+              </a:ext>
+            </a:extLst>
+          </p:cNvPr>
+          <p:cNvSpPr/>
+          <p:nvPr/>
+        </p:nvSpPr>
+        <p:spPr>
+          <a:xfrm>
+            <a:off x="8234611" y="2946685"/>
+            <a:ext cx="2181727" cy="417095"/>
+          </a:xfrm>
+          <a:prstGeom prst="rect">
+            <a:avLst/>
+          </a:prstGeom>
+          <a:solidFill>
+            <a:schemeClr val="accent4">
+              <a:alpha val="50000"/>
+            </a:schemeClr>
+          </a:solidFill>
+          <a:ln>
+            <a:noFill/>
+          </a:ln>
+        </p:spPr>
+        <p:style>
+          <a:lnRef idx="0">
+            <a:scrgbClr r="0" g="0" b="0"/>
+          </a:lnRef>
+          <a:fillRef idx="0">
+            <a:scrgbClr r="0" g="0" b="0"/>
+          </a:fillRef>
+          <a:effectRef idx="0">
+            <a:scrgbClr r="0" g="0" b="0"/>
+          </a:effectRef>
+          <a:fontRef idx="minor">
+            <a:schemeClr val="lt1"/>
+          </a:fontRef>
+        </p:style>
+        <p:txBody>
+          <a:bodyPr rot="0" spcFirstLastPara="0" vertOverflow="overflow" horzOverflow="overflow" vert="horz" wrap="square" lIns="91440" tIns="45720" rIns="91440" bIns="45720" numCol="1" spcCol="0" rtlCol="0" fromWordArt="0" anchor="ctr" anchorCtr="0" forceAA="0" compatLnSpc="1">
+            <a:prstTxWarp prst="textNoShape">
+              <a:avLst/>
+            </a:prstTxWarp>
+            <a:noAutofit/>
+          </a:bodyPr>
+          <a:lstStyle/>
+          <a:p>
+            <a:pPr algn="ctr"/>
+            <a:r>
+              <a:rPr lang="en-US" altLang="ko-KR" dirty="0">
+                <a:ln w="0"/>
+                <a:solidFill>
+                  <a:schemeClr val="tx1"/>
+                </a:solidFill>
+                <a:effectLst>
+                  <a:outerShdw blurRad="38100" dist="19050" dir="2700000" algn="tl" rotWithShape="0">
+                    <a:schemeClr val="dk1">
+                      <a:alpha val="40000"/>
+                    </a:schemeClr>
+                  </a:outerShdw>
+                </a:effectLst>
+              </a:rPr>
+              <a:t>Enqueue Message</a:t>
+            </a:r>
+          </a:p>
+        </p:txBody>
+      </p:sp>
+      <p:cxnSp>
+        <p:nvCxnSpPr>
+          <p:cNvPr id="97" name="직선 화살표 연결선 96">
+            <a:extLst>
+              <a:ext uri="{FF2B5EF4-FFF2-40B4-BE49-F238E27FC236}">
+                <a16:creationId xmlns:a16="http://schemas.microsoft.com/office/drawing/2014/main" id="{0D07DB12-F99A-4BC8-9631-21F23520F374}"/>
+              </a:ext>
+            </a:extLst>
+          </p:cNvPr>
+          <p:cNvCxnSpPr>
+            <a:cxnSpLocks/>
+            <a:stCxn id="85" idx="2"/>
+            <a:endCxn id="93" idx="0"/>
+          </p:cNvCxnSpPr>
+          <p:nvPr/>
+        </p:nvCxnSpPr>
+        <p:spPr>
+          <a:xfrm flipH="1">
+            <a:off x="9325475" y="690566"/>
+            <a:ext cx="2" cy="959706"/>
+          </a:xfrm>
+          <a:prstGeom prst="straightConnector1">
+            <a:avLst/>
+          </a:prstGeom>
+          <a:ln>
+            <a:tailEnd type="triangle"/>
+          </a:ln>
+        </p:spPr>
+        <p:style>
+          <a:lnRef idx="1">
+            <a:schemeClr val="accent4"/>
+          </a:lnRef>
+          <a:fillRef idx="0">
+            <a:schemeClr val="accent4"/>
+          </a:fillRef>
+          <a:effectRef idx="0">
+            <a:schemeClr val="accent4"/>
+          </a:effectRef>
+          <a:fontRef idx="minor">
+            <a:schemeClr val="tx1"/>
+          </a:fontRef>
+        </p:style>
+      </p:cxnSp>
+      <p:cxnSp>
+        <p:nvCxnSpPr>
+          <p:cNvPr id="100" name="직선 화살표 연결선 99">
+            <a:extLst>
+              <a:ext uri="{FF2B5EF4-FFF2-40B4-BE49-F238E27FC236}">
+                <a16:creationId xmlns:a16="http://schemas.microsoft.com/office/drawing/2014/main" id="{01B802CB-F524-4065-B591-561E7B54457D}"/>
+              </a:ext>
+            </a:extLst>
+          </p:cNvPr>
+          <p:cNvCxnSpPr>
+            <a:stCxn id="93" idx="2"/>
+            <a:endCxn id="94" idx="0"/>
+          </p:cNvCxnSpPr>
+          <p:nvPr/>
+        </p:nvCxnSpPr>
+        <p:spPr>
+          <a:xfrm>
+            <a:off x="9325475" y="2067367"/>
+            <a:ext cx="0" cy="879318"/>
+          </a:xfrm>
+          <a:prstGeom prst="straightConnector1">
+            <a:avLst/>
+          </a:prstGeom>
+          <a:ln>
+            <a:tailEnd type="triangle"/>
+          </a:ln>
+        </p:spPr>
+        <p:style>
+          <a:lnRef idx="1">
+            <a:schemeClr val="accent4"/>
+          </a:lnRef>
+          <a:fillRef idx="0">
+            <a:schemeClr val="accent4"/>
+          </a:fillRef>
+          <a:effectRef idx="0">
+            <a:schemeClr val="accent4"/>
+          </a:effectRef>
+          <a:fontRef idx="minor">
+            <a:schemeClr val="tx1"/>
+          </a:fontRef>
+        </p:style>
+      </p:cxnSp>
+      <p:cxnSp>
+        <p:nvCxnSpPr>
+          <p:cNvPr id="102" name="직선 연결선 101">
+            <a:extLst>
+              <a:ext uri="{FF2B5EF4-FFF2-40B4-BE49-F238E27FC236}">
+                <a16:creationId xmlns:a16="http://schemas.microsoft.com/office/drawing/2014/main" id="{80428094-7C43-4FE1-98D3-4EB575753AF5}"/>
+              </a:ext>
+            </a:extLst>
+          </p:cNvPr>
+          <p:cNvCxnSpPr>
+            <a:stCxn id="94" idx="1"/>
+          </p:cNvCxnSpPr>
+          <p:nvPr/>
+        </p:nvCxnSpPr>
+        <p:spPr>
+          <a:xfrm flipH="1" flipV="1">
+            <a:off x="6637190" y="3155232"/>
+            <a:ext cx="1597421" cy="1"/>
+          </a:xfrm>
+          <a:prstGeom prst="line">
+            <a:avLst/>
+          </a:prstGeom>
+          <a:ln w="9525" cap="flat" cmpd="sng" algn="ctr">
+            <a:solidFill>
+              <a:schemeClr val="accent4"/>
+            </a:solidFill>
+            <a:prstDash val="dash"/>
+            <a:round/>
+            <a:headEnd type="none" w="med" len="med"/>
+            <a:tailEnd type="none" w="med" len="med"/>
+          </a:ln>
+        </p:spPr>
+        <p:style>
+          <a:lnRef idx="0">
+            <a:scrgbClr r="0" g="0" b="0"/>
+          </a:lnRef>
+          <a:fillRef idx="0">
+            <a:scrgbClr r="0" g="0" b="0"/>
+          </a:fillRef>
+          <a:effectRef idx="0">
+            <a:scrgbClr r="0" g="0" b="0"/>
+          </a:effectRef>
+          <a:fontRef idx="minor">
+            <a:schemeClr val="tx1"/>
+          </a:fontRef>
+        </p:style>
+      </p:cxnSp>
+      <p:cxnSp>
+        <p:nvCxnSpPr>
+          <p:cNvPr id="104" name="직선 연결선 103">
+            <a:extLst>
+              <a:ext uri="{FF2B5EF4-FFF2-40B4-BE49-F238E27FC236}">
+                <a16:creationId xmlns:a16="http://schemas.microsoft.com/office/drawing/2014/main" id="{B229B873-A7F9-4472-B931-9381915FC5BD}"/>
+              </a:ext>
+            </a:extLst>
+          </p:cNvPr>
+          <p:cNvCxnSpPr>
+            <a:cxnSpLocks/>
+            <a:stCxn id="94" idx="3"/>
+          </p:cNvCxnSpPr>
+          <p:nvPr/>
+        </p:nvCxnSpPr>
+        <p:spPr>
+          <a:xfrm flipV="1">
+            <a:off x="10416338" y="3155232"/>
+            <a:ext cx="966037" cy="1"/>
+          </a:xfrm>
+          <a:prstGeom prst="line">
+            <a:avLst/>
+          </a:prstGeom>
+        </p:spPr>
+        <p:style>
+          <a:lnRef idx="1">
+            <a:schemeClr val="accent4"/>
+          </a:lnRef>
+          <a:fillRef idx="0">
+            <a:schemeClr val="accent4"/>
+          </a:fillRef>
+          <a:effectRef idx="0">
+            <a:schemeClr val="accent4"/>
+          </a:effectRef>
+          <a:fontRef idx="minor">
+            <a:schemeClr val="tx1"/>
+          </a:fontRef>
+        </p:style>
+      </p:cxnSp>
+      <p:cxnSp>
+        <p:nvCxnSpPr>
+          <p:cNvPr id="106" name="직선 연결선 105">
+            <a:extLst>
+              <a:ext uri="{FF2B5EF4-FFF2-40B4-BE49-F238E27FC236}">
+                <a16:creationId xmlns:a16="http://schemas.microsoft.com/office/drawing/2014/main" id="{CF3F756F-2736-4CB0-885B-1F6E3EA8EEA9}"/>
+              </a:ext>
+            </a:extLst>
+          </p:cNvPr>
+          <p:cNvCxnSpPr>
+            <a:cxnSpLocks/>
+          </p:cNvCxnSpPr>
+          <p:nvPr/>
+        </p:nvCxnSpPr>
+        <p:spPr>
+          <a:xfrm flipV="1">
+            <a:off x="11382375" y="482018"/>
+            <a:ext cx="0" cy="2673214"/>
+          </a:xfrm>
+          <a:prstGeom prst="line">
+            <a:avLst/>
+          </a:prstGeom>
+        </p:spPr>
+        <p:style>
+          <a:lnRef idx="1">
+            <a:schemeClr val="accent4"/>
+          </a:lnRef>
+          <a:fillRef idx="0">
+            <a:schemeClr val="accent4"/>
+          </a:fillRef>
+          <a:effectRef idx="0">
+            <a:schemeClr val="accent4"/>
+          </a:effectRef>
+          <a:fontRef idx="minor">
+            <a:schemeClr val="tx1"/>
+          </a:fontRef>
+        </p:style>
+      </p:cxnSp>
+      <p:cxnSp>
+        <p:nvCxnSpPr>
+          <p:cNvPr id="110" name="직선 화살표 연결선 109">
+            <a:extLst>
+              <a:ext uri="{FF2B5EF4-FFF2-40B4-BE49-F238E27FC236}">
+                <a16:creationId xmlns:a16="http://schemas.microsoft.com/office/drawing/2014/main" id="{7FE31941-2AA1-4D98-A4F4-37128F3C919E}"/>
+              </a:ext>
+            </a:extLst>
+          </p:cNvPr>
+          <p:cNvCxnSpPr>
+            <a:endCxn id="85" idx="3"/>
+          </p:cNvCxnSpPr>
+          <p:nvPr/>
+        </p:nvCxnSpPr>
+        <p:spPr>
+          <a:xfrm flipH="1">
+            <a:off x="10835189" y="482018"/>
+            <a:ext cx="547186" cy="1"/>
+          </a:xfrm>
+          <a:prstGeom prst="straightConnector1">
+            <a:avLst/>
+          </a:prstGeom>
+          <a:ln>
+            <a:tailEnd type="triangle"/>
+          </a:ln>
+        </p:spPr>
+        <p:style>
+          <a:lnRef idx="1">
+            <a:schemeClr val="accent4"/>
+          </a:lnRef>
+          <a:fillRef idx="0">
+            <a:schemeClr val="accent4"/>
+          </a:fillRef>
+          <a:effectRef idx="0">
+            <a:schemeClr val="accent4"/>
+          </a:effectRef>
+          <a:fontRef idx="minor">
+            <a:schemeClr val="tx1"/>
+          </a:fontRef>
+        </p:style>
+      </p:cxnSp>
+      <p:sp>
+        <p:nvSpPr>
+          <p:cNvPr id="113" name="순서도: 판단 112">
+            <a:extLst>
+              <a:ext uri="{FF2B5EF4-FFF2-40B4-BE49-F238E27FC236}">
+                <a16:creationId xmlns:a16="http://schemas.microsoft.com/office/drawing/2014/main" id="{A1CB53AF-9DBC-4E1E-B343-AFF69D35FDE7}"/>
+              </a:ext>
+            </a:extLst>
+          </p:cNvPr>
+          <p:cNvSpPr/>
+          <p:nvPr/>
+        </p:nvSpPr>
+        <p:spPr>
+          <a:xfrm>
+            <a:off x="2229422" y="5772658"/>
+            <a:ext cx="2181727" cy="447894"/>
           </a:xfrm>
           <a:prstGeom prst="flowChartDecision">
             <a:avLst/>
@@ -13442,143 +16447,24 @@
       </p:sp>
       <p:cxnSp>
         <p:nvCxnSpPr>
-          <p:cNvPr id="86" name="직선 화살표 연결선 85">
-            <a:extLst>
-              <a:ext uri="{FF2B5EF4-FFF2-40B4-BE49-F238E27FC236}">
-                <a16:creationId xmlns:a16="http://schemas.microsoft.com/office/drawing/2014/main" id="{479A9839-1DF9-4493-BF83-103984AB077F}"/>
+          <p:cNvPr id="115" name="직선 화살표 연결선 114">
+            <a:extLst>
+              <a:ext uri="{FF2B5EF4-FFF2-40B4-BE49-F238E27FC236}">
+                <a16:creationId xmlns:a16="http://schemas.microsoft.com/office/drawing/2014/main" id="{ABD0C5C0-6DE1-49AA-8471-0993FA837FF6}"/>
               </a:ext>
             </a:extLst>
           </p:cNvPr>
           <p:cNvCxnSpPr>
             <a:cxnSpLocks/>
-            <a:stCxn id="55" idx="2"/>
-            <a:endCxn id="84" idx="0"/>
+            <a:stCxn id="78" idx="2"/>
+            <a:endCxn id="113" idx="0"/>
           </p:cNvCxnSpPr>
           <p:nvPr/>
         </p:nvCxnSpPr>
         <p:spPr>
-          <a:xfrm flipH="1">
-            <a:off x="6095995" y="4609600"/>
-            <a:ext cx="5" cy="505327"/>
-          </a:xfrm>
-          <a:prstGeom prst="straightConnector1">
-            <a:avLst/>
-          </a:prstGeom>
-          <a:ln>
-            <a:tailEnd type="triangle"/>
-          </a:ln>
-        </p:spPr>
-        <p:style>
-          <a:lnRef idx="1">
-            <a:schemeClr val="accent4"/>
-          </a:lnRef>
-          <a:fillRef idx="0">
-            <a:schemeClr val="accent4"/>
-          </a:fillRef>
-          <a:effectRef idx="0">
-            <a:schemeClr val="accent4"/>
-          </a:effectRef>
-          <a:fontRef idx="minor">
-            <a:schemeClr val="tx1"/>
-          </a:fontRef>
-        </p:style>
-      </p:cxnSp>
-      <p:cxnSp>
-        <p:nvCxnSpPr>
-          <p:cNvPr id="88" name="직선 연결선 87">
-            <a:extLst>
-              <a:ext uri="{FF2B5EF4-FFF2-40B4-BE49-F238E27FC236}">
-                <a16:creationId xmlns:a16="http://schemas.microsoft.com/office/drawing/2014/main" id="{AD6EC15F-ABC4-40E5-BFF3-F71656452BEC}"/>
-              </a:ext>
-            </a:extLst>
-          </p:cNvPr>
-          <p:cNvCxnSpPr>
-            <a:cxnSpLocks/>
-            <a:stCxn id="84" idx="3"/>
-          </p:cNvCxnSpPr>
-          <p:nvPr/>
-        </p:nvCxnSpPr>
-        <p:spPr>
-          <a:xfrm>
-            <a:off x="7186858" y="5359569"/>
-            <a:ext cx="360947" cy="0"/>
-          </a:xfrm>
-          <a:prstGeom prst="line">
-            <a:avLst/>
-          </a:prstGeom>
-        </p:spPr>
-        <p:style>
-          <a:lnRef idx="1">
-            <a:schemeClr val="accent4"/>
-          </a:lnRef>
-          <a:fillRef idx="0">
-            <a:schemeClr val="accent4"/>
-          </a:fillRef>
-          <a:effectRef idx="0">
-            <a:schemeClr val="accent4"/>
-          </a:effectRef>
-          <a:fontRef idx="minor">
-            <a:schemeClr val="tx1"/>
-          </a:fontRef>
-        </p:style>
-      </p:cxnSp>
-      <p:cxnSp>
-        <p:nvCxnSpPr>
-          <p:cNvPr id="90" name="직선 연결선 89">
-            <a:extLst>
-              <a:ext uri="{FF2B5EF4-FFF2-40B4-BE49-F238E27FC236}">
-                <a16:creationId xmlns:a16="http://schemas.microsoft.com/office/drawing/2014/main" id="{1548F08D-7B3E-40F9-942B-BEE5B15301D8}"/>
-              </a:ext>
-            </a:extLst>
-          </p:cNvPr>
-          <p:cNvCxnSpPr>
-            <a:cxnSpLocks/>
-          </p:cNvCxnSpPr>
-          <p:nvPr/>
-        </p:nvCxnSpPr>
-        <p:spPr>
-          <a:xfrm flipV="1">
-            <a:off x="7539784" y="4401052"/>
-            <a:ext cx="8021" cy="958517"/>
-          </a:xfrm>
-          <a:prstGeom prst="line">
-            <a:avLst/>
-          </a:prstGeom>
-        </p:spPr>
-        <p:style>
-          <a:lnRef idx="1">
-            <a:schemeClr val="accent4"/>
-          </a:lnRef>
-          <a:fillRef idx="0">
-            <a:schemeClr val="accent4"/>
-          </a:fillRef>
-          <a:effectRef idx="0">
-            <a:schemeClr val="accent4"/>
-          </a:effectRef>
-          <a:fontRef idx="minor">
-            <a:schemeClr val="tx1"/>
-          </a:fontRef>
-        </p:style>
-      </p:cxnSp>
-      <p:cxnSp>
-        <p:nvCxnSpPr>
-          <p:cNvPr id="95" name="직선 화살표 연결선 94">
-            <a:extLst>
-              <a:ext uri="{FF2B5EF4-FFF2-40B4-BE49-F238E27FC236}">
-                <a16:creationId xmlns:a16="http://schemas.microsoft.com/office/drawing/2014/main" id="{A672500A-5F6C-4B93-A23C-5936390E6241}"/>
-              </a:ext>
-            </a:extLst>
-          </p:cNvPr>
-          <p:cNvCxnSpPr>
-            <a:cxnSpLocks/>
-            <a:endCxn id="55" idx="3"/>
-          </p:cNvCxnSpPr>
-          <p:nvPr/>
-        </p:nvCxnSpPr>
-        <p:spPr>
-          <a:xfrm flipH="1">
-            <a:off x="7186863" y="4401051"/>
-            <a:ext cx="360942" cy="2"/>
+          <a:xfrm>
+            <a:off x="3320286" y="5522326"/>
+            <a:ext cx="0" cy="250332"/>
           </a:xfrm>
           <a:prstGeom prst="straightConnector1">
             <a:avLst/>
@@ -13604,251 +16490,19 @@
       </p:cxnSp>
       <p:sp>
         <p:nvSpPr>
-          <p:cNvPr id="96" name="직사각형 95">
-            <a:extLst>
-              <a:ext uri="{FF2B5EF4-FFF2-40B4-BE49-F238E27FC236}">
-                <a16:creationId xmlns:a16="http://schemas.microsoft.com/office/drawing/2014/main" id="{6CEE211B-59EF-49F3-AB4F-9984E82F2947}"/>
-              </a:ext>
-            </a:extLst>
-          </p:cNvPr>
-          <p:cNvSpPr/>
+          <p:cNvPr id="120" name="TextBox 119">
+            <a:extLst>
+              <a:ext uri="{FF2B5EF4-FFF2-40B4-BE49-F238E27FC236}">
+                <a16:creationId xmlns:a16="http://schemas.microsoft.com/office/drawing/2014/main" id="{94CC047C-CA1C-491D-9ABB-208408662065}"/>
+              </a:ext>
+            </a:extLst>
+          </p:cNvPr>
+          <p:cNvSpPr txBox="1"/>
           <p:nvPr/>
         </p:nvSpPr>
         <p:spPr>
           <a:xfrm>
-            <a:off x="5005130" y="6021306"/>
-            <a:ext cx="2181727" cy="417095"/>
-          </a:xfrm>
-          <a:prstGeom prst="rect">
-            <a:avLst/>
-          </a:prstGeom>
-          <a:solidFill>
-            <a:schemeClr val="accent4">
-              <a:alpha val="50000"/>
-            </a:schemeClr>
-          </a:solidFill>
-          <a:ln>
-            <a:noFill/>
-          </a:ln>
-        </p:spPr>
-        <p:style>
-          <a:lnRef idx="0">
-            <a:scrgbClr r="0" g="0" b="0"/>
-          </a:lnRef>
-          <a:fillRef idx="0">
-            <a:scrgbClr r="0" g="0" b="0"/>
-          </a:fillRef>
-          <a:effectRef idx="0">
-            <a:scrgbClr r="0" g="0" b="0"/>
-          </a:effectRef>
-          <a:fontRef idx="minor">
-            <a:schemeClr val="lt1"/>
-          </a:fontRef>
-        </p:style>
-        <p:txBody>
-          <a:bodyPr rot="0" spcFirstLastPara="0" vertOverflow="overflow" horzOverflow="overflow" vert="horz" wrap="square" lIns="91440" tIns="45720" rIns="91440" bIns="45720" numCol="1" spcCol="0" rtlCol="0" fromWordArt="0" anchor="ctr" anchorCtr="0" forceAA="0" compatLnSpc="1">
-            <a:prstTxWarp prst="textNoShape">
-              <a:avLst/>
-            </a:prstTxWarp>
-            <a:noAutofit/>
-          </a:bodyPr>
-          <a:lstStyle/>
-          <a:p>
-            <a:pPr algn="ctr"/>
-            <a:r>
-              <a:rPr lang="en-US" altLang="ko-KR" dirty="0">
-                <a:ln w="0"/>
-                <a:solidFill>
-                  <a:schemeClr val="tx1"/>
-                </a:solidFill>
-                <a:effectLst>
-                  <a:outerShdw blurRad="38100" dist="19050" dir="2700000" algn="tl" rotWithShape="0">
-                    <a:schemeClr val="dk1">
-                      <a:alpha val="40000"/>
-                    </a:schemeClr>
-                  </a:outerShdw>
-                </a:effectLst>
-              </a:rPr>
-              <a:t>Delete AI</a:t>
-            </a:r>
-          </a:p>
-        </p:txBody>
-      </p:sp>
-      <p:cxnSp>
-        <p:nvCxnSpPr>
-          <p:cNvPr id="98" name="직선 화살표 연결선 97">
-            <a:extLst>
-              <a:ext uri="{FF2B5EF4-FFF2-40B4-BE49-F238E27FC236}">
-                <a16:creationId xmlns:a16="http://schemas.microsoft.com/office/drawing/2014/main" id="{15BD0C27-3900-41E9-B8DC-55B377BD5724}"/>
-              </a:ext>
-            </a:extLst>
-          </p:cNvPr>
-          <p:cNvCxnSpPr>
-            <a:stCxn id="84" idx="2"/>
-            <a:endCxn id="96" idx="0"/>
-          </p:cNvCxnSpPr>
-          <p:nvPr/>
-        </p:nvCxnSpPr>
-        <p:spPr>
-          <a:xfrm flipH="1">
-            <a:off x="6095994" y="5604210"/>
-            <a:ext cx="1" cy="417096"/>
-          </a:xfrm>
-          <a:prstGeom prst="straightConnector1">
-            <a:avLst/>
-          </a:prstGeom>
-          <a:ln>
-            <a:tailEnd type="triangle"/>
-          </a:ln>
-        </p:spPr>
-        <p:style>
-          <a:lnRef idx="1">
-            <a:schemeClr val="accent4"/>
-          </a:lnRef>
-          <a:fillRef idx="0">
-            <a:schemeClr val="accent4"/>
-          </a:fillRef>
-          <a:effectRef idx="0">
-            <a:schemeClr val="accent4"/>
-          </a:effectRef>
-          <a:fontRef idx="minor">
-            <a:schemeClr val="tx1"/>
-          </a:fontRef>
-        </p:style>
-      </p:cxnSp>
-      <p:cxnSp>
-        <p:nvCxnSpPr>
-          <p:cNvPr id="99" name="직선 연결선 98">
-            <a:extLst>
-              <a:ext uri="{FF2B5EF4-FFF2-40B4-BE49-F238E27FC236}">
-                <a16:creationId xmlns:a16="http://schemas.microsoft.com/office/drawing/2014/main" id="{E7E877D6-2F14-4CD8-96B4-905D7E661973}"/>
-              </a:ext>
-            </a:extLst>
-          </p:cNvPr>
-          <p:cNvCxnSpPr>
-            <a:cxnSpLocks/>
-            <a:stCxn id="96" idx="3"/>
-          </p:cNvCxnSpPr>
-          <p:nvPr/>
-        </p:nvCxnSpPr>
-        <p:spPr>
-          <a:xfrm flipV="1">
-            <a:off x="7186857" y="6229853"/>
-            <a:ext cx="786071" cy="1"/>
-          </a:xfrm>
-          <a:prstGeom prst="line">
-            <a:avLst/>
-          </a:prstGeom>
-        </p:spPr>
-        <p:style>
-          <a:lnRef idx="1">
-            <a:schemeClr val="accent4"/>
-          </a:lnRef>
-          <a:fillRef idx="0">
-            <a:schemeClr val="accent4"/>
-          </a:fillRef>
-          <a:effectRef idx="0">
-            <a:schemeClr val="accent4"/>
-          </a:effectRef>
-          <a:fontRef idx="minor">
-            <a:schemeClr val="tx1"/>
-          </a:fontRef>
-        </p:style>
-      </p:cxnSp>
-      <p:cxnSp>
-        <p:nvCxnSpPr>
-          <p:cNvPr id="101" name="직선 연결선 100">
-            <a:extLst>
-              <a:ext uri="{FF2B5EF4-FFF2-40B4-BE49-F238E27FC236}">
-                <a16:creationId xmlns:a16="http://schemas.microsoft.com/office/drawing/2014/main" id="{6F8C399F-9C55-4044-953B-FD8ABD4213F3}"/>
-              </a:ext>
-            </a:extLst>
-          </p:cNvPr>
-          <p:cNvCxnSpPr>
-            <a:cxnSpLocks/>
-          </p:cNvCxnSpPr>
-          <p:nvPr/>
-        </p:nvCxnSpPr>
-        <p:spPr>
-          <a:xfrm flipV="1">
-            <a:off x="7988970" y="1429250"/>
-            <a:ext cx="0" cy="4808624"/>
-          </a:xfrm>
-          <a:prstGeom prst="line">
-            <a:avLst/>
-          </a:prstGeom>
-        </p:spPr>
-        <p:style>
-          <a:lnRef idx="1">
-            <a:schemeClr val="accent4"/>
-          </a:lnRef>
-          <a:fillRef idx="0">
-            <a:schemeClr val="accent4"/>
-          </a:fillRef>
-          <a:effectRef idx="0">
-            <a:schemeClr val="accent4"/>
-          </a:effectRef>
-          <a:fontRef idx="minor">
-            <a:schemeClr val="tx1"/>
-          </a:fontRef>
-        </p:style>
-      </p:cxnSp>
-      <p:cxnSp>
-        <p:nvCxnSpPr>
-          <p:cNvPr id="103" name="직선 화살표 연결선 102">
-            <a:extLst>
-              <a:ext uri="{FF2B5EF4-FFF2-40B4-BE49-F238E27FC236}">
-                <a16:creationId xmlns:a16="http://schemas.microsoft.com/office/drawing/2014/main" id="{4C894BF0-1C37-4B7D-8928-6B49BE473054}"/>
-              </a:ext>
-            </a:extLst>
-          </p:cNvPr>
-          <p:cNvCxnSpPr>
-            <a:endCxn id="50" idx="3"/>
-          </p:cNvCxnSpPr>
-          <p:nvPr/>
-        </p:nvCxnSpPr>
-        <p:spPr>
-          <a:xfrm flipH="1" flipV="1">
-            <a:off x="7186864" y="1417219"/>
-            <a:ext cx="802106" cy="12031"/>
-          </a:xfrm>
-          <a:prstGeom prst="straightConnector1">
-            <a:avLst/>
-          </a:prstGeom>
-          <a:ln>
-            <a:tailEnd type="triangle"/>
-          </a:ln>
-        </p:spPr>
-        <p:style>
-          <a:lnRef idx="1">
-            <a:schemeClr val="accent4"/>
-          </a:lnRef>
-          <a:fillRef idx="0">
-            <a:schemeClr val="accent4"/>
-          </a:fillRef>
-          <a:effectRef idx="0">
-            <a:schemeClr val="accent4"/>
-          </a:effectRef>
-          <a:fontRef idx="minor">
-            <a:schemeClr val="tx1"/>
-          </a:fontRef>
-        </p:style>
-      </p:cxnSp>
-      <p:sp>
-        <p:nvSpPr>
-          <p:cNvPr id="105" name="TextBox 104">
-            <a:extLst>
-              <a:ext uri="{FF2B5EF4-FFF2-40B4-BE49-F238E27FC236}">
-                <a16:creationId xmlns:a16="http://schemas.microsoft.com/office/drawing/2014/main" id="{CEC2542E-767E-49F1-BED3-EE762332547B}"/>
-              </a:ext>
-            </a:extLst>
-          </p:cNvPr>
-          <p:cNvSpPr txBox="1"/>
-          <p:nvPr/>
-        </p:nvSpPr>
-        <p:spPr>
-          <a:xfrm>
-            <a:off x="7184388" y="5100009"/>
+            <a:off x="1643117" y="5704297"/>
             <a:ext cx="343364" cy="215444"/>
           </a:xfrm>
           <a:prstGeom prst="rect">
@@ -13917,2629 +16571,6 @@
       </p:sp>
       <p:sp>
         <p:nvSpPr>
-          <p:cNvPr id="107" name="TextBox 106">
-            <a:extLst>
-              <a:ext uri="{FF2B5EF4-FFF2-40B4-BE49-F238E27FC236}">
-                <a16:creationId xmlns:a16="http://schemas.microsoft.com/office/drawing/2014/main" id="{7AE4B5E1-B5D3-4DF8-A6BF-6B34BA555D06}"/>
-              </a:ext>
-            </a:extLst>
-          </p:cNvPr>
-          <p:cNvSpPr txBox="1"/>
-          <p:nvPr/>
-        </p:nvSpPr>
-        <p:spPr>
-          <a:xfrm>
-            <a:off x="6128786" y="5701587"/>
-            <a:ext cx="341760" cy="215444"/>
-          </a:xfrm>
-          <a:prstGeom prst="rect">
-            <a:avLst/>
-          </a:prstGeom>
-          <a:solidFill>
-            <a:schemeClr val="accent4">
-              <a:alpha val="50000"/>
-            </a:schemeClr>
-          </a:solidFill>
-          <a:ln>
-            <a:noFill/>
-          </a:ln>
-        </p:spPr>
-        <p:style>
-          <a:lnRef idx="0">
-            <a:scrgbClr r="0" g="0" b="0"/>
-          </a:lnRef>
-          <a:fillRef idx="0">
-            <a:scrgbClr r="0" g="0" b="0"/>
-          </a:fillRef>
-          <a:effectRef idx="0">
-            <a:scrgbClr r="0" g="0" b="0"/>
-          </a:effectRef>
-          <a:fontRef idx="minor">
-            <a:schemeClr val="lt1"/>
-          </a:fontRef>
-        </p:style>
-        <p:txBody>
-          <a:bodyPr wrap="none" rtlCol="0">
-            <a:spAutoFit/>
-          </a:bodyPr>
-          <a:lstStyle/>
-          <a:p>
-            <a:r>
-              <a:rPr lang="en-US" altLang="ko-KR" sz="800" dirty="0">
-                <a:ln w="0"/>
-                <a:solidFill>
-                  <a:schemeClr val="tx1"/>
-                </a:solidFill>
-                <a:effectLst>
-                  <a:outerShdw blurRad="38100" dist="19050" dir="2700000" algn="tl" rotWithShape="0">
-                    <a:schemeClr val="dk1">
-                      <a:alpha val="40000"/>
-                    </a:schemeClr>
-                  </a:outerShdw>
-                </a:effectLst>
-              </a:rPr>
-              <a:t>Yes</a:t>
-            </a:r>
-            <a:endParaRPr lang="ko-KR" altLang="en-US" sz="800" dirty="0">
-              <a:ln w="0"/>
-              <a:solidFill>
-                <a:schemeClr val="tx1"/>
-              </a:solidFill>
-              <a:effectLst>
-                <a:outerShdw blurRad="38100" dist="19050" dir="2700000" algn="tl" rotWithShape="0">
-                  <a:schemeClr val="dk1">
-                    <a:alpha val="40000"/>
-                  </a:schemeClr>
-                </a:outerShdw>
-              </a:effectLst>
-            </a:endParaRPr>
-          </a:p>
-        </p:txBody>
-      </p:sp>
-      <p:sp>
-        <p:nvSpPr>
-          <p:cNvPr id="108" name="순서도: 판단 107">
-            <a:extLst>
-              <a:ext uri="{FF2B5EF4-FFF2-40B4-BE49-F238E27FC236}">
-                <a16:creationId xmlns:a16="http://schemas.microsoft.com/office/drawing/2014/main" id="{91C4DAC6-099D-40B1-B00B-2EF12531466F}"/>
-              </a:ext>
-            </a:extLst>
-          </p:cNvPr>
-          <p:cNvSpPr/>
-          <p:nvPr/>
-        </p:nvSpPr>
-        <p:spPr>
-          <a:xfrm>
-            <a:off x="5005129" y="2123072"/>
-            <a:ext cx="2181727" cy="657726"/>
-          </a:xfrm>
-          <a:prstGeom prst="flowChartDecision">
-            <a:avLst/>
-          </a:prstGeom>
-          <a:solidFill>
-            <a:schemeClr val="accent4">
-              <a:alpha val="50000"/>
-            </a:schemeClr>
-          </a:solidFill>
-          <a:ln>
-            <a:noFill/>
-          </a:ln>
-        </p:spPr>
-        <p:style>
-          <a:lnRef idx="0">
-            <a:scrgbClr r="0" g="0" b="0"/>
-          </a:lnRef>
-          <a:fillRef idx="0">
-            <a:scrgbClr r="0" g="0" b="0"/>
-          </a:fillRef>
-          <a:effectRef idx="0">
-            <a:scrgbClr r="0" g="0" b="0"/>
-          </a:effectRef>
-          <a:fontRef idx="minor">
-            <a:schemeClr val="lt1"/>
-          </a:fontRef>
-        </p:style>
-        <p:txBody>
-          <a:bodyPr rot="0" spcFirstLastPara="0" vertOverflow="overflow" horzOverflow="overflow" vert="horz" wrap="square" lIns="91440" tIns="45720" rIns="91440" bIns="45720" numCol="1" spcCol="0" rtlCol="0" fromWordArt="0" anchor="ctr" anchorCtr="0" forceAA="0" compatLnSpc="1">
-            <a:prstTxWarp prst="textNoShape">
-              <a:avLst/>
-            </a:prstTxWarp>
-            <a:noAutofit/>
-          </a:bodyPr>
-          <a:lstStyle/>
-          <a:p>
-            <a:pPr algn="ctr"/>
-            <a:r>
-              <a:rPr lang="en-US" altLang="ko-KR" sz="1100" dirty="0">
-                <a:ln w="0"/>
-                <a:solidFill>
-                  <a:schemeClr val="tx1"/>
-                </a:solidFill>
-                <a:effectLst>
-                  <a:outerShdw blurRad="38100" dist="19050" dir="2700000" algn="tl" rotWithShape="0">
-                    <a:schemeClr val="dk1">
-                      <a:alpha val="40000"/>
-                    </a:schemeClr>
-                  </a:outerShdw>
-                </a:effectLst>
-              </a:rPr>
-              <a:t>Is Request Arrived?</a:t>
-            </a:r>
-            <a:endParaRPr lang="ko-KR" altLang="en-US" sz="1100" dirty="0">
-              <a:ln w="0"/>
-              <a:solidFill>
-                <a:schemeClr val="tx1"/>
-              </a:solidFill>
-              <a:effectLst>
-                <a:outerShdw blurRad="38100" dist="19050" dir="2700000" algn="tl" rotWithShape="0">
-                  <a:schemeClr val="dk1">
-                    <a:alpha val="40000"/>
-                  </a:schemeClr>
-                </a:outerShdw>
-              </a:effectLst>
-            </a:endParaRPr>
-          </a:p>
-        </p:txBody>
-      </p:sp>
-      <p:cxnSp>
-        <p:nvCxnSpPr>
-          <p:cNvPr id="111" name="직선 연결선 110">
-            <a:extLst>
-              <a:ext uri="{FF2B5EF4-FFF2-40B4-BE49-F238E27FC236}">
-                <a16:creationId xmlns:a16="http://schemas.microsoft.com/office/drawing/2014/main" id="{48153FE5-4280-49C1-B70B-B26CF5676CCC}"/>
-              </a:ext>
-            </a:extLst>
-          </p:cNvPr>
-          <p:cNvCxnSpPr>
-            <a:cxnSpLocks/>
-            <a:stCxn id="53" idx="1"/>
-          </p:cNvCxnSpPr>
-          <p:nvPr/>
-        </p:nvCxnSpPr>
-        <p:spPr>
-          <a:xfrm flipH="1">
-            <a:off x="4321845" y="3536500"/>
-            <a:ext cx="683292" cy="0"/>
-          </a:xfrm>
-          <a:prstGeom prst="line">
-            <a:avLst/>
-          </a:prstGeom>
-        </p:spPr>
-        <p:style>
-          <a:lnRef idx="1">
-            <a:schemeClr val="accent4"/>
-          </a:lnRef>
-          <a:fillRef idx="0">
-            <a:schemeClr val="accent4"/>
-          </a:fillRef>
-          <a:effectRef idx="0">
-            <a:schemeClr val="accent4"/>
-          </a:effectRef>
-          <a:fontRef idx="minor">
-            <a:schemeClr val="tx1"/>
-          </a:fontRef>
-        </p:style>
-      </p:cxnSp>
-      <p:cxnSp>
-        <p:nvCxnSpPr>
-          <p:cNvPr id="112" name="직선 연결선 111">
-            <a:extLst>
-              <a:ext uri="{FF2B5EF4-FFF2-40B4-BE49-F238E27FC236}">
-                <a16:creationId xmlns:a16="http://schemas.microsoft.com/office/drawing/2014/main" id="{92470098-A262-4283-98F1-0A04E6474A50}"/>
-              </a:ext>
-            </a:extLst>
-          </p:cNvPr>
-          <p:cNvCxnSpPr>
-            <a:cxnSpLocks/>
-          </p:cNvCxnSpPr>
-          <p:nvPr/>
-        </p:nvCxnSpPr>
-        <p:spPr>
-          <a:xfrm flipV="1">
-            <a:off x="4321845" y="1325479"/>
-            <a:ext cx="0" cy="2211021"/>
-          </a:xfrm>
-          <a:prstGeom prst="line">
-            <a:avLst/>
-          </a:prstGeom>
-        </p:spPr>
-        <p:style>
-          <a:lnRef idx="1">
-            <a:schemeClr val="accent4"/>
-          </a:lnRef>
-          <a:fillRef idx="0">
-            <a:schemeClr val="accent4"/>
-          </a:fillRef>
-          <a:effectRef idx="0">
-            <a:schemeClr val="accent4"/>
-          </a:effectRef>
-          <a:fontRef idx="minor">
-            <a:schemeClr val="tx1"/>
-          </a:fontRef>
-        </p:style>
-      </p:cxnSp>
-      <p:cxnSp>
-        <p:nvCxnSpPr>
-          <p:cNvPr id="114" name="직선 화살표 연결선 113">
-            <a:extLst>
-              <a:ext uri="{FF2B5EF4-FFF2-40B4-BE49-F238E27FC236}">
-                <a16:creationId xmlns:a16="http://schemas.microsoft.com/office/drawing/2014/main" id="{2BAB2325-80CA-4E7F-8F28-52E6BAB1F6D5}"/>
-              </a:ext>
-            </a:extLst>
-          </p:cNvPr>
-          <p:cNvCxnSpPr/>
-          <p:nvPr/>
-        </p:nvCxnSpPr>
-        <p:spPr>
-          <a:xfrm>
-            <a:off x="4321845" y="1325479"/>
-            <a:ext cx="683284" cy="0"/>
-          </a:xfrm>
-          <a:prstGeom prst="straightConnector1">
-            <a:avLst/>
-          </a:prstGeom>
-          <a:ln>
-            <a:tailEnd type="triangle"/>
-          </a:ln>
-        </p:spPr>
-        <p:style>
-          <a:lnRef idx="1">
-            <a:schemeClr val="accent4"/>
-          </a:lnRef>
-          <a:fillRef idx="0">
-            <a:schemeClr val="accent4"/>
-          </a:fillRef>
-          <a:effectRef idx="0">
-            <a:schemeClr val="accent4"/>
-          </a:effectRef>
-          <a:fontRef idx="minor">
-            <a:schemeClr val="tx1"/>
-          </a:fontRef>
-        </p:style>
-      </p:cxnSp>
-      <p:sp>
-        <p:nvSpPr>
-          <p:cNvPr id="158" name="TextBox 157">
-            <a:extLst>
-              <a:ext uri="{FF2B5EF4-FFF2-40B4-BE49-F238E27FC236}">
-                <a16:creationId xmlns:a16="http://schemas.microsoft.com/office/drawing/2014/main" id="{A3E0980B-B22A-4D70-890F-BF42AE1A5E7B}"/>
-              </a:ext>
-            </a:extLst>
-          </p:cNvPr>
-          <p:cNvSpPr txBox="1"/>
-          <p:nvPr/>
-        </p:nvSpPr>
-        <p:spPr>
-          <a:xfrm>
-            <a:off x="5125236" y="3889547"/>
-            <a:ext cx="850664" cy="215444"/>
-          </a:xfrm>
-          <a:prstGeom prst="rect">
-            <a:avLst/>
-          </a:prstGeom>
-          <a:solidFill>
-            <a:schemeClr val="accent4">
-              <a:alpha val="50000"/>
-            </a:schemeClr>
-          </a:solidFill>
-          <a:ln>
-            <a:noFill/>
-          </a:ln>
-        </p:spPr>
-        <p:style>
-          <a:lnRef idx="0">
-            <a:scrgbClr r="0" g="0" b="0"/>
-          </a:lnRef>
-          <a:fillRef idx="0">
-            <a:scrgbClr r="0" g="0" b="0"/>
-          </a:fillRef>
-          <a:effectRef idx="0">
-            <a:scrgbClr r="0" g="0" b="0"/>
-          </a:effectRef>
-          <a:fontRef idx="minor">
-            <a:schemeClr val="lt1"/>
-          </a:fontRef>
-        </p:style>
-        <p:txBody>
-          <a:bodyPr wrap="square" rtlCol="0">
-            <a:spAutoFit/>
-          </a:bodyPr>
-          <a:lstStyle/>
-          <a:p>
-            <a:r>
-              <a:rPr lang="en-US" altLang="ko-KR" sz="800" dirty="0">
-                <a:ln w="0"/>
-                <a:solidFill>
-                  <a:schemeClr val="tx1"/>
-                </a:solidFill>
-                <a:effectLst>
-                  <a:outerShdw blurRad="38100" dist="19050" dir="2700000" algn="tl" rotWithShape="0">
-                    <a:schemeClr val="dk1">
-                      <a:alpha val="40000"/>
-                    </a:schemeClr>
-                  </a:outerShdw>
-                </a:effectLst>
-              </a:rPr>
-              <a:t>Create Thread</a:t>
-            </a:r>
-            <a:endParaRPr lang="ko-KR" altLang="en-US" sz="800" dirty="0">
-              <a:ln w="0"/>
-              <a:solidFill>
-                <a:schemeClr val="tx1"/>
-              </a:solidFill>
-              <a:effectLst>
-                <a:outerShdw blurRad="38100" dist="19050" dir="2700000" algn="tl" rotWithShape="0">
-                  <a:schemeClr val="dk1">
-                    <a:alpha val="40000"/>
-                  </a:schemeClr>
-                </a:outerShdw>
-              </a:effectLst>
-            </a:endParaRPr>
-          </a:p>
-        </p:txBody>
-      </p:sp>
-      <p:sp>
-        <p:nvSpPr>
-          <p:cNvPr id="159" name="TextBox 158">
-            <a:extLst>
-              <a:ext uri="{FF2B5EF4-FFF2-40B4-BE49-F238E27FC236}">
-                <a16:creationId xmlns:a16="http://schemas.microsoft.com/office/drawing/2014/main" id="{7569A76C-EF93-43E9-8CDA-6ECA514217E6}"/>
-              </a:ext>
-            </a:extLst>
-          </p:cNvPr>
-          <p:cNvSpPr txBox="1"/>
-          <p:nvPr/>
-        </p:nvSpPr>
-        <p:spPr>
-          <a:xfrm>
-            <a:off x="7346545" y="6322781"/>
-            <a:ext cx="786068" cy="338554"/>
-          </a:xfrm>
-          <a:prstGeom prst="rect">
-            <a:avLst/>
-          </a:prstGeom>
-          <a:solidFill>
-            <a:schemeClr val="accent4">
-              <a:alpha val="50000"/>
-            </a:schemeClr>
-          </a:solidFill>
-          <a:ln>
-            <a:noFill/>
-          </a:ln>
-        </p:spPr>
-        <p:style>
-          <a:lnRef idx="0">
-            <a:scrgbClr r="0" g="0" b="0"/>
-          </a:lnRef>
-          <a:fillRef idx="0">
-            <a:scrgbClr r="0" g="0" b="0"/>
-          </a:fillRef>
-          <a:effectRef idx="0">
-            <a:scrgbClr r="0" g="0" b="0"/>
-          </a:effectRef>
-          <a:fontRef idx="minor">
-            <a:schemeClr val="lt1"/>
-          </a:fontRef>
-        </p:style>
-        <p:txBody>
-          <a:bodyPr wrap="square" rtlCol="0">
-            <a:spAutoFit/>
-          </a:bodyPr>
-          <a:lstStyle/>
-          <a:p>
-            <a:r>
-              <a:rPr lang="en-US" altLang="ko-KR" sz="800" dirty="0">
-                <a:ln w="0"/>
-                <a:solidFill>
-                  <a:schemeClr val="tx1"/>
-                </a:solidFill>
-                <a:effectLst>
-                  <a:outerShdw blurRad="38100" dist="19050" dir="2700000" algn="tl" rotWithShape="0">
-                    <a:schemeClr val="dk1">
-                      <a:alpha val="40000"/>
-                    </a:schemeClr>
-                  </a:outerShdw>
-                </a:effectLst>
-              </a:rPr>
-              <a:t>Terminate Thread</a:t>
-            </a:r>
-            <a:endParaRPr lang="ko-KR" altLang="en-US" sz="800" dirty="0">
-              <a:ln w="0"/>
-              <a:solidFill>
-                <a:schemeClr val="tx1"/>
-              </a:solidFill>
-              <a:effectLst>
-                <a:outerShdw blurRad="38100" dist="19050" dir="2700000" algn="tl" rotWithShape="0">
-                  <a:schemeClr val="dk1">
-                    <a:alpha val="40000"/>
-                  </a:schemeClr>
-                </a:outerShdw>
-              </a:effectLst>
-            </a:endParaRPr>
-          </a:p>
-        </p:txBody>
-      </p:sp>
-    </p:spTree>
-    <p:extLst>
-      <p:ext uri="{BB962C8B-B14F-4D97-AF65-F5344CB8AC3E}">
-        <p14:creationId xmlns:p14="http://schemas.microsoft.com/office/powerpoint/2010/main" val="1911102537"/>
-      </p:ext>
-    </p:extLst>
-  </p:cSld>
-  <p:clrMapOvr>
-    <a:masterClrMapping/>
-  </p:clrMapOvr>
-</p:sld>
-</file>
-
-<file path=ppt/slides/slide5.xml><?xml version="1.0" encoding="utf-8"?>
-<p:sld xmlns:a="http://schemas.openxmlformats.org/drawingml/2006/main" xmlns:r="http://schemas.openxmlformats.org/officeDocument/2006/relationships" xmlns:p="http://schemas.openxmlformats.org/presentationml/2006/main">
-  <p:cSld>
-    <p:spTree>
-      <p:nvGrpSpPr>
-        <p:cNvPr id="1" name=""/>
-        <p:cNvGrpSpPr/>
-        <p:nvPr/>
-      </p:nvGrpSpPr>
-      <p:grpSpPr>
-        <a:xfrm>
-          <a:off x="0" y="0"/>
-          <a:ext cx="0" cy="0"/>
-          <a:chOff x="0" y="0"/>
-          <a:chExt cx="0" cy="0"/>
-        </a:xfrm>
-      </p:grpSpPr>
-      <p:sp>
-        <p:nvSpPr>
-          <p:cNvPr id="59" name="직사각형 58">
-            <a:extLst>
-              <a:ext uri="{FF2B5EF4-FFF2-40B4-BE49-F238E27FC236}">
-                <a16:creationId xmlns:a16="http://schemas.microsoft.com/office/drawing/2014/main" id="{58552F4E-822F-472D-B999-8D2043EF42B6}"/>
-              </a:ext>
-            </a:extLst>
-          </p:cNvPr>
-          <p:cNvSpPr/>
-          <p:nvPr/>
-        </p:nvSpPr>
-        <p:spPr>
-          <a:xfrm>
-            <a:off x="2229426" y="273472"/>
-            <a:ext cx="2181727" cy="417095"/>
-          </a:xfrm>
-          <a:prstGeom prst="rect">
-            <a:avLst/>
-          </a:prstGeom>
-          <a:solidFill>
-            <a:schemeClr val="accent4">
-              <a:alpha val="50000"/>
-            </a:schemeClr>
-          </a:solidFill>
-          <a:ln>
-            <a:noFill/>
-          </a:ln>
-        </p:spPr>
-        <p:style>
-          <a:lnRef idx="0">
-            <a:scrgbClr r="0" g="0" b="0"/>
-          </a:lnRef>
-          <a:fillRef idx="0">
-            <a:scrgbClr r="0" g="0" b="0"/>
-          </a:fillRef>
-          <a:effectRef idx="0">
-            <a:scrgbClr r="0" g="0" b="0"/>
-          </a:effectRef>
-          <a:fontRef idx="minor">
-            <a:schemeClr val="lt1"/>
-          </a:fontRef>
-        </p:style>
-        <p:txBody>
-          <a:bodyPr rot="0" spcFirstLastPara="0" vertOverflow="overflow" horzOverflow="overflow" vert="horz" wrap="square" lIns="91440" tIns="45720" rIns="91440" bIns="45720" numCol="1" spcCol="0" rtlCol="0" fromWordArt="0" anchor="ctr" anchorCtr="0" forceAA="0" compatLnSpc="1">
-            <a:prstTxWarp prst="textNoShape">
-              <a:avLst/>
-            </a:prstTxWarp>
-            <a:noAutofit/>
-          </a:bodyPr>
-          <a:lstStyle/>
-          <a:p>
-            <a:pPr algn="ctr"/>
-            <a:r>
-              <a:rPr lang="en-US" altLang="ko-KR" dirty="0">
-                <a:ln w="0"/>
-                <a:solidFill>
-                  <a:schemeClr val="tx1"/>
-                </a:solidFill>
-                <a:effectLst>
-                  <a:outerShdw blurRad="38100" dist="19050" dir="2700000" algn="tl" rotWithShape="0">
-                    <a:schemeClr val="dk1">
-                      <a:alpha val="40000"/>
-                    </a:schemeClr>
-                  </a:outerShdw>
-                </a:effectLst>
-              </a:rPr>
-              <a:t>In Game Start</a:t>
-            </a:r>
-          </a:p>
-        </p:txBody>
-      </p:sp>
-      <p:sp>
-        <p:nvSpPr>
-          <p:cNvPr id="60" name="순서도: 연결자 59">
-            <a:extLst>
-              <a:ext uri="{FF2B5EF4-FFF2-40B4-BE49-F238E27FC236}">
-                <a16:creationId xmlns:a16="http://schemas.microsoft.com/office/drawing/2014/main" id="{B2A73C86-A410-47E6-8078-0CCC8524E979}"/>
-              </a:ext>
-            </a:extLst>
-          </p:cNvPr>
-          <p:cNvSpPr/>
-          <p:nvPr/>
-        </p:nvSpPr>
-        <p:spPr>
-          <a:xfrm>
-            <a:off x="905952" y="273472"/>
-            <a:ext cx="417094" cy="417094"/>
-          </a:xfrm>
-          <a:prstGeom prst="flowChartConnector">
-            <a:avLst/>
-          </a:prstGeom>
-          <a:solidFill>
-            <a:schemeClr val="accent4">
-              <a:alpha val="50000"/>
-            </a:schemeClr>
-          </a:solidFill>
-          <a:ln>
-            <a:noFill/>
-          </a:ln>
-        </p:spPr>
-        <p:style>
-          <a:lnRef idx="0">
-            <a:scrgbClr r="0" g="0" b="0"/>
-          </a:lnRef>
-          <a:fillRef idx="0">
-            <a:scrgbClr r="0" g="0" b="0"/>
-          </a:fillRef>
-          <a:effectRef idx="0">
-            <a:scrgbClr r="0" g="0" b="0"/>
-          </a:effectRef>
-          <a:fontRef idx="minor">
-            <a:schemeClr val="lt1"/>
-          </a:fontRef>
-        </p:style>
-        <p:txBody>
-          <a:bodyPr rot="0" spcFirstLastPara="0" vertOverflow="overflow" horzOverflow="overflow" vert="horz" wrap="square" lIns="91440" tIns="45720" rIns="91440" bIns="45720" numCol="1" spcCol="0" rtlCol="0" fromWordArt="0" anchor="ctr" anchorCtr="0" forceAA="0" compatLnSpc="1">
-            <a:prstTxWarp prst="textNoShape">
-              <a:avLst/>
-            </a:prstTxWarp>
-            <a:noAutofit/>
-          </a:bodyPr>
-          <a:lstStyle/>
-          <a:p>
-            <a:pPr algn="ctr"/>
-            <a:endParaRPr lang="ko-KR" altLang="en-US" dirty="0">
-              <a:ln w="0"/>
-              <a:solidFill>
-                <a:schemeClr val="tx1"/>
-              </a:solidFill>
-              <a:effectLst>
-                <a:outerShdw blurRad="38100" dist="19050" dir="2700000" algn="tl" rotWithShape="0">
-                  <a:schemeClr val="dk1">
-                    <a:alpha val="40000"/>
-                  </a:schemeClr>
-                </a:outerShdw>
-              </a:effectLst>
-            </a:endParaRPr>
-          </a:p>
-        </p:txBody>
-      </p:sp>
-      <p:cxnSp>
-        <p:nvCxnSpPr>
-          <p:cNvPr id="61" name="직선 화살표 연결선 60">
-            <a:extLst>
-              <a:ext uri="{FF2B5EF4-FFF2-40B4-BE49-F238E27FC236}">
-                <a16:creationId xmlns:a16="http://schemas.microsoft.com/office/drawing/2014/main" id="{1CE84419-E5FF-470C-8DD3-74350C1AAED7}"/>
-              </a:ext>
-            </a:extLst>
-          </p:cNvPr>
-          <p:cNvCxnSpPr>
-            <a:stCxn id="60" idx="6"/>
-            <a:endCxn id="59" idx="1"/>
-          </p:cNvCxnSpPr>
-          <p:nvPr/>
-        </p:nvCxnSpPr>
-        <p:spPr>
-          <a:xfrm>
-            <a:off x="1323046" y="482019"/>
-            <a:ext cx="906380" cy="1"/>
-          </a:xfrm>
-          <a:prstGeom prst="straightConnector1">
-            <a:avLst/>
-          </a:prstGeom>
-          <a:ln>
-            <a:tailEnd type="triangle"/>
-          </a:ln>
-        </p:spPr>
-        <p:style>
-          <a:lnRef idx="1">
-            <a:schemeClr val="accent4"/>
-          </a:lnRef>
-          <a:fillRef idx="0">
-            <a:schemeClr val="accent4"/>
-          </a:fillRef>
-          <a:effectRef idx="0">
-            <a:schemeClr val="accent4"/>
-          </a:effectRef>
-          <a:fontRef idx="minor">
-            <a:schemeClr val="tx1"/>
-          </a:fontRef>
-        </p:style>
-      </p:cxnSp>
-      <p:cxnSp>
-        <p:nvCxnSpPr>
-          <p:cNvPr id="62" name="직선 화살표 연결선 61">
-            <a:extLst>
-              <a:ext uri="{FF2B5EF4-FFF2-40B4-BE49-F238E27FC236}">
-                <a16:creationId xmlns:a16="http://schemas.microsoft.com/office/drawing/2014/main" id="{A8FCF008-12EE-4BBD-90C0-96C224013E0B}"/>
-              </a:ext>
-            </a:extLst>
-          </p:cNvPr>
-          <p:cNvCxnSpPr>
-            <a:cxnSpLocks/>
-            <a:stCxn id="59" idx="2"/>
-            <a:endCxn id="66" idx="0"/>
-          </p:cNvCxnSpPr>
-          <p:nvPr/>
-        </p:nvCxnSpPr>
-        <p:spPr>
-          <a:xfrm flipH="1">
-            <a:off x="3320289" y="690567"/>
-            <a:ext cx="1" cy="271493"/>
-          </a:xfrm>
-          <a:prstGeom prst="straightConnector1">
-            <a:avLst/>
-          </a:prstGeom>
-          <a:ln>
-            <a:tailEnd type="triangle"/>
-          </a:ln>
-        </p:spPr>
-        <p:style>
-          <a:lnRef idx="1">
-            <a:schemeClr val="accent4"/>
-          </a:lnRef>
-          <a:fillRef idx="0">
-            <a:schemeClr val="accent4"/>
-          </a:fillRef>
-          <a:effectRef idx="0">
-            <a:schemeClr val="accent4"/>
-          </a:effectRef>
-          <a:fontRef idx="minor">
-            <a:schemeClr val="tx1"/>
-          </a:fontRef>
-        </p:style>
-      </p:cxnSp>
-      <p:sp>
-        <p:nvSpPr>
-          <p:cNvPr id="63" name="직사각형 62">
-            <a:extLst>
-              <a:ext uri="{FF2B5EF4-FFF2-40B4-BE49-F238E27FC236}">
-                <a16:creationId xmlns:a16="http://schemas.microsoft.com/office/drawing/2014/main" id="{6DD28D8E-AFEF-4CEB-8609-D382FA7D87FF}"/>
-              </a:ext>
-            </a:extLst>
-          </p:cNvPr>
-          <p:cNvSpPr/>
-          <p:nvPr/>
-        </p:nvSpPr>
-        <p:spPr>
-          <a:xfrm>
-            <a:off x="2229425" y="1650272"/>
-            <a:ext cx="2181727" cy="417095"/>
-          </a:xfrm>
-          <a:prstGeom prst="rect">
-            <a:avLst/>
-          </a:prstGeom>
-          <a:solidFill>
-            <a:schemeClr val="accent4">
-              <a:alpha val="50000"/>
-            </a:schemeClr>
-          </a:solidFill>
-          <a:ln>
-            <a:noFill/>
-          </a:ln>
-        </p:spPr>
-        <p:style>
-          <a:lnRef idx="0">
-            <a:scrgbClr r="0" g="0" b="0"/>
-          </a:lnRef>
-          <a:fillRef idx="0">
-            <a:scrgbClr r="0" g="0" b="0"/>
-          </a:fillRef>
-          <a:effectRef idx="0">
-            <a:scrgbClr r="0" g="0" b="0"/>
-          </a:effectRef>
-          <a:fontRef idx="minor">
-            <a:schemeClr val="lt1"/>
-          </a:fontRef>
-        </p:style>
-        <p:txBody>
-          <a:bodyPr rot="0" spcFirstLastPara="0" vertOverflow="overflow" horzOverflow="overflow" vert="horz" wrap="square" lIns="91440" tIns="45720" rIns="91440" bIns="45720" numCol="1" spcCol="0" rtlCol="0" fromWordArt="0" anchor="ctr" anchorCtr="0" forceAA="0" compatLnSpc="1">
-            <a:prstTxWarp prst="textNoShape">
-              <a:avLst/>
-            </a:prstTxWarp>
-            <a:noAutofit/>
-          </a:bodyPr>
-          <a:lstStyle/>
-          <a:p>
-            <a:pPr algn="ctr"/>
-            <a:r>
-              <a:rPr lang="en-US" altLang="ko-KR" dirty="0">
-                <a:ln w="0"/>
-                <a:solidFill>
-                  <a:schemeClr val="tx1"/>
-                </a:solidFill>
-                <a:effectLst>
-                  <a:outerShdw blurRad="38100" dist="19050" dir="2700000" algn="tl" rotWithShape="0">
-                    <a:schemeClr val="dk1">
-                      <a:alpha val="40000"/>
-                    </a:schemeClr>
-                  </a:outerShdw>
-                </a:effectLst>
-              </a:rPr>
-              <a:t>Action Ready</a:t>
-            </a:r>
-          </a:p>
-        </p:txBody>
-      </p:sp>
-      <p:sp>
-        <p:nvSpPr>
-          <p:cNvPr id="64" name="직사각형 63">
-            <a:extLst>
-              <a:ext uri="{FF2B5EF4-FFF2-40B4-BE49-F238E27FC236}">
-                <a16:creationId xmlns:a16="http://schemas.microsoft.com/office/drawing/2014/main" id="{BE57576C-7780-4988-BD76-7C317706848F}"/>
-              </a:ext>
-            </a:extLst>
-          </p:cNvPr>
-          <p:cNvSpPr/>
-          <p:nvPr/>
-        </p:nvSpPr>
-        <p:spPr>
-          <a:xfrm>
-            <a:off x="2229424" y="2356124"/>
-            <a:ext cx="2181727" cy="652561"/>
-          </a:xfrm>
-          <a:prstGeom prst="rect">
-            <a:avLst/>
-          </a:prstGeom>
-          <a:solidFill>
-            <a:schemeClr val="accent4">
-              <a:alpha val="50000"/>
-            </a:schemeClr>
-          </a:solidFill>
-          <a:ln>
-            <a:noFill/>
-          </a:ln>
-        </p:spPr>
-        <p:style>
-          <a:lnRef idx="0">
-            <a:scrgbClr r="0" g="0" b="0"/>
-          </a:lnRef>
-          <a:fillRef idx="0">
-            <a:scrgbClr r="0" g="0" b="0"/>
-          </a:fillRef>
-          <a:effectRef idx="0">
-            <a:scrgbClr r="0" g="0" b="0"/>
-          </a:effectRef>
-          <a:fontRef idx="minor">
-            <a:schemeClr val="lt1"/>
-          </a:fontRef>
-        </p:style>
-        <p:txBody>
-          <a:bodyPr rot="0" spcFirstLastPara="0" vertOverflow="overflow" horzOverflow="overflow" vert="horz" wrap="square" lIns="91440" tIns="45720" rIns="91440" bIns="45720" numCol="1" spcCol="0" rtlCol="0" fromWordArt="0" anchor="ctr" anchorCtr="0" forceAA="0" compatLnSpc="1">
-            <a:prstTxWarp prst="textNoShape">
-              <a:avLst/>
-            </a:prstTxWarp>
-            <a:noAutofit/>
-          </a:bodyPr>
-          <a:lstStyle/>
-          <a:p>
-            <a:pPr algn="ctr"/>
-            <a:r>
-              <a:rPr lang="en-US" altLang="ko-KR" dirty="0">
-                <a:ln w="0"/>
-                <a:solidFill>
-                  <a:schemeClr val="tx1"/>
-                </a:solidFill>
-                <a:effectLst>
-                  <a:outerShdw blurRad="38100" dist="19050" dir="2700000" algn="tl" rotWithShape="0">
-                    <a:schemeClr val="dk1">
-                      <a:alpha val="40000"/>
-                    </a:schemeClr>
-                  </a:outerShdw>
-                </a:effectLst>
-              </a:rPr>
-              <a:t>Send Action to Server as Message</a:t>
-            </a:r>
-          </a:p>
-        </p:txBody>
-      </p:sp>
-      <p:cxnSp>
-        <p:nvCxnSpPr>
-          <p:cNvPr id="65" name="직선 화살표 연결선 64">
-            <a:extLst>
-              <a:ext uri="{FF2B5EF4-FFF2-40B4-BE49-F238E27FC236}">
-                <a16:creationId xmlns:a16="http://schemas.microsoft.com/office/drawing/2014/main" id="{3615ADB9-6E23-4235-94DA-B5152737B10E}"/>
-              </a:ext>
-            </a:extLst>
-          </p:cNvPr>
-          <p:cNvCxnSpPr>
-            <a:cxnSpLocks/>
-            <a:stCxn id="63" idx="2"/>
-            <a:endCxn id="64" idx="0"/>
-          </p:cNvCxnSpPr>
-          <p:nvPr/>
-        </p:nvCxnSpPr>
-        <p:spPr>
-          <a:xfrm flipH="1">
-            <a:off x="3320288" y="2067367"/>
-            <a:ext cx="1" cy="288757"/>
-          </a:xfrm>
-          <a:prstGeom prst="straightConnector1">
-            <a:avLst/>
-          </a:prstGeom>
-          <a:ln>
-            <a:tailEnd type="triangle"/>
-          </a:ln>
-        </p:spPr>
-        <p:style>
-          <a:lnRef idx="1">
-            <a:schemeClr val="accent4"/>
-          </a:lnRef>
-          <a:fillRef idx="0">
-            <a:schemeClr val="accent4"/>
-          </a:fillRef>
-          <a:effectRef idx="0">
-            <a:schemeClr val="accent4"/>
-          </a:effectRef>
-          <a:fontRef idx="minor">
-            <a:schemeClr val="tx1"/>
-          </a:fontRef>
-        </p:style>
-      </p:cxnSp>
-      <p:sp>
-        <p:nvSpPr>
-          <p:cNvPr id="66" name="직사각형 65">
-            <a:extLst>
-              <a:ext uri="{FF2B5EF4-FFF2-40B4-BE49-F238E27FC236}">
-                <a16:creationId xmlns:a16="http://schemas.microsoft.com/office/drawing/2014/main" id="{71B49EF8-BE3B-4709-A775-E3299F33B25D}"/>
-              </a:ext>
-            </a:extLst>
-          </p:cNvPr>
-          <p:cNvSpPr/>
-          <p:nvPr/>
-        </p:nvSpPr>
-        <p:spPr>
-          <a:xfrm>
-            <a:off x="2229425" y="962060"/>
-            <a:ext cx="2181727" cy="417095"/>
-          </a:xfrm>
-          <a:prstGeom prst="rect">
-            <a:avLst/>
-          </a:prstGeom>
-          <a:solidFill>
-            <a:schemeClr val="accent4">
-              <a:alpha val="50000"/>
-            </a:schemeClr>
-          </a:solidFill>
-          <a:ln>
-            <a:noFill/>
-          </a:ln>
-        </p:spPr>
-        <p:style>
-          <a:lnRef idx="0">
-            <a:scrgbClr r="0" g="0" b="0"/>
-          </a:lnRef>
-          <a:fillRef idx="0">
-            <a:scrgbClr r="0" g="0" b="0"/>
-          </a:fillRef>
-          <a:effectRef idx="0">
-            <a:scrgbClr r="0" g="0" b="0"/>
-          </a:effectRef>
-          <a:fontRef idx="minor">
-            <a:schemeClr val="lt1"/>
-          </a:fontRef>
-        </p:style>
-        <p:txBody>
-          <a:bodyPr rot="0" spcFirstLastPara="0" vertOverflow="overflow" horzOverflow="overflow" vert="horz" wrap="square" lIns="91440" tIns="45720" rIns="91440" bIns="45720" numCol="1" spcCol="0" rtlCol="0" fromWordArt="0" anchor="ctr" anchorCtr="0" forceAA="0" compatLnSpc="1">
-            <a:prstTxWarp prst="textNoShape">
-              <a:avLst/>
-            </a:prstTxWarp>
-            <a:noAutofit/>
-          </a:bodyPr>
-          <a:lstStyle/>
-          <a:p>
-            <a:pPr algn="ctr"/>
-            <a:r>
-              <a:rPr lang="en-US" altLang="ko-KR" sz="1400" dirty="0">
-                <a:ln w="0"/>
-                <a:solidFill>
-                  <a:schemeClr val="tx1"/>
-                </a:solidFill>
-                <a:effectLst>
-                  <a:outerShdw blurRad="38100" dist="19050" dir="2700000" algn="tl" rotWithShape="0">
-                    <a:schemeClr val="dk1">
-                      <a:alpha val="40000"/>
-                    </a:schemeClr>
-                  </a:outerShdw>
-                </a:effectLst>
-              </a:rPr>
-              <a:t>Get Environment State</a:t>
-            </a:r>
-          </a:p>
-        </p:txBody>
-      </p:sp>
-      <p:cxnSp>
-        <p:nvCxnSpPr>
-          <p:cNvPr id="67" name="직선 화살표 연결선 66">
-            <a:extLst>
-              <a:ext uri="{FF2B5EF4-FFF2-40B4-BE49-F238E27FC236}">
-                <a16:creationId xmlns:a16="http://schemas.microsoft.com/office/drawing/2014/main" id="{16E20432-46D7-4CA6-B222-DF32707B3403}"/>
-              </a:ext>
-            </a:extLst>
-          </p:cNvPr>
-          <p:cNvCxnSpPr>
-            <a:cxnSpLocks/>
-            <a:stCxn id="66" idx="2"/>
-            <a:endCxn id="63" idx="0"/>
-          </p:cNvCxnSpPr>
-          <p:nvPr/>
-        </p:nvCxnSpPr>
-        <p:spPr>
-          <a:xfrm>
-            <a:off x="3320289" y="1379155"/>
-            <a:ext cx="0" cy="271117"/>
-          </a:xfrm>
-          <a:prstGeom prst="straightConnector1">
-            <a:avLst/>
-          </a:prstGeom>
-          <a:ln>
-            <a:tailEnd type="triangle"/>
-          </a:ln>
-        </p:spPr>
-        <p:style>
-          <a:lnRef idx="1">
-            <a:schemeClr val="accent4"/>
-          </a:lnRef>
-          <a:fillRef idx="0">
-            <a:schemeClr val="accent4"/>
-          </a:fillRef>
-          <a:effectRef idx="0">
-            <a:schemeClr val="accent4"/>
-          </a:effectRef>
-          <a:fontRef idx="minor">
-            <a:schemeClr val="tx1"/>
-          </a:fontRef>
-        </p:style>
-      </p:cxnSp>
-      <p:sp>
-        <p:nvSpPr>
-          <p:cNvPr id="68" name="순서도: 판단 67">
-            <a:extLst>
-              <a:ext uri="{FF2B5EF4-FFF2-40B4-BE49-F238E27FC236}">
-                <a16:creationId xmlns:a16="http://schemas.microsoft.com/office/drawing/2014/main" id="{CDCEA0D3-D03F-4A26-A587-D3CAD528F729}"/>
-              </a:ext>
-            </a:extLst>
-          </p:cNvPr>
-          <p:cNvSpPr/>
-          <p:nvPr/>
-        </p:nvSpPr>
-        <p:spPr>
-          <a:xfrm>
-            <a:off x="2229423" y="4083191"/>
-            <a:ext cx="2181727" cy="657726"/>
-          </a:xfrm>
-          <a:prstGeom prst="flowChartDecision">
-            <a:avLst/>
-          </a:prstGeom>
-          <a:solidFill>
-            <a:schemeClr val="accent4">
-              <a:alpha val="50000"/>
-            </a:schemeClr>
-          </a:solidFill>
-          <a:ln>
-            <a:noFill/>
-          </a:ln>
-        </p:spPr>
-        <p:style>
-          <a:lnRef idx="0">
-            <a:scrgbClr r="0" g="0" b="0"/>
-          </a:lnRef>
-          <a:fillRef idx="0">
-            <a:scrgbClr r="0" g="0" b="0"/>
-          </a:fillRef>
-          <a:effectRef idx="0">
-            <a:scrgbClr r="0" g="0" b="0"/>
-          </a:effectRef>
-          <a:fontRef idx="minor">
-            <a:schemeClr val="lt1"/>
-          </a:fontRef>
-        </p:style>
-        <p:txBody>
-          <a:bodyPr rot="0" spcFirstLastPara="0" vertOverflow="overflow" horzOverflow="overflow" vert="horz" wrap="square" lIns="91440" tIns="45720" rIns="91440" bIns="45720" numCol="1" spcCol="0" rtlCol="0" fromWordArt="0" anchor="ctr" anchorCtr="0" forceAA="0" compatLnSpc="1">
-            <a:prstTxWarp prst="textNoShape">
-              <a:avLst/>
-            </a:prstTxWarp>
-            <a:noAutofit/>
-          </a:bodyPr>
-          <a:lstStyle/>
-          <a:p>
-            <a:pPr algn="ctr"/>
-            <a:r>
-              <a:rPr lang="en-US" altLang="ko-KR" sz="1100" dirty="0">
-                <a:ln w="0"/>
-                <a:solidFill>
-                  <a:schemeClr val="tx1"/>
-                </a:solidFill>
-                <a:effectLst>
-                  <a:outerShdw blurRad="38100" dist="19050" dir="2700000" algn="tl" rotWithShape="0">
-                    <a:schemeClr val="dk1">
-                      <a:alpha val="40000"/>
-                    </a:schemeClr>
-                  </a:outerShdw>
-                </a:effectLst>
-              </a:rPr>
-              <a:t>Is Message Queue Empty?</a:t>
-            </a:r>
-            <a:endParaRPr lang="ko-KR" altLang="en-US" sz="1100" dirty="0">
-              <a:ln w="0"/>
-              <a:solidFill>
-                <a:schemeClr val="tx1"/>
-              </a:solidFill>
-              <a:effectLst>
-                <a:outerShdw blurRad="38100" dist="19050" dir="2700000" algn="tl" rotWithShape="0">
-                  <a:schemeClr val="dk1">
-                    <a:alpha val="40000"/>
-                  </a:schemeClr>
-                </a:outerShdw>
-              </a:effectLst>
-            </a:endParaRPr>
-          </a:p>
-        </p:txBody>
-      </p:sp>
-      <p:sp>
-        <p:nvSpPr>
-          <p:cNvPr id="69" name="직사각형 68">
-            <a:extLst>
-              <a:ext uri="{FF2B5EF4-FFF2-40B4-BE49-F238E27FC236}">
-                <a16:creationId xmlns:a16="http://schemas.microsoft.com/office/drawing/2014/main" id="{2AE896B1-A27F-4AC3-AED8-0CD636F6D5AD}"/>
-              </a:ext>
-            </a:extLst>
-          </p:cNvPr>
-          <p:cNvSpPr/>
-          <p:nvPr/>
-        </p:nvSpPr>
-        <p:spPr>
-          <a:xfrm>
-            <a:off x="2229422" y="3301782"/>
-            <a:ext cx="2181727" cy="417095"/>
-          </a:xfrm>
-          <a:prstGeom prst="rect">
-            <a:avLst/>
-          </a:prstGeom>
-          <a:solidFill>
-            <a:schemeClr val="accent4">
-              <a:alpha val="50000"/>
-            </a:schemeClr>
-          </a:solidFill>
-          <a:ln>
-            <a:noFill/>
-          </a:ln>
-        </p:spPr>
-        <p:style>
-          <a:lnRef idx="0">
-            <a:scrgbClr r="0" g="0" b="0"/>
-          </a:lnRef>
-          <a:fillRef idx="0">
-            <a:scrgbClr r="0" g="0" b="0"/>
-          </a:fillRef>
-          <a:effectRef idx="0">
-            <a:scrgbClr r="0" g="0" b="0"/>
-          </a:effectRef>
-          <a:fontRef idx="minor">
-            <a:schemeClr val="lt1"/>
-          </a:fontRef>
-        </p:style>
-        <p:txBody>
-          <a:bodyPr rot="0" spcFirstLastPara="0" vertOverflow="overflow" horzOverflow="overflow" vert="horz" wrap="square" lIns="91440" tIns="45720" rIns="91440" bIns="45720" numCol="1" spcCol="0" rtlCol="0" fromWordArt="0" anchor="ctr" anchorCtr="0" forceAA="0" compatLnSpc="1">
-            <a:prstTxWarp prst="textNoShape">
-              <a:avLst/>
-            </a:prstTxWarp>
-            <a:noAutofit/>
-          </a:bodyPr>
-          <a:lstStyle/>
-          <a:p>
-            <a:pPr algn="ctr"/>
-            <a:r>
-              <a:rPr lang="en-US" altLang="ko-KR" dirty="0">
-                <a:ln w="0"/>
-                <a:solidFill>
-                  <a:schemeClr val="tx1"/>
-                </a:solidFill>
-                <a:effectLst>
-                  <a:outerShdw blurRad="38100" dist="19050" dir="2700000" algn="tl" rotWithShape="0">
-                    <a:schemeClr val="dk1">
-                      <a:alpha val="40000"/>
-                    </a:schemeClr>
-                  </a:outerShdw>
-                </a:effectLst>
-              </a:rPr>
-              <a:t>Process Message</a:t>
-            </a:r>
-          </a:p>
-        </p:txBody>
-      </p:sp>
-      <p:sp>
-        <p:nvSpPr>
-          <p:cNvPr id="70" name="TextBox 69">
-            <a:extLst>
-              <a:ext uri="{FF2B5EF4-FFF2-40B4-BE49-F238E27FC236}">
-                <a16:creationId xmlns:a16="http://schemas.microsoft.com/office/drawing/2014/main" id="{A6D09F64-0BCB-43CA-96F6-5A412AC0763F}"/>
-              </a:ext>
-            </a:extLst>
-          </p:cNvPr>
-          <p:cNvSpPr txBox="1"/>
-          <p:nvPr/>
-        </p:nvSpPr>
-        <p:spPr>
-          <a:xfrm>
-            <a:off x="4483210" y="5704297"/>
-            <a:ext cx="341760" cy="215444"/>
-          </a:xfrm>
-          <a:prstGeom prst="rect">
-            <a:avLst/>
-          </a:prstGeom>
-          <a:solidFill>
-            <a:schemeClr val="accent4">
-              <a:alpha val="50000"/>
-            </a:schemeClr>
-          </a:solidFill>
-          <a:ln>
-            <a:noFill/>
-          </a:ln>
-        </p:spPr>
-        <p:style>
-          <a:lnRef idx="0">
-            <a:scrgbClr r="0" g="0" b="0"/>
-          </a:lnRef>
-          <a:fillRef idx="0">
-            <a:scrgbClr r="0" g="0" b="0"/>
-          </a:fillRef>
-          <a:effectRef idx="0">
-            <a:scrgbClr r="0" g="0" b="0"/>
-          </a:effectRef>
-          <a:fontRef idx="minor">
-            <a:schemeClr val="lt1"/>
-          </a:fontRef>
-        </p:style>
-        <p:txBody>
-          <a:bodyPr wrap="none" rtlCol="0">
-            <a:spAutoFit/>
-          </a:bodyPr>
-          <a:lstStyle/>
-          <a:p>
-            <a:r>
-              <a:rPr lang="en-US" altLang="ko-KR" sz="800" dirty="0">
-                <a:ln w="0"/>
-                <a:solidFill>
-                  <a:schemeClr val="tx1"/>
-                </a:solidFill>
-                <a:effectLst>
-                  <a:outerShdw blurRad="38100" dist="19050" dir="2700000" algn="tl" rotWithShape="0">
-                    <a:schemeClr val="dk1">
-                      <a:alpha val="40000"/>
-                    </a:schemeClr>
-                  </a:outerShdw>
-                </a:effectLst>
-              </a:rPr>
-              <a:t>Yes</a:t>
-            </a:r>
-            <a:endParaRPr lang="ko-KR" altLang="en-US" sz="800" dirty="0">
-              <a:ln w="0"/>
-              <a:solidFill>
-                <a:schemeClr val="tx1"/>
-              </a:solidFill>
-              <a:effectLst>
-                <a:outerShdw blurRad="38100" dist="19050" dir="2700000" algn="tl" rotWithShape="0">
-                  <a:schemeClr val="dk1">
-                    <a:alpha val="40000"/>
-                  </a:schemeClr>
-                </a:outerShdw>
-              </a:effectLst>
-            </a:endParaRPr>
-          </a:p>
-        </p:txBody>
-      </p:sp>
-      <p:cxnSp>
-        <p:nvCxnSpPr>
-          <p:cNvPr id="71" name="직선 화살표 연결선 70">
-            <a:extLst>
-              <a:ext uri="{FF2B5EF4-FFF2-40B4-BE49-F238E27FC236}">
-                <a16:creationId xmlns:a16="http://schemas.microsoft.com/office/drawing/2014/main" id="{FF7A4EA9-B52D-4DC4-B71C-F133A727D592}"/>
-              </a:ext>
-            </a:extLst>
-          </p:cNvPr>
-          <p:cNvCxnSpPr/>
-          <p:nvPr/>
-        </p:nvCxnSpPr>
-        <p:spPr>
-          <a:xfrm>
-            <a:off x="3331511" y="4739430"/>
-            <a:ext cx="0" cy="376989"/>
-          </a:xfrm>
-          <a:prstGeom prst="straightConnector1">
-            <a:avLst/>
-          </a:prstGeom>
-          <a:ln>
-            <a:tailEnd type="triangle"/>
-          </a:ln>
-        </p:spPr>
-        <p:style>
-          <a:lnRef idx="1">
-            <a:schemeClr val="accent4"/>
-          </a:lnRef>
-          <a:fillRef idx="0">
-            <a:schemeClr val="accent4"/>
-          </a:fillRef>
-          <a:effectRef idx="0">
-            <a:schemeClr val="accent4"/>
-          </a:effectRef>
-          <a:fontRef idx="minor">
-            <a:schemeClr val="tx1"/>
-          </a:fontRef>
-        </p:style>
-      </p:cxnSp>
-      <p:cxnSp>
-        <p:nvCxnSpPr>
-          <p:cNvPr id="72" name="직선 연결선 71">
-            <a:extLst>
-              <a:ext uri="{FF2B5EF4-FFF2-40B4-BE49-F238E27FC236}">
-                <a16:creationId xmlns:a16="http://schemas.microsoft.com/office/drawing/2014/main" id="{1F437699-81CE-41FA-8E4F-1E768194095E}"/>
-              </a:ext>
-            </a:extLst>
-          </p:cNvPr>
-          <p:cNvCxnSpPr>
-            <a:cxnSpLocks/>
-            <a:stCxn id="68" idx="1"/>
-          </p:cNvCxnSpPr>
-          <p:nvPr/>
-        </p:nvCxnSpPr>
-        <p:spPr>
-          <a:xfrm flipH="1">
-            <a:off x="1729376" y="4412054"/>
-            <a:ext cx="500047" cy="0"/>
-          </a:xfrm>
-          <a:prstGeom prst="line">
-            <a:avLst/>
-          </a:prstGeom>
-        </p:spPr>
-        <p:style>
-          <a:lnRef idx="1">
-            <a:schemeClr val="accent4"/>
-          </a:lnRef>
-          <a:fillRef idx="0">
-            <a:schemeClr val="accent4"/>
-          </a:fillRef>
-          <a:effectRef idx="0">
-            <a:schemeClr val="accent4"/>
-          </a:effectRef>
-          <a:fontRef idx="minor">
-            <a:schemeClr val="tx1"/>
-          </a:fontRef>
-        </p:style>
-      </p:cxnSp>
-      <p:sp>
-        <p:nvSpPr>
-          <p:cNvPr id="73" name="TextBox 72">
-            <a:extLst>
-              <a:ext uri="{FF2B5EF4-FFF2-40B4-BE49-F238E27FC236}">
-                <a16:creationId xmlns:a16="http://schemas.microsoft.com/office/drawing/2014/main" id="{D6842E30-691B-44DE-BDFF-B10ACD742FAD}"/>
-              </a:ext>
-            </a:extLst>
-          </p:cNvPr>
-          <p:cNvSpPr txBox="1"/>
-          <p:nvPr/>
-        </p:nvSpPr>
-        <p:spPr>
-          <a:xfrm>
-            <a:off x="1785792" y="4135378"/>
-            <a:ext cx="343364" cy="215444"/>
-          </a:xfrm>
-          <a:prstGeom prst="rect">
-            <a:avLst/>
-          </a:prstGeom>
-          <a:solidFill>
-            <a:schemeClr val="accent4">
-              <a:alpha val="50000"/>
-            </a:schemeClr>
-          </a:solidFill>
-          <a:ln>
-            <a:noFill/>
-          </a:ln>
-        </p:spPr>
-        <p:style>
-          <a:lnRef idx="0">
-            <a:scrgbClr r="0" g="0" b="0"/>
-          </a:lnRef>
-          <a:fillRef idx="0">
-            <a:scrgbClr r="0" g="0" b="0"/>
-          </a:fillRef>
-          <a:effectRef idx="0">
-            <a:scrgbClr r="0" g="0" b="0"/>
-          </a:effectRef>
-          <a:fontRef idx="minor">
-            <a:schemeClr val="lt1"/>
-          </a:fontRef>
-        </p:style>
-        <p:txBody>
-          <a:bodyPr wrap="none" rtlCol="0">
-            <a:spAutoFit/>
-          </a:bodyPr>
-          <a:lstStyle/>
-          <a:p>
-            <a:r>
-              <a:rPr lang="en-US" altLang="ko-KR" sz="800" dirty="0">
-                <a:ln w="0"/>
-                <a:solidFill>
-                  <a:schemeClr val="tx1"/>
-                </a:solidFill>
-                <a:effectLst>
-                  <a:outerShdw blurRad="38100" dist="19050" dir="2700000" algn="tl" rotWithShape="0">
-                    <a:schemeClr val="dk1">
-                      <a:alpha val="40000"/>
-                    </a:schemeClr>
-                  </a:outerShdw>
-                </a:effectLst>
-              </a:rPr>
-              <a:t>NO</a:t>
-            </a:r>
-            <a:endParaRPr lang="ko-KR" altLang="en-US" sz="800" dirty="0">
-              <a:ln w="0"/>
-              <a:solidFill>
-                <a:schemeClr val="tx1"/>
-              </a:solidFill>
-              <a:effectLst>
-                <a:outerShdw blurRad="38100" dist="19050" dir="2700000" algn="tl" rotWithShape="0">
-                  <a:schemeClr val="dk1">
-                    <a:alpha val="40000"/>
-                  </a:schemeClr>
-                </a:outerShdw>
-              </a:effectLst>
-            </a:endParaRPr>
-          </a:p>
-        </p:txBody>
-      </p:sp>
-      <p:cxnSp>
-        <p:nvCxnSpPr>
-          <p:cNvPr id="74" name="직선 연결선 73">
-            <a:extLst>
-              <a:ext uri="{FF2B5EF4-FFF2-40B4-BE49-F238E27FC236}">
-                <a16:creationId xmlns:a16="http://schemas.microsoft.com/office/drawing/2014/main" id="{7DC89229-5A94-4D51-BEB1-88AAA749F747}"/>
-              </a:ext>
-            </a:extLst>
-          </p:cNvPr>
-          <p:cNvCxnSpPr>
-            <a:cxnSpLocks/>
-          </p:cNvCxnSpPr>
-          <p:nvPr/>
-        </p:nvCxnSpPr>
-        <p:spPr>
-          <a:xfrm flipV="1">
-            <a:off x="1729376" y="3510329"/>
-            <a:ext cx="0" cy="901726"/>
-          </a:xfrm>
-          <a:prstGeom prst="line">
-            <a:avLst/>
-          </a:prstGeom>
-        </p:spPr>
-        <p:style>
-          <a:lnRef idx="1">
-            <a:schemeClr val="accent4"/>
-          </a:lnRef>
-          <a:fillRef idx="0">
-            <a:schemeClr val="accent4"/>
-          </a:fillRef>
-          <a:effectRef idx="0">
-            <a:schemeClr val="accent4"/>
-          </a:effectRef>
-          <a:fontRef idx="minor">
-            <a:schemeClr val="tx1"/>
-          </a:fontRef>
-        </p:style>
-      </p:cxnSp>
-      <p:cxnSp>
-        <p:nvCxnSpPr>
-          <p:cNvPr id="75" name="직선 화살표 연결선 74">
-            <a:extLst>
-              <a:ext uri="{FF2B5EF4-FFF2-40B4-BE49-F238E27FC236}">
-                <a16:creationId xmlns:a16="http://schemas.microsoft.com/office/drawing/2014/main" id="{2F72C98E-53BA-49B1-83BC-63CF8694851B}"/>
-              </a:ext>
-            </a:extLst>
-          </p:cNvPr>
-          <p:cNvCxnSpPr>
-            <a:cxnSpLocks/>
-            <a:endCxn id="69" idx="1"/>
-          </p:cNvCxnSpPr>
-          <p:nvPr/>
-        </p:nvCxnSpPr>
-        <p:spPr>
-          <a:xfrm>
-            <a:off x="1729376" y="3510329"/>
-            <a:ext cx="500046" cy="1"/>
-          </a:xfrm>
-          <a:prstGeom prst="straightConnector1">
-            <a:avLst/>
-          </a:prstGeom>
-          <a:ln>
-            <a:tailEnd type="triangle"/>
-          </a:ln>
-        </p:spPr>
-        <p:style>
-          <a:lnRef idx="1">
-            <a:schemeClr val="accent4"/>
-          </a:lnRef>
-          <a:fillRef idx="0">
-            <a:schemeClr val="accent4"/>
-          </a:fillRef>
-          <a:effectRef idx="0">
-            <a:schemeClr val="accent4"/>
-          </a:effectRef>
-          <a:fontRef idx="minor">
-            <a:schemeClr val="tx1"/>
-          </a:fontRef>
-        </p:style>
-      </p:cxnSp>
-      <p:cxnSp>
-        <p:nvCxnSpPr>
-          <p:cNvPr id="76" name="직선 화살표 연결선 75">
-            <a:extLst>
-              <a:ext uri="{FF2B5EF4-FFF2-40B4-BE49-F238E27FC236}">
-                <a16:creationId xmlns:a16="http://schemas.microsoft.com/office/drawing/2014/main" id="{AB885BFA-C52F-4439-BF5E-D9817FD42C4E}"/>
-              </a:ext>
-            </a:extLst>
-          </p:cNvPr>
-          <p:cNvCxnSpPr>
-            <a:cxnSpLocks/>
-            <a:endCxn id="69" idx="0"/>
-          </p:cNvCxnSpPr>
-          <p:nvPr/>
-        </p:nvCxnSpPr>
-        <p:spPr>
-          <a:xfrm flipH="1">
-            <a:off x="3320286" y="3008685"/>
-            <a:ext cx="2" cy="293097"/>
-          </a:xfrm>
-          <a:prstGeom prst="straightConnector1">
-            <a:avLst/>
-          </a:prstGeom>
-          <a:ln>
-            <a:tailEnd type="triangle"/>
-          </a:ln>
-        </p:spPr>
-        <p:style>
-          <a:lnRef idx="1">
-            <a:schemeClr val="accent4"/>
-          </a:lnRef>
-          <a:fillRef idx="0">
-            <a:schemeClr val="accent4"/>
-          </a:fillRef>
-          <a:effectRef idx="0">
-            <a:schemeClr val="accent4"/>
-          </a:effectRef>
-          <a:fontRef idx="minor">
-            <a:schemeClr val="tx1"/>
-          </a:fontRef>
-        </p:style>
-      </p:cxnSp>
-      <p:cxnSp>
-        <p:nvCxnSpPr>
-          <p:cNvPr id="77" name="직선 화살표 연결선 76">
-            <a:extLst>
-              <a:ext uri="{FF2B5EF4-FFF2-40B4-BE49-F238E27FC236}">
-                <a16:creationId xmlns:a16="http://schemas.microsoft.com/office/drawing/2014/main" id="{8BD84CD8-E91A-4069-84B2-5F583567EC8E}"/>
-              </a:ext>
-            </a:extLst>
-          </p:cNvPr>
-          <p:cNvCxnSpPr>
-            <a:stCxn id="69" idx="2"/>
-            <a:endCxn id="68" idx="0"/>
-          </p:cNvCxnSpPr>
-          <p:nvPr/>
-        </p:nvCxnSpPr>
-        <p:spPr>
-          <a:xfrm>
-            <a:off x="3320286" y="3718877"/>
-            <a:ext cx="1" cy="364314"/>
-          </a:xfrm>
-          <a:prstGeom prst="straightConnector1">
-            <a:avLst/>
-          </a:prstGeom>
-          <a:ln>
-            <a:tailEnd type="triangle"/>
-          </a:ln>
-        </p:spPr>
-        <p:style>
-          <a:lnRef idx="1">
-            <a:schemeClr val="accent4"/>
-          </a:lnRef>
-          <a:fillRef idx="0">
-            <a:schemeClr val="accent4"/>
-          </a:fillRef>
-          <a:effectRef idx="0">
-            <a:schemeClr val="accent4"/>
-          </a:effectRef>
-          <a:fontRef idx="minor">
-            <a:schemeClr val="tx1"/>
-          </a:fontRef>
-        </p:style>
-      </p:cxnSp>
-      <p:sp>
-        <p:nvSpPr>
-          <p:cNvPr id="78" name="직사각형 77">
-            <a:extLst>
-              <a:ext uri="{FF2B5EF4-FFF2-40B4-BE49-F238E27FC236}">
-                <a16:creationId xmlns:a16="http://schemas.microsoft.com/office/drawing/2014/main" id="{131A4EB4-A00A-4DB0-ADAF-6E11FF483E98}"/>
-              </a:ext>
-            </a:extLst>
-          </p:cNvPr>
-          <p:cNvSpPr/>
-          <p:nvPr/>
-        </p:nvSpPr>
-        <p:spPr>
-          <a:xfrm>
-            <a:off x="2229422" y="5105231"/>
-            <a:ext cx="2181727" cy="417095"/>
-          </a:xfrm>
-          <a:prstGeom prst="rect">
-            <a:avLst/>
-          </a:prstGeom>
-          <a:solidFill>
-            <a:schemeClr val="accent4">
-              <a:alpha val="50000"/>
-            </a:schemeClr>
-          </a:solidFill>
-          <a:ln>
-            <a:noFill/>
-          </a:ln>
-        </p:spPr>
-        <p:style>
-          <a:lnRef idx="0">
-            <a:scrgbClr r="0" g="0" b="0"/>
-          </a:lnRef>
-          <a:fillRef idx="0">
-            <a:scrgbClr r="0" g="0" b="0"/>
-          </a:fillRef>
-          <a:effectRef idx="0">
-            <a:scrgbClr r="0" g="0" b="0"/>
-          </a:effectRef>
-          <a:fontRef idx="minor">
-            <a:schemeClr val="lt1"/>
-          </a:fontRef>
-        </p:style>
-        <p:txBody>
-          <a:bodyPr rot="0" spcFirstLastPara="0" vertOverflow="overflow" horzOverflow="overflow" vert="horz" wrap="square" lIns="91440" tIns="45720" rIns="91440" bIns="45720" numCol="1" spcCol="0" rtlCol="0" fromWordArt="0" anchor="ctr" anchorCtr="0" forceAA="0" compatLnSpc="1">
-            <a:prstTxWarp prst="textNoShape">
-              <a:avLst/>
-            </a:prstTxWarp>
-            <a:noAutofit/>
-          </a:bodyPr>
-          <a:lstStyle/>
-          <a:p>
-            <a:pPr algn="ctr"/>
-            <a:r>
-              <a:rPr lang="en-US" altLang="ko-KR" dirty="0">
-                <a:ln w="0"/>
-                <a:solidFill>
-                  <a:schemeClr val="tx1"/>
-                </a:solidFill>
-                <a:effectLst>
-                  <a:outerShdw blurRad="38100" dist="19050" dir="2700000" algn="tl" rotWithShape="0">
-                    <a:schemeClr val="dk1">
-                      <a:alpha val="40000"/>
-                    </a:schemeClr>
-                  </a:outerShdw>
-                </a:effectLst>
-              </a:rPr>
-              <a:t>Animate World</a:t>
-            </a:r>
-          </a:p>
-        </p:txBody>
-      </p:sp>
-      <p:cxnSp>
-        <p:nvCxnSpPr>
-          <p:cNvPr id="79" name="직선 연결선 78">
-            <a:extLst>
-              <a:ext uri="{FF2B5EF4-FFF2-40B4-BE49-F238E27FC236}">
-                <a16:creationId xmlns:a16="http://schemas.microsoft.com/office/drawing/2014/main" id="{F14ACE33-094E-445A-B9FE-A5DEA54B99D3}"/>
-              </a:ext>
-            </a:extLst>
-          </p:cNvPr>
-          <p:cNvCxnSpPr>
-            <a:cxnSpLocks/>
-            <a:stCxn id="113" idx="1"/>
-          </p:cNvCxnSpPr>
-          <p:nvPr/>
-        </p:nvCxnSpPr>
-        <p:spPr>
-          <a:xfrm flipH="1">
-            <a:off x="1400175" y="5996605"/>
-            <a:ext cx="829247" cy="0"/>
-          </a:xfrm>
-          <a:prstGeom prst="line">
-            <a:avLst/>
-          </a:prstGeom>
-        </p:spPr>
-        <p:style>
-          <a:lnRef idx="1">
-            <a:schemeClr val="accent4"/>
-          </a:lnRef>
-          <a:fillRef idx="0">
-            <a:schemeClr val="accent4"/>
-          </a:fillRef>
-          <a:effectRef idx="0">
-            <a:schemeClr val="accent4"/>
-          </a:effectRef>
-          <a:fontRef idx="minor">
-            <a:schemeClr val="tx1"/>
-          </a:fontRef>
-        </p:style>
-      </p:cxnSp>
-      <p:cxnSp>
-        <p:nvCxnSpPr>
-          <p:cNvPr id="80" name="직선 연결선 79">
-            <a:extLst>
-              <a:ext uri="{FF2B5EF4-FFF2-40B4-BE49-F238E27FC236}">
-                <a16:creationId xmlns:a16="http://schemas.microsoft.com/office/drawing/2014/main" id="{E2E3DBE1-C86B-440C-8EE7-5EE9F6E3BFE5}"/>
-              </a:ext>
-            </a:extLst>
-          </p:cNvPr>
-          <p:cNvCxnSpPr>
-            <a:cxnSpLocks/>
-          </p:cNvCxnSpPr>
-          <p:nvPr/>
-        </p:nvCxnSpPr>
-        <p:spPr>
-          <a:xfrm flipV="1">
-            <a:off x="1406529" y="1170610"/>
-            <a:ext cx="0" cy="4820945"/>
-          </a:xfrm>
-          <a:prstGeom prst="line">
-            <a:avLst/>
-          </a:prstGeom>
-        </p:spPr>
-        <p:style>
-          <a:lnRef idx="1">
-            <a:schemeClr val="accent4"/>
-          </a:lnRef>
-          <a:fillRef idx="0">
-            <a:schemeClr val="accent4"/>
-          </a:fillRef>
-          <a:effectRef idx="0">
-            <a:schemeClr val="accent4"/>
-          </a:effectRef>
-          <a:fontRef idx="minor">
-            <a:schemeClr val="tx1"/>
-          </a:fontRef>
-        </p:style>
-      </p:cxnSp>
-      <p:sp>
-        <p:nvSpPr>
-          <p:cNvPr id="85" name="직사각형 84">
-            <a:extLst>
-              <a:ext uri="{FF2B5EF4-FFF2-40B4-BE49-F238E27FC236}">
-                <a16:creationId xmlns:a16="http://schemas.microsoft.com/office/drawing/2014/main" id="{FEFE69D3-3807-415B-AF0B-955A01185AFA}"/>
-              </a:ext>
-            </a:extLst>
-          </p:cNvPr>
-          <p:cNvSpPr/>
-          <p:nvPr/>
-        </p:nvSpPr>
-        <p:spPr>
-          <a:xfrm>
-            <a:off x="7815764" y="273471"/>
-            <a:ext cx="3019425" cy="417095"/>
-          </a:xfrm>
-          <a:prstGeom prst="rect">
-            <a:avLst/>
-          </a:prstGeom>
-          <a:solidFill>
-            <a:schemeClr val="accent4">
-              <a:alpha val="50000"/>
-            </a:schemeClr>
-          </a:solidFill>
-          <a:ln>
-            <a:noFill/>
-          </a:ln>
-        </p:spPr>
-        <p:style>
-          <a:lnRef idx="0">
-            <a:scrgbClr r="0" g="0" b="0"/>
-          </a:lnRef>
-          <a:fillRef idx="0">
-            <a:scrgbClr r="0" g="0" b="0"/>
-          </a:fillRef>
-          <a:effectRef idx="0">
-            <a:scrgbClr r="0" g="0" b="0"/>
-          </a:effectRef>
-          <a:fontRef idx="minor">
-            <a:schemeClr val="lt1"/>
-          </a:fontRef>
-        </p:style>
-        <p:txBody>
-          <a:bodyPr rot="0" spcFirstLastPara="0" vertOverflow="overflow" horzOverflow="overflow" vert="horz" wrap="square" lIns="91440" tIns="45720" rIns="91440" bIns="45720" numCol="1" spcCol="0" rtlCol="0" fromWordArt="0" anchor="ctr" anchorCtr="0" forceAA="0" compatLnSpc="1">
-            <a:prstTxWarp prst="textNoShape">
-              <a:avLst/>
-            </a:prstTxWarp>
-            <a:noAutofit/>
-          </a:bodyPr>
-          <a:lstStyle/>
-          <a:p>
-            <a:pPr algn="ctr"/>
-            <a:r>
-              <a:rPr lang="en-US" altLang="ko-KR" dirty="0">
-                <a:ln w="0"/>
-                <a:solidFill>
-                  <a:schemeClr val="tx1"/>
-                </a:solidFill>
-                <a:effectLst>
-                  <a:outerShdw blurRad="38100" dist="19050" dir="2700000" algn="tl" rotWithShape="0">
-                    <a:schemeClr val="dk1">
-                      <a:alpha val="40000"/>
-                    </a:schemeClr>
-                  </a:outerShdw>
-                </a:effectLst>
-              </a:rPr>
-              <a:t>Message Receiver</a:t>
-            </a:r>
-          </a:p>
-        </p:txBody>
-      </p:sp>
-      <p:cxnSp>
-        <p:nvCxnSpPr>
-          <p:cNvPr id="87" name="직선 화살표 연결선 86">
-            <a:extLst>
-              <a:ext uri="{FF2B5EF4-FFF2-40B4-BE49-F238E27FC236}">
-                <a16:creationId xmlns:a16="http://schemas.microsoft.com/office/drawing/2014/main" id="{D75D3323-DDF6-4262-8B5B-090DA5B5A79E}"/>
-              </a:ext>
-            </a:extLst>
-          </p:cNvPr>
-          <p:cNvCxnSpPr>
-            <a:stCxn id="59" idx="3"/>
-            <a:endCxn id="85" idx="1"/>
-          </p:cNvCxnSpPr>
-          <p:nvPr/>
-        </p:nvCxnSpPr>
-        <p:spPr>
-          <a:xfrm flipV="1">
-            <a:off x="4411153" y="482019"/>
-            <a:ext cx="3404611" cy="1"/>
-          </a:xfrm>
-          <a:prstGeom prst="straightConnector1">
-            <a:avLst/>
-          </a:prstGeom>
-          <a:ln>
-            <a:tailEnd type="triangle"/>
-          </a:ln>
-        </p:spPr>
-        <p:style>
-          <a:lnRef idx="1">
-            <a:schemeClr val="accent4"/>
-          </a:lnRef>
-          <a:fillRef idx="0">
-            <a:schemeClr val="accent4"/>
-          </a:fillRef>
-          <a:effectRef idx="0">
-            <a:schemeClr val="accent4"/>
-          </a:effectRef>
-          <a:fontRef idx="minor">
-            <a:schemeClr val="tx1"/>
-          </a:fontRef>
-        </p:style>
-      </p:cxnSp>
-      <p:sp>
-        <p:nvSpPr>
-          <p:cNvPr id="89" name="순서도: 다중 문서 88">
-            <a:extLst>
-              <a:ext uri="{FF2B5EF4-FFF2-40B4-BE49-F238E27FC236}">
-                <a16:creationId xmlns:a16="http://schemas.microsoft.com/office/drawing/2014/main" id="{F5652B10-0B76-44AD-83CC-C278E3AB70FB}"/>
-              </a:ext>
-            </a:extLst>
-          </p:cNvPr>
-          <p:cNvSpPr/>
-          <p:nvPr/>
-        </p:nvSpPr>
-        <p:spPr>
-          <a:xfrm>
-            <a:off x="5366925" y="2872154"/>
-            <a:ext cx="1270265" cy="1276350"/>
-          </a:xfrm>
-          <a:prstGeom prst="flowChartMultidocument">
-            <a:avLst/>
-          </a:prstGeom>
-          <a:ln/>
-        </p:spPr>
-        <p:style>
-          <a:lnRef idx="2">
-            <a:schemeClr val="accent3">
-              <a:shade val="50000"/>
-            </a:schemeClr>
-          </a:lnRef>
-          <a:fillRef idx="1">
-            <a:schemeClr val="accent3"/>
-          </a:fillRef>
-          <a:effectRef idx="0">
-            <a:schemeClr val="accent3"/>
-          </a:effectRef>
-          <a:fontRef idx="minor">
-            <a:schemeClr val="lt1"/>
-          </a:fontRef>
-        </p:style>
-        <p:txBody>
-          <a:bodyPr rtlCol="0" anchor="ctr"/>
-          <a:lstStyle/>
-          <a:p>
-            <a:pPr algn="ctr"/>
-            <a:r>
-              <a:rPr lang="en-US" altLang="ko-KR" dirty="0">
-                <a:ln w="0"/>
-                <a:solidFill>
-                  <a:schemeClr val="tx1"/>
-                </a:solidFill>
-                <a:effectLst>
-                  <a:outerShdw blurRad="38100" dist="19050" dir="2700000" algn="tl" rotWithShape="0">
-                    <a:schemeClr val="dk1">
-                      <a:alpha val="40000"/>
-                    </a:schemeClr>
-                  </a:outerShdw>
-                </a:effectLst>
-              </a:rPr>
-              <a:t>Message queue</a:t>
-            </a:r>
-            <a:endParaRPr lang="ko-KR" altLang="en-US" dirty="0">
-              <a:ln w="0"/>
-              <a:solidFill>
-                <a:schemeClr val="tx1"/>
-              </a:solidFill>
-              <a:effectLst>
-                <a:outerShdw blurRad="38100" dist="19050" dir="2700000" algn="tl" rotWithShape="0">
-                  <a:schemeClr val="dk1">
-                    <a:alpha val="40000"/>
-                  </a:schemeClr>
-                </a:outerShdw>
-              </a:effectLst>
-            </a:endParaRPr>
-          </a:p>
-        </p:txBody>
-      </p:sp>
-      <p:cxnSp>
-        <p:nvCxnSpPr>
-          <p:cNvPr id="91" name="직선 연결선 90">
-            <a:extLst>
-              <a:ext uri="{FF2B5EF4-FFF2-40B4-BE49-F238E27FC236}">
-                <a16:creationId xmlns:a16="http://schemas.microsoft.com/office/drawing/2014/main" id="{5203A063-C5D6-4A58-A384-49003B1D0DEA}"/>
-              </a:ext>
-            </a:extLst>
-          </p:cNvPr>
-          <p:cNvCxnSpPr>
-            <a:stCxn id="69" idx="3"/>
-            <a:endCxn id="89" idx="1"/>
-          </p:cNvCxnSpPr>
-          <p:nvPr/>
-        </p:nvCxnSpPr>
-        <p:spPr>
-          <a:xfrm flipV="1">
-            <a:off x="4411149" y="3510329"/>
-            <a:ext cx="955776" cy="1"/>
-          </a:xfrm>
-          <a:prstGeom prst="line">
-            <a:avLst/>
-          </a:prstGeom>
-          <a:ln>
-            <a:headEnd type="none" w="med" len="med"/>
-            <a:tailEnd type="none" w="med" len="med"/>
-          </a:ln>
-        </p:spPr>
-        <p:style>
-          <a:lnRef idx="1">
-            <a:schemeClr val="accent4"/>
-          </a:lnRef>
-          <a:fillRef idx="0">
-            <a:schemeClr val="accent4"/>
-          </a:fillRef>
-          <a:effectRef idx="0">
-            <a:schemeClr val="accent4"/>
-          </a:effectRef>
-          <a:fontRef idx="minor">
-            <a:schemeClr val="tx1"/>
-          </a:fontRef>
-        </p:style>
-      </p:cxnSp>
-      <p:sp>
-        <p:nvSpPr>
-          <p:cNvPr id="92" name="TextBox 91">
-            <a:extLst>
-              <a:ext uri="{FF2B5EF4-FFF2-40B4-BE49-F238E27FC236}">
-                <a16:creationId xmlns:a16="http://schemas.microsoft.com/office/drawing/2014/main" id="{61D09111-D3D2-4BE3-9919-6EBE970C5A69}"/>
-              </a:ext>
-            </a:extLst>
-          </p:cNvPr>
-          <p:cNvSpPr txBox="1"/>
-          <p:nvPr/>
-        </p:nvSpPr>
-        <p:spPr>
-          <a:xfrm>
-            <a:off x="5715000" y="230156"/>
-            <a:ext cx="850664" cy="215444"/>
-          </a:xfrm>
-          <a:prstGeom prst="rect">
-            <a:avLst/>
-          </a:prstGeom>
-          <a:solidFill>
-            <a:schemeClr val="accent4">
-              <a:alpha val="50000"/>
-            </a:schemeClr>
-          </a:solidFill>
-          <a:ln>
-            <a:noFill/>
-          </a:ln>
-        </p:spPr>
-        <p:style>
-          <a:lnRef idx="0">
-            <a:scrgbClr r="0" g="0" b="0"/>
-          </a:lnRef>
-          <a:fillRef idx="0">
-            <a:scrgbClr r="0" g="0" b="0"/>
-          </a:fillRef>
-          <a:effectRef idx="0">
-            <a:scrgbClr r="0" g="0" b="0"/>
-          </a:effectRef>
-          <a:fontRef idx="minor">
-            <a:schemeClr val="lt1"/>
-          </a:fontRef>
-        </p:style>
-        <p:txBody>
-          <a:bodyPr wrap="square" rtlCol="0">
-            <a:spAutoFit/>
-          </a:bodyPr>
-          <a:lstStyle/>
-          <a:p>
-            <a:r>
-              <a:rPr lang="en-US" altLang="ko-KR" sz="800" dirty="0">
-                <a:ln w="0"/>
-                <a:solidFill>
-                  <a:schemeClr val="tx1"/>
-                </a:solidFill>
-                <a:effectLst>
-                  <a:outerShdw blurRad="38100" dist="19050" dir="2700000" algn="tl" rotWithShape="0">
-                    <a:schemeClr val="dk1">
-                      <a:alpha val="40000"/>
-                    </a:schemeClr>
-                  </a:outerShdw>
-                </a:effectLst>
-              </a:rPr>
-              <a:t>Create Thread</a:t>
-            </a:r>
-            <a:endParaRPr lang="ko-KR" altLang="en-US" sz="800" dirty="0">
-              <a:ln w="0"/>
-              <a:solidFill>
-                <a:schemeClr val="tx1"/>
-              </a:solidFill>
-              <a:effectLst>
-                <a:outerShdw blurRad="38100" dist="19050" dir="2700000" algn="tl" rotWithShape="0">
-                  <a:schemeClr val="dk1">
-                    <a:alpha val="40000"/>
-                  </a:schemeClr>
-                </a:outerShdw>
-              </a:effectLst>
-            </a:endParaRPr>
-          </a:p>
-        </p:txBody>
-      </p:sp>
-      <p:sp>
-        <p:nvSpPr>
-          <p:cNvPr id="93" name="직사각형 92">
-            <a:extLst>
-              <a:ext uri="{FF2B5EF4-FFF2-40B4-BE49-F238E27FC236}">
-                <a16:creationId xmlns:a16="http://schemas.microsoft.com/office/drawing/2014/main" id="{8E896B0C-D13C-49F7-839C-82DC7160FAC5}"/>
-              </a:ext>
-            </a:extLst>
-          </p:cNvPr>
-          <p:cNvSpPr/>
-          <p:nvPr/>
-        </p:nvSpPr>
-        <p:spPr>
-          <a:xfrm>
-            <a:off x="8234611" y="1650272"/>
-            <a:ext cx="2181727" cy="417095"/>
-          </a:xfrm>
-          <a:prstGeom prst="rect">
-            <a:avLst/>
-          </a:prstGeom>
-          <a:solidFill>
-            <a:schemeClr val="accent4">
-              <a:alpha val="50000"/>
-            </a:schemeClr>
-          </a:solidFill>
-          <a:ln>
-            <a:noFill/>
-          </a:ln>
-        </p:spPr>
-        <p:style>
-          <a:lnRef idx="0">
-            <a:scrgbClr r="0" g="0" b="0"/>
-          </a:lnRef>
-          <a:fillRef idx="0">
-            <a:scrgbClr r="0" g="0" b="0"/>
-          </a:fillRef>
-          <a:effectRef idx="0">
-            <a:scrgbClr r="0" g="0" b="0"/>
-          </a:effectRef>
-          <a:fontRef idx="minor">
-            <a:schemeClr val="lt1"/>
-          </a:fontRef>
-        </p:style>
-        <p:txBody>
-          <a:bodyPr rot="0" spcFirstLastPara="0" vertOverflow="overflow" horzOverflow="overflow" vert="horz" wrap="square" lIns="91440" tIns="45720" rIns="91440" bIns="45720" numCol="1" spcCol="0" rtlCol="0" fromWordArt="0" anchor="ctr" anchorCtr="0" forceAA="0" compatLnSpc="1">
-            <a:prstTxWarp prst="textNoShape">
-              <a:avLst/>
-            </a:prstTxWarp>
-            <a:noAutofit/>
-          </a:bodyPr>
-          <a:lstStyle/>
-          <a:p>
-            <a:pPr algn="ctr"/>
-            <a:r>
-              <a:rPr lang="en-US" altLang="ko-KR" dirty="0">
-                <a:ln w="0"/>
-                <a:solidFill>
-                  <a:schemeClr val="tx1"/>
-                </a:solidFill>
-                <a:effectLst>
-                  <a:outerShdw blurRad="38100" dist="19050" dir="2700000" algn="tl" rotWithShape="0">
-                    <a:schemeClr val="dk1">
-                      <a:alpha val="40000"/>
-                    </a:schemeClr>
-                  </a:outerShdw>
-                </a:effectLst>
-              </a:rPr>
-              <a:t>Receive Message</a:t>
-            </a:r>
-          </a:p>
-        </p:txBody>
-      </p:sp>
-      <p:sp>
-        <p:nvSpPr>
-          <p:cNvPr id="94" name="직사각형 93">
-            <a:extLst>
-              <a:ext uri="{FF2B5EF4-FFF2-40B4-BE49-F238E27FC236}">
-                <a16:creationId xmlns:a16="http://schemas.microsoft.com/office/drawing/2014/main" id="{FE5CC87C-CFC4-4C21-8964-D32FF707C672}"/>
-              </a:ext>
-            </a:extLst>
-          </p:cNvPr>
-          <p:cNvSpPr/>
-          <p:nvPr/>
-        </p:nvSpPr>
-        <p:spPr>
-          <a:xfrm>
-            <a:off x="8234611" y="2946685"/>
-            <a:ext cx="2181727" cy="417095"/>
-          </a:xfrm>
-          <a:prstGeom prst="rect">
-            <a:avLst/>
-          </a:prstGeom>
-          <a:solidFill>
-            <a:schemeClr val="accent4">
-              <a:alpha val="50000"/>
-            </a:schemeClr>
-          </a:solidFill>
-          <a:ln>
-            <a:noFill/>
-          </a:ln>
-        </p:spPr>
-        <p:style>
-          <a:lnRef idx="0">
-            <a:scrgbClr r="0" g="0" b="0"/>
-          </a:lnRef>
-          <a:fillRef idx="0">
-            <a:scrgbClr r="0" g="0" b="0"/>
-          </a:fillRef>
-          <a:effectRef idx="0">
-            <a:scrgbClr r="0" g="0" b="0"/>
-          </a:effectRef>
-          <a:fontRef idx="minor">
-            <a:schemeClr val="lt1"/>
-          </a:fontRef>
-        </p:style>
-        <p:txBody>
-          <a:bodyPr rot="0" spcFirstLastPara="0" vertOverflow="overflow" horzOverflow="overflow" vert="horz" wrap="square" lIns="91440" tIns="45720" rIns="91440" bIns="45720" numCol="1" spcCol="0" rtlCol="0" fromWordArt="0" anchor="ctr" anchorCtr="0" forceAA="0" compatLnSpc="1">
-            <a:prstTxWarp prst="textNoShape">
-              <a:avLst/>
-            </a:prstTxWarp>
-            <a:noAutofit/>
-          </a:bodyPr>
-          <a:lstStyle/>
-          <a:p>
-            <a:pPr algn="ctr"/>
-            <a:r>
-              <a:rPr lang="en-US" altLang="ko-KR" dirty="0">
-                <a:ln w="0"/>
-                <a:solidFill>
-                  <a:schemeClr val="tx1"/>
-                </a:solidFill>
-                <a:effectLst>
-                  <a:outerShdw blurRad="38100" dist="19050" dir="2700000" algn="tl" rotWithShape="0">
-                    <a:schemeClr val="dk1">
-                      <a:alpha val="40000"/>
-                    </a:schemeClr>
-                  </a:outerShdw>
-                </a:effectLst>
-              </a:rPr>
-              <a:t>Enqueue Message</a:t>
-            </a:r>
-          </a:p>
-        </p:txBody>
-      </p:sp>
-      <p:cxnSp>
-        <p:nvCxnSpPr>
-          <p:cNvPr id="97" name="직선 화살표 연결선 96">
-            <a:extLst>
-              <a:ext uri="{FF2B5EF4-FFF2-40B4-BE49-F238E27FC236}">
-                <a16:creationId xmlns:a16="http://schemas.microsoft.com/office/drawing/2014/main" id="{0D07DB12-F99A-4BC8-9631-21F23520F374}"/>
-              </a:ext>
-            </a:extLst>
-          </p:cNvPr>
-          <p:cNvCxnSpPr>
-            <a:cxnSpLocks/>
-            <a:stCxn id="85" idx="2"/>
-            <a:endCxn id="93" idx="0"/>
-          </p:cNvCxnSpPr>
-          <p:nvPr/>
-        </p:nvCxnSpPr>
-        <p:spPr>
-          <a:xfrm flipH="1">
-            <a:off x="9325475" y="690566"/>
-            <a:ext cx="2" cy="959706"/>
-          </a:xfrm>
-          <a:prstGeom prst="straightConnector1">
-            <a:avLst/>
-          </a:prstGeom>
-          <a:ln>
-            <a:tailEnd type="triangle"/>
-          </a:ln>
-        </p:spPr>
-        <p:style>
-          <a:lnRef idx="1">
-            <a:schemeClr val="accent4"/>
-          </a:lnRef>
-          <a:fillRef idx="0">
-            <a:schemeClr val="accent4"/>
-          </a:fillRef>
-          <a:effectRef idx="0">
-            <a:schemeClr val="accent4"/>
-          </a:effectRef>
-          <a:fontRef idx="minor">
-            <a:schemeClr val="tx1"/>
-          </a:fontRef>
-        </p:style>
-      </p:cxnSp>
-      <p:cxnSp>
-        <p:nvCxnSpPr>
-          <p:cNvPr id="100" name="직선 화살표 연결선 99">
-            <a:extLst>
-              <a:ext uri="{FF2B5EF4-FFF2-40B4-BE49-F238E27FC236}">
-                <a16:creationId xmlns:a16="http://schemas.microsoft.com/office/drawing/2014/main" id="{01B802CB-F524-4065-B591-561E7B54457D}"/>
-              </a:ext>
-            </a:extLst>
-          </p:cNvPr>
-          <p:cNvCxnSpPr>
-            <a:stCxn id="93" idx="2"/>
-            <a:endCxn id="94" idx="0"/>
-          </p:cNvCxnSpPr>
-          <p:nvPr/>
-        </p:nvCxnSpPr>
-        <p:spPr>
-          <a:xfrm>
-            <a:off x="9325475" y="2067367"/>
-            <a:ext cx="0" cy="879318"/>
-          </a:xfrm>
-          <a:prstGeom prst="straightConnector1">
-            <a:avLst/>
-          </a:prstGeom>
-          <a:ln>
-            <a:tailEnd type="triangle"/>
-          </a:ln>
-        </p:spPr>
-        <p:style>
-          <a:lnRef idx="1">
-            <a:schemeClr val="accent4"/>
-          </a:lnRef>
-          <a:fillRef idx="0">
-            <a:schemeClr val="accent4"/>
-          </a:fillRef>
-          <a:effectRef idx="0">
-            <a:schemeClr val="accent4"/>
-          </a:effectRef>
-          <a:fontRef idx="minor">
-            <a:schemeClr val="tx1"/>
-          </a:fontRef>
-        </p:style>
-      </p:cxnSp>
-      <p:cxnSp>
-        <p:nvCxnSpPr>
-          <p:cNvPr id="102" name="직선 연결선 101">
-            <a:extLst>
-              <a:ext uri="{FF2B5EF4-FFF2-40B4-BE49-F238E27FC236}">
-                <a16:creationId xmlns:a16="http://schemas.microsoft.com/office/drawing/2014/main" id="{80428094-7C43-4FE1-98D3-4EB575753AF5}"/>
-              </a:ext>
-            </a:extLst>
-          </p:cNvPr>
-          <p:cNvCxnSpPr>
-            <a:stCxn id="94" idx="1"/>
-          </p:cNvCxnSpPr>
-          <p:nvPr/>
-        </p:nvCxnSpPr>
-        <p:spPr>
-          <a:xfrm flipH="1" flipV="1">
-            <a:off x="6637190" y="3155232"/>
-            <a:ext cx="1597421" cy="1"/>
-          </a:xfrm>
-          <a:prstGeom prst="line">
-            <a:avLst/>
-          </a:prstGeom>
-          <a:ln>
-            <a:headEnd type="none" w="med" len="med"/>
-            <a:tailEnd type="none" w="med" len="med"/>
-          </a:ln>
-        </p:spPr>
-        <p:style>
-          <a:lnRef idx="1">
-            <a:schemeClr val="accent4"/>
-          </a:lnRef>
-          <a:fillRef idx="0">
-            <a:schemeClr val="accent4"/>
-          </a:fillRef>
-          <a:effectRef idx="0">
-            <a:schemeClr val="accent4"/>
-          </a:effectRef>
-          <a:fontRef idx="minor">
-            <a:schemeClr val="tx1"/>
-          </a:fontRef>
-        </p:style>
-      </p:cxnSp>
-      <p:cxnSp>
-        <p:nvCxnSpPr>
-          <p:cNvPr id="104" name="직선 연결선 103">
-            <a:extLst>
-              <a:ext uri="{FF2B5EF4-FFF2-40B4-BE49-F238E27FC236}">
-                <a16:creationId xmlns:a16="http://schemas.microsoft.com/office/drawing/2014/main" id="{B229B873-A7F9-4472-B931-9381915FC5BD}"/>
-              </a:ext>
-            </a:extLst>
-          </p:cNvPr>
-          <p:cNvCxnSpPr>
-            <a:cxnSpLocks/>
-            <a:stCxn id="94" idx="3"/>
-          </p:cNvCxnSpPr>
-          <p:nvPr/>
-        </p:nvCxnSpPr>
-        <p:spPr>
-          <a:xfrm flipV="1">
-            <a:off x="10416338" y="3155232"/>
-            <a:ext cx="966037" cy="1"/>
-          </a:xfrm>
-          <a:prstGeom prst="line">
-            <a:avLst/>
-          </a:prstGeom>
-        </p:spPr>
-        <p:style>
-          <a:lnRef idx="1">
-            <a:schemeClr val="accent4"/>
-          </a:lnRef>
-          <a:fillRef idx="0">
-            <a:schemeClr val="accent4"/>
-          </a:fillRef>
-          <a:effectRef idx="0">
-            <a:schemeClr val="accent4"/>
-          </a:effectRef>
-          <a:fontRef idx="minor">
-            <a:schemeClr val="tx1"/>
-          </a:fontRef>
-        </p:style>
-      </p:cxnSp>
-      <p:cxnSp>
-        <p:nvCxnSpPr>
-          <p:cNvPr id="106" name="직선 연결선 105">
-            <a:extLst>
-              <a:ext uri="{FF2B5EF4-FFF2-40B4-BE49-F238E27FC236}">
-                <a16:creationId xmlns:a16="http://schemas.microsoft.com/office/drawing/2014/main" id="{CF3F756F-2736-4CB0-885B-1F6E3EA8EEA9}"/>
-              </a:ext>
-            </a:extLst>
-          </p:cNvPr>
-          <p:cNvCxnSpPr>
-            <a:cxnSpLocks/>
-          </p:cNvCxnSpPr>
-          <p:nvPr/>
-        </p:nvCxnSpPr>
-        <p:spPr>
-          <a:xfrm flipV="1">
-            <a:off x="11382375" y="482018"/>
-            <a:ext cx="0" cy="2673214"/>
-          </a:xfrm>
-          <a:prstGeom prst="line">
-            <a:avLst/>
-          </a:prstGeom>
-        </p:spPr>
-        <p:style>
-          <a:lnRef idx="1">
-            <a:schemeClr val="accent4"/>
-          </a:lnRef>
-          <a:fillRef idx="0">
-            <a:schemeClr val="accent4"/>
-          </a:fillRef>
-          <a:effectRef idx="0">
-            <a:schemeClr val="accent4"/>
-          </a:effectRef>
-          <a:fontRef idx="minor">
-            <a:schemeClr val="tx1"/>
-          </a:fontRef>
-        </p:style>
-      </p:cxnSp>
-      <p:cxnSp>
-        <p:nvCxnSpPr>
-          <p:cNvPr id="110" name="직선 화살표 연결선 109">
-            <a:extLst>
-              <a:ext uri="{FF2B5EF4-FFF2-40B4-BE49-F238E27FC236}">
-                <a16:creationId xmlns:a16="http://schemas.microsoft.com/office/drawing/2014/main" id="{7FE31941-2AA1-4D98-A4F4-37128F3C919E}"/>
-              </a:ext>
-            </a:extLst>
-          </p:cNvPr>
-          <p:cNvCxnSpPr>
-            <a:endCxn id="85" idx="3"/>
-          </p:cNvCxnSpPr>
-          <p:nvPr/>
-        </p:nvCxnSpPr>
-        <p:spPr>
-          <a:xfrm flipH="1">
-            <a:off x="10835189" y="482018"/>
-            <a:ext cx="547186" cy="1"/>
-          </a:xfrm>
-          <a:prstGeom prst="straightConnector1">
-            <a:avLst/>
-          </a:prstGeom>
-          <a:ln>
-            <a:tailEnd type="triangle"/>
-          </a:ln>
-        </p:spPr>
-        <p:style>
-          <a:lnRef idx="1">
-            <a:schemeClr val="accent4"/>
-          </a:lnRef>
-          <a:fillRef idx="0">
-            <a:schemeClr val="accent4"/>
-          </a:fillRef>
-          <a:effectRef idx="0">
-            <a:schemeClr val="accent4"/>
-          </a:effectRef>
-          <a:fontRef idx="minor">
-            <a:schemeClr val="tx1"/>
-          </a:fontRef>
-        </p:style>
-      </p:cxnSp>
-      <p:sp>
-        <p:nvSpPr>
-          <p:cNvPr id="113" name="순서도: 판단 112">
-            <a:extLst>
-              <a:ext uri="{FF2B5EF4-FFF2-40B4-BE49-F238E27FC236}">
-                <a16:creationId xmlns:a16="http://schemas.microsoft.com/office/drawing/2014/main" id="{A1CB53AF-9DBC-4E1E-B343-AFF69D35FDE7}"/>
-              </a:ext>
-            </a:extLst>
-          </p:cNvPr>
-          <p:cNvSpPr/>
-          <p:nvPr/>
-        </p:nvSpPr>
-        <p:spPr>
-          <a:xfrm>
-            <a:off x="2229422" y="5772658"/>
-            <a:ext cx="2181727" cy="447894"/>
-          </a:xfrm>
-          <a:prstGeom prst="flowChartDecision">
-            <a:avLst/>
-          </a:prstGeom>
-          <a:solidFill>
-            <a:schemeClr val="accent4">
-              <a:alpha val="50000"/>
-            </a:schemeClr>
-          </a:solidFill>
-          <a:ln>
-            <a:noFill/>
-          </a:ln>
-        </p:spPr>
-        <p:style>
-          <a:lnRef idx="0">
-            <a:scrgbClr r="0" g="0" b="0"/>
-          </a:lnRef>
-          <a:fillRef idx="0">
-            <a:scrgbClr r="0" g="0" b="0"/>
-          </a:fillRef>
-          <a:effectRef idx="0">
-            <a:scrgbClr r="0" g="0" b="0"/>
-          </a:effectRef>
-          <a:fontRef idx="minor">
-            <a:schemeClr val="lt1"/>
-          </a:fontRef>
-        </p:style>
-        <p:txBody>
-          <a:bodyPr rot="0" spcFirstLastPara="0" vertOverflow="overflow" horzOverflow="overflow" vert="horz" wrap="square" lIns="91440" tIns="45720" rIns="91440" bIns="45720" numCol="1" spcCol="0" rtlCol="0" fromWordArt="0" anchor="ctr" anchorCtr="0" forceAA="0" compatLnSpc="1">
-            <a:prstTxWarp prst="textNoShape">
-              <a:avLst/>
-            </a:prstTxWarp>
-            <a:noAutofit/>
-          </a:bodyPr>
-          <a:lstStyle/>
-          <a:p>
-            <a:pPr algn="ctr"/>
-            <a:r>
-              <a:rPr lang="en-US" altLang="ko-KR" sz="1100" dirty="0">
-                <a:ln w="0"/>
-                <a:solidFill>
-                  <a:schemeClr val="tx1"/>
-                </a:solidFill>
-                <a:effectLst>
-                  <a:outerShdw blurRad="38100" dist="19050" dir="2700000" algn="tl" rotWithShape="0">
-                    <a:schemeClr val="dk1">
-                      <a:alpha val="40000"/>
-                    </a:schemeClr>
-                  </a:outerShdw>
-                </a:effectLst>
-              </a:rPr>
-              <a:t>Is Game End?</a:t>
-            </a:r>
-            <a:endParaRPr lang="ko-KR" altLang="en-US" sz="1100" dirty="0">
-              <a:ln w="0"/>
-              <a:solidFill>
-                <a:schemeClr val="tx1"/>
-              </a:solidFill>
-              <a:effectLst>
-                <a:outerShdw blurRad="38100" dist="19050" dir="2700000" algn="tl" rotWithShape="0">
-                  <a:schemeClr val="dk1">
-                    <a:alpha val="40000"/>
-                  </a:schemeClr>
-                </a:outerShdw>
-              </a:effectLst>
-            </a:endParaRPr>
-          </a:p>
-        </p:txBody>
-      </p:sp>
-      <p:cxnSp>
-        <p:nvCxnSpPr>
-          <p:cNvPr id="115" name="직선 화살표 연결선 114">
-            <a:extLst>
-              <a:ext uri="{FF2B5EF4-FFF2-40B4-BE49-F238E27FC236}">
-                <a16:creationId xmlns:a16="http://schemas.microsoft.com/office/drawing/2014/main" id="{ABD0C5C0-6DE1-49AA-8471-0993FA837FF6}"/>
-              </a:ext>
-            </a:extLst>
-          </p:cNvPr>
-          <p:cNvCxnSpPr>
-            <a:cxnSpLocks/>
-            <a:stCxn id="78" idx="2"/>
-            <a:endCxn id="113" idx="0"/>
-          </p:cNvCxnSpPr>
-          <p:nvPr/>
-        </p:nvCxnSpPr>
-        <p:spPr>
-          <a:xfrm>
-            <a:off x="3320286" y="5522326"/>
-            <a:ext cx="0" cy="250332"/>
-          </a:xfrm>
-          <a:prstGeom prst="straightConnector1">
-            <a:avLst/>
-          </a:prstGeom>
-          <a:ln>
-            <a:tailEnd type="triangle"/>
-          </a:ln>
-        </p:spPr>
-        <p:style>
-          <a:lnRef idx="1">
-            <a:schemeClr val="accent4"/>
-          </a:lnRef>
-          <a:fillRef idx="0">
-            <a:schemeClr val="accent4"/>
-          </a:fillRef>
-          <a:effectRef idx="0">
-            <a:schemeClr val="accent4"/>
-          </a:effectRef>
-          <a:fontRef idx="minor">
-            <a:schemeClr val="tx1"/>
-          </a:fontRef>
-        </p:style>
-      </p:cxnSp>
-      <p:sp>
-        <p:nvSpPr>
-          <p:cNvPr id="120" name="TextBox 119">
-            <a:extLst>
-              <a:ext uri="{FF2B5EF4-FFF2-40B4-BE49-F238E27FC236}">
-                <a16:creationId xmlns:a16="http://schemas.microsoft.com/office/drawing/2014/main" id="{94CC047C-CA1C-491D-9ABB-208408662065}"/>
-              </a:ext>
-            </a:extLst>
-          </p:cNvPr>
-          <p:cNvSpPr txBox="1"/>
-          <p:nvPr/>
-        </p:nvSpPr>
-        <p:spPr>
-          <a:xfrm>
-            <a:off x="1643117" y="5704297"/>
-            <a:ext cx="343364" cy="215444"/>
-          </a:xfrm>
-          <a:prstGeom prst="rect">
-            <a:avLst/>
-          </a:prstGeom>
-          <a:solidFill>
-            <a:schemeClr val="accent4">
-              <a:alpha val="50000"/>
-            </a:schemeClr>
-          </a:solidFill>
-          <a:ln>
-            <a:noFill/>
-          </a:ln>
-        </p:spPr>
-        <p:style>
-          <a:lnRef idx="0">
-            <a:scrgbClr r="0" g="0" b="0"/>
-          </a:lnRef>
-          <a:fillRef idx="0">
-            <a:scrgbClr r="0" g="0" b="0"/>
-          </a:fillRef>
-          <a:effectRef idx="0">
-            <a:scrgbClr r="0" g="0" b="0"/>
-          </a:effectRef>
-          <a:fontRef idx="minor">
-            <a:schemeClr val="lt1"/>
-          </a:fontRef>
-        </p:style>
-        <p:txBody>
-          <a:bodyPr wrap="none" rtlCol="0">
-            <a:spAutoFit/>
-          </a:bodyPr>
-          <a:lstStyle/>
-          <a:p>
-            <a:r>
-              <a:rPr lang="en-US" altLang="ko-KR" sz="800" dirty="0">
-                <a:ln w="0"/>
-                <a:solidFill>
-                  <a:schemeClr val="tx1"/>
-                </a:solidFill>
-                <a:effectLst>
-                  <a:outerShdw blurRad="38100" dist="19050" dir="2700000" algn="tl" rotWithShape="0">
-                    <a:schemeClr val="dk1">
-                      <a:alpha val="40000"/>
-                    </a:schemeClr>
-                  </a:outerShdw>
-                </a:effectLst>
-              </a:rPr>
-              <a:t>NO</a:t>
-            </a:r>
-            <a:endParaRPr lang="ko-KR" altLang="en-US" sz="800" dirty="0">
-              <a:ln w="0"/>
-              <a:solidFill>
-                <a:schemeClr val="tx1"/>
-              </a:solidFill>
-              <a:effectLst>
-                <a:outerShdw blurRad="38100" dist="19050" dir="2700000" algn="tl" rotWithShape="0">
-                  <a:schemeClr val="dk1">
-                    <a:alpha val="40000"/>
-                  </a:schemeClr>
-                </a:outerShdw>
-              </a:effectLst>
-            </a:endParaRPr>
-          </a:p>
-        </p:txBody>
-      </p:sp>
-      <p:sp>
-        <p:nvSpPr>
           <p:cNvPr id="128" name="직사각형 127">
             <a:extLst>
               <a:ext uri="{FF2B5EF4-FFF2-40B4-BE49-F238E27FC236}">
@@ -16818,7 +16849,7 @@
             <a:pPr algn="ctr"/>
             <a:r>
               <a:rPr lang="en-US" altLang="ko-KR" dirty="0"/>
-              <a:t>AI Client In Game</a:t>
+              <a:t>AI Agent In Game</a:t>
             </a:r>
           </a:p>
         </p:txBody>
